--- a/Slides/u02_Ch8_power.pptx
+++ b/Slides/u02_Ch8_power.pptx
@@ -9,16 +9,16 @@
   </p:notesMasterIdLst>
   <p:sldIdLst>
     <p:sldId id="257" r:id="rId2"/>
-    <p:sldId id="269" r:id="rId3"/>
+    <p:sldId id="275" r:id="rId3"/>
     <p:sldId id="258" r:id="rId4"/>
     <p:sldId id="270" r:id="rId5"/>
-    <p:sldId id="260" r:id="rId6"/>
-    <p:sldId id="271" r:id="rId7"/>
-    <p:sldId id="272" r:id="rId8"/>
-    <p:sldId id="263" r:id="rId9"/>
-    <p:sldId id="261" r:id="rId10"/>
-    <p:sldId id="273" r:id="rId11"/>
-    <p:sldId id="274" r:id="rId12"/>
+    <p:sldId id="269" r:id="rId6"/>
+    <p:sldId id="260" r:id="rId7"/>
+    <p:sldId id="271" r:id="rId8"/>
+    <p:sldId id="272" r:id="rId9"/>
+    <p:sldId id="263" r:id="rId10"/>
+    <p:sldId id="261" r:id="rId11"/>
+    <p:sldId id="273" r:id="rId12"/>
     <p:sldId id="266" r:id="rId13"/>
     <p:sldId id="267" r:id="rId14"/>
     <p:sldId id="268" r:id="rId15"/>
@@ -210,7 +210,7 @@
           <a:p>
             <a:fld id="{49BB8E79-D2C6-4452-BD4A-31BFBDD3CF1E}" type="datetimeFigureOut">
               <a:rPr lang="en-US" smtClean="0"/>
-              <a:t>2/13/2018</a:t>
+              <a:t>10/2/19</a:t>
             </a:fld>
             <a:endParaRPr lang="en-US"/>
           </a:p>
@@ -274,38 +274,37 @@
           <a:p>
             <a:pPr lvl="0"/>
             <a:r>
-              <a:rPr lang="en-US" smtClean="0"/>
+              <a:rPr lang="en-US"/>
               <a:t>Click to edit Master text styles</a:t>
             </a:r>
           </a:p>
           <a:p>
             <a:pPr lvl="1"/>
             <a:r>
-              <a:rPr lang="en-US" smtClean="0"/>
+              <a:rPr lang="en-US"/>
               <a:t>Second level</a:t>
             </a:r>
           </a:p>
           <a:p>
             <a:pPr lvl="2"/>
             <a:r>
-              <a:rPr lang="en-US" smtClean="0"/>
+              <a:rPr lang="en-US"/>
               <a:t>Third level</a:t>
             </a:r>
           </a:p>
           <a:p>
             <a:pPr lvl="3"/>
             <a:r>
-              <a:rPr lang="en-US" smtClean="0"/>
+              <a:rPr lang="en-US"/>
               <a:t>Fourth level</a:t>
             </a:r>
           </a:p>
           <a:p>
             <a:pPr lvl="4"/>
             <a:r>
-              <a:rPr lang="en-US" smtClean="0"/>
+              <a:rPr lang="en-US"/>
               <a:t>Fifth level</a:t>
             </a:r>
-            <a:endParaRPr lang="en-US"/>
           </a:p>
         </p:txBody>
       </p:sp>
@@ -636,6 +635,90 @@
     </p:spTree>
     <p:extLst>
       <p:ext uri="{BB962C8B-B14F-4D97-AF65-F5344CB8AC3E}">
+        <p14:creationId xmlns:p14="http://schemas.microsoft.com/office/powerpoint/2010/main" val="3405406132"/>
+      </p:ext>
+    </p:extLst>
+  </p:cSld>
+  <p:clrMapOvr>
+    <a:masterClrMapping/>
+  </p:clrMapOvr>
+</p:notes>
+</file>
+
+<file path=ppt/notesSlides/notesSlide3.xml><?xml version="1.0" encoding="utf-8"?>
+<p:notes xmlns:a="http://schemas.openxmlformats.org/drawingml/2006/main" xmlns:r="http://schemas.openxmlformats.org/officeDocument/2006/relationships" xmlns:p="http://schemas.openxmlformats.org/presentationml/2006/main">
+  <p:cSld>
+    <p:spTree>
+      <p:nvGrpSpPr>
+        <p:cNvPr id="1" name=""/>
+        <p:cNvGrpSpPr/>
+        <p:nvPr/>
+      </p:nvGrpSpPr>
+      <p:grpSpPr>
+        <a:xfrm>
+          <a:off x="0" y="0"/>
+          <a:ext cx="0" cy="0"/>
+          <a:chOff x="0" y="0"/>
+          <a:chExt cx="0" cy="0"/>
+        </a:xfrm>
+      </p:grpSpPr>
+      <p:sp>
+        <p:nvSpPr>
+          <p:cNvPr id="2" name="Slide Image Placeholder 1"/>
+          <p:cNvSpPr>
+            <a:spLocks noGrp="1" noRot="1" noChangeAspect="1"/>
+          </p:cNvSpPr>
+          <p:nvPr>
+            <p:ph type="sldImg"/>
+          </p:nvPr>
+        </p:nvSpPr>
+        <p:spPr/>
+      </p:sp>
+      <p:sp>
+        <p:nvSpPr>
+          <p:cNvPr id="3" name="Notes Placeholder 2"/>
+          <p:cNvSpPr>
+            <a:spLocks noGrp="1"/>
+          </p:cNvSpPr>
+          <p:nvPr>
+            <p:ph type="body" idx="1"/>
+          </p:nvPr>
+        </p:nvSpPr>
+        <p:spPr/>
+        <p:txBody>
+          <a:bodyPr/>
+          <a:lstStyle/>
+          <a:p>
+            <a:endParaRPr lang="en-US"/>
+          </a:p>
+        </p:txBody>
+      </p:sp>
+      <p:sp>
+        <p:nvSpPr>
+          <p:cNvPr id="4" name="Slide Number Placeholder 3"/>
+          <p:cNvSpPr>
+            <a:spLocks noGrp="1"/>
+          </p:cNvSpPr>
+          <p:nvPr>
+            <p:ph type="sldNum" sz="quarter" idx="10"/>
+          </p:nvPr>
+        </p:nvSpPr>
+        <p:spPr/>
+        <p:txBody>
+          <a:bodyPr/>
+          <a:lstStyle/>
+          <a:p>
+            <a:fld id="{030F0CC9-A748-4EB9-B620-ED0813D55A6D}" type="slidenum">
+              <a:rPr lang="en-US" smtClean="0"/>
+              <a:t>5</a:t>
+            </a:fld>
+            <a:endParaRPr lang="en-US"/>
+          </a:p>
+        </p:txBody>
+      </p:sp>
+    </p:spTree>
+    <p:extLst>
+      <p:ext uri="{BB962C8B-B14F-4D97-AF65-F5344CB8AC3E}">
         <p14:creationId xmlns:p14="http://schemas.microsoft.com/office/powerpoint/2010/main" val="1882271298"/>
       </p:ext>
     </p:extLst>
@@ -646,7 +729,7 @@
 </p:notes>
 </file>
 
-<file path=ppt/notesSlides/notesSlide3.xml><?xml version="1.0" encoding="utf-8"?>
+<file path=ppt/notesSlides/notesSlide4.xml><?xml version="1.0" encoding="utf-8"?>
 <p:notes xmlns:a="http://schemas.openxmlformats.org/drawingml/2006/main" xmlns:r="http://schemas.openxmlformats.org/officeDocument/2006/relationships" xmlns:p="http://schemas.openxmlformats.org/presentationml/2006/main">
   <p:cSld>
     <p:spTree>
@@ -732,7 +815,7 @@
                   </m:oMath>
                 </a14:m>
                 <a:r>
-                  <a:rPr lang="en-US" altLang="en-US" sz="2800" cap="none" dirty="0" smtClean="0">
+                  <a:rPr lang="en-US" altLang="en-US" sz="2800" cap="none" dirty="0">
                     <a:latin typeface="Verdana" charset="0"/>
                     <a:ea typeface="Verdana" charset="0"/>
                     <a:cs typeface="Verdana" charset="0"/>
@@ -785,7 +868,7 @@
                   </m:oMath>
                 </a14:m>
                 <a:r>
-                  <a:rPr lang="en-US" altLang="en-US" sz="4000" i="1" cap="none" baseline="-25000" dirty="0" smtClean="0">
+                  <a:rPr lang="en-US" altLang="en-US" sz="4000" i="1" cap="none" baseline="-25000" dirty="0">
                     <a:latin typeface="Verdana" charset="0"/>
                     <a:ea typeface="Verdana" charset="0"/>
                     <a:cs typeface="Verdana" charset="0"/>
@@ -799,20 +882,12 @@
                   <a:buChar char="§"/>
                 </a:pPr>
                 <a:r>
-                  <a:rPr lang="en-US" altLang="en-US" sz="2600" cap="none" dirty="0" smtClean="0">
-                    <a:latin typeface="Verdana" charset="0"/>
-                    <a:ea typeface="Verdana" charset="0"/>
-                    <a:cs typeface="Verdana" charset="0"/>
-                  </a:rPr>
-                  <a:t>association </a:t>
-                </a:r>
-                <a:r>
                   <a:rPr lang="en-US" altLang="en-US" sz="2600" cap="none" dirty="0">
                     <a:latin typeface="Verdana" charset="0"/>
                     <a:ea typeface="Verdana" charset="0"/>
                     <a:cs typeface="Verdana" charset="0"/>
                   </a:rPr>
-                  <a:t>between grouping variable (IV) and continuous DV</a:t>
+                  <a:t>association between grouping variable (IV) and continuous DV</a:t>
                 </a:r>
               </a:p>
               <a:p>
@@ -853,15 +928,7 @@
                     <a:ea typeface="Verdana" charset="0"/>
                     <a:cs typeface="Verdana" charset="0"/>
                   </a:rPr>
-                  <a:t>	results are </a:t>
-                </a:r>
-                <a:r>
-                  <a:rPr lang="en-US" altLang="en-US" sz="2400" cap="none" dirty="0" smtClean="0">
-                    <a:latin typeface="Verdana" charset="0"/>
-                    <a:ea typeface="Verdana" charset="0"/>
-                    <a:cs typeface="Verdana" charset="0"/>
-                  </a:rPr>
-                  <a:t>same</a:t>
+                  <a:t>	results are same</a:t>
                 </a:r>
                 <a:endParaRPr lang="en-US" sz="2400" cap="none" dirty="0">
                   <a:latin typeface="Verdana" charset="0"/>
@@ -1044,7 +1111,7 @@
           <a:p>
             <a:fld id="{030F0CC9-A748-4EB9-B620-ED0813D55A6D}" type="slidenum">
               <a:rPr lang="en-US" smtClean="0"/>
-              <a:t>5</a:t>
+              <a:t>6</a:t>
             </a:fld>
             <a:endParaRPr lang="en-US"/>
           </a:p>
@@ -1054,98 +1121,6 @@
     <p:extLst>
       <p:ext uri="{BB962C8B-B14F-4D97-AF65-F5344CB8AC3E}">
         <p14:creationId xmlns:p14="http://schemas.microsoft.com/office/powerpoint/2010/main" val="332373832"/>
-      </p:ext>
-    </p:extLst>
-  </p:cSld>
-  <p:clrMapOvr>
-    <a:masterClrMapping/>
-  </p:clrMapOvr>
-</p:notes>
-</file>
-
-<file path=ppt/notesSlides/notesSlide4.xml><?xml version="1.0" encoding="utf-8"?>
-<p:notes xmlns:a="http://schemas.openxmlformats.org/drawingml/2006/main" xmlns:r="http://schemas.openxmlformats.org/officeDocument/2006/relationships" xmlns:p="http://schemas.openxmlformats.org/presentationml/2006/main">
-  <p:cSld>
-    <p:spTree>
-      <p:nvGrpSpPr>
-        <p:cNvPr id="1" name=""/>
-        <p:cNvGrpSpPr/>
-        <p:nvPr/>
-      </p:nvGrpSpPr>
-      <p:grpSpPr>
-        <a:xfrm>
-          <a:off x="0" y="0"/>
-          <a:ext cx="0" cy="0"/>
-          <a:chOff x="0" y="0"/>
-          <a:chExt cx="0" cy="0"/>
-        </a:xfrm>
-      </p:grpSpPr>
-      <p:sp>
-        <p:nvSpPr>
-          <p:cNvPr id="2" name="Slide Image Placeholder 1"/>
-          <p:cNvSpPr>
-            <a:spLocks noGrp="1" noRot="1" noChangeAspect="1"/>
-          </p:cNvSpPr>
-          <p:nvPr>
-            <p:ph type="sldImg"/>
-          </p:nvPr>
-        </p:nvSpPr>
-        <p:spPr/>
-      </p:sp>
-      <p:sp>
-        <p:nvSpPr>
-          <p:cNvPr id="3" name="Notes Placeholder 2"/>
-          <p:cNvSpPr>
-            <a:spLocks noGrp="1"/>
-          </p:cNvSpPr>
-          <p:nvPr>
-            <p:ph type="body" idx="1"/>
-          </p:nvPr>
-        </p:nvSpPr>
-        <p:spPr/>
-        <p:txBody>
-          <a:bodyPr/>
-          <a:lstStyle/>
-          <a:p>
-            <a:r>
-              <a:rPr lang="en-US" dirty="0" smtClean="0"/>
-              <a:t>In</a:t>
-            </a:r>
-            <a:r>
-              <a:rPr lang="en-US" baseline="0" dirty="0" smtClean="0"/>
-              <a:t> standard deviation units</a:t>
-            </a:r>
-            <a:endParaRPr lang="en-US" dirty="0"/>
-          </a:p>
-        </p:txBody>
-      </p:sp>
-      <p:sp>
-        <p:nvSpPr>
-          <p:cNvPr id="4" name="Slide Number Placeholder 3"/>
-          <p:cNvSpPr>
-            <a:spLocks noGrp="1"/>
-          </p:cNvSpPr>
-          <p:nvPr>
-            <p:ph type="sldNum" sz="quarter" idx="10"/>
-          </p:nvPr>
-        </p:nvSpPr>
-        <p:spPr/>
-        <p:txBody>
-          <a:bodyPr/>
-          <a:lstStyle/>
-          <a:p>
-            <a:fld id="{030F0CC9-A748-4EB9-B620-ED0813D55A6D}" type="slidenum">
-              <a:rPr lang="en-US" smtClean="0"/>
-              <a:t>6</a:t>
-            </a:fld>
-            <a:endParaRPr lang="en-US"/>
-          </a:p>
-        </p:txBody>
-      </p:sp>
-    </p:spTree>
-    <p:extLst>
-      <p:ext uri="{BB962C8B-B14F-4D97-AF65-F5344CB8AC3E}">
-        <p14:creationId xmlns:p14="http://schemas.microsoft.com/office/powerpoint/2010/main" val="1838975936"/>
       </p:ext>
     </p:extLst>
   </p:cSld>
@@ -1199,6 +1174,14 @@
           <a:bodyPr/>
           <a:lstStyle/>
           <a:p>
+            <a:r>
+              <a:rPr lang="en-US" dirty="0"/>
+              <a:t>In</a:t>
+            </a:r>
+            <a:r>
+              <a:rPr lang="en-US" baseline="0" dirty="0"/>
+              <a:t> standard deviation units</a:t>
+            </a:r>
             <a:endParaRPr lang="en-US" dirty="0"/>
           </a:p>
         </p:txBody>
@@ -1229,7 +1212,7 @@
     </p:spTree>
     <p:extLst>
       <p:ext uri="{BB962C8B-B14F-4D97-AF65-F5344CB8AC3E}">
-        <p14:creationId xmlns:p14="http://schemas.microsoft.com/office/powerpoint/2010/main" val="2050104575"/>
+        <p14:creationId xmlns:p14="http://schemas.microsoft.com/office/powerpoint/2010/main" val="1838975936"/>
       </p:ext>
     </p:extLst>
   </p:cSld>
@@ -1268,6 +1251,90 @@
         </p:nvSpPr>
         <p:spPr/>
       </p:sp>
+      <p:sp>
+        <p:nvSpPr>
+          <p:cNvPr id="3" name="Notes Placeholder 2"/>
+          <p:cNvSpPr>
+            <a:spLocks noGrp="1"/>
+          </p:cNvSpPr>
+          <p:nvPr>
+            <p:ph type="body" idx="1"/>
+          </p:nvPr>
+        </p:nvSpPr>
+        <p:spPr/>
+        <p:txBody>
+          <a:bodyPr/>
+          <a:lstStyle/>
+          <a:p>
+            <a:endParaRPr lang="en-US" dirty="0"/>
+          </a:p>
+        </p:txBody>
+      </p:sp>
+      <p:sp>
+        <p:nvSpPr>
+          <p:cNvPr id="4" name="Slide Number Placeholder 3"/>
+          <p:cNvSpPr>
+            <a:spLocks noGrp="1"/>
+          </p:cNvSpPr>
+          <p:nvPr>
+            <p:ph type="sldNum" sz="quarter" idx="10"/>
+          </p:nvPr>
+        </p:nvSpPr>
+        <p:spPr/>
+        <p:txBody>
+          <a:bodyPr/>
+          <a:lstStyle/>
+          <a:p>
+            <a:fld id="{030F0CC9-A748-4EB9-B620-ED0813D55A6D}" type="slidenum">
+              <a:rPr lang="en-US" smtClean="0"/>
+              <a:t>8</a:t>
+            </a:fld>
+            <a:endParaRPr lang="en-US"/>
+          </a:p>
+        </p:txBody>
+      </p:sp>
+    </p:spTree>
+    <p:extLst>
+      <p:ext uri="{BB962C8B-B14F-4D97-AF65-F5344CB8AC3E}">
+        <p14:creationId xmlns:p14="http://schemas.microsoft.com/office/powerpoint/2010/main" val="2050104575"/>
+      </p:ext>
+    </p:extLst>
+  </p:cSld>
+  <p:clrMapOvr>
+    <a:masterClrMapping/>
+  </p:clrMapOvr>
+</p:notes>
+</file>
+
+<file path=ppt/notesSlides/notesSlide7.xml><?xml version="1.0" encoding="utf-8"?>
+<p:notes xmlns:a="http://schemas.openxmlformats.org/drawingml/2006/main" xmlns:r="http://schemas.openxmlformats.org/officeDocument/2006/relationships" xmlns:p="http://schemas.openxmlformats.org/presentationml/2006/main">
+  <p:cSld>
+    <p:spTree>
+      <p:nvGrpSpPr>
+        <p:cNvPr id="1" name=""/>
+        <p:cNvGrpSpPr/>
+        <p:nvPr/>
+      </p:nvGrpSpPr>
+      <p:grpSpPr>
+        <a:xfrm>
+          <a:off x="0" y="0"/>
+          <a:ext cx="0" cy="0"/>
+          <a:chOff x="0" y="0"/>
+          <a:chExt cx="0" cy="0"/>
+        </a:xfrm>
+      </p:grpSpPr>
+      <p:sp>
+        <p:nvSpPr>
+          <p:cNvPr id="2" name="Slide Image Placeholder 1"/>
+          <p:cNvSpPr>
+            <a:spLocks noGrp="1" noRot="1" noChangeAspect="1"/>
+          </p:cNvSpPr>
+          <p:nvPr>
+            <p:ph type="sldImg"/>
+          </p:nvPr>
+        </p:nvSpPr>
+        <p:spPr/>
+      </p:sp>
       <mc:AlternateContent xmlns:mc="http://schemas.openxmlformats.org/markup-compatibility/2006" xmlns:a14="http://schemas.microsoft.com/office/drawing/2010/main">
         <mc:Choice Requires="a14">
           <p:sp>
@@ -1291,7 +1358,7 @@
                   </a:lnSpc>
                 </a:pPr>
                 <a:r>
-                  <a:rPr lang="en-US" sz="2400" b="1" dirty="0" smtClean="0"/>
+                  <a:rPr lang="en-US" sz="2400" b="1" dirty="0"/>
                   <a:t>When </a:t>
                 </a:r>
                 <a14:m>
@@ -1354,7 +1421,7 @@
                     </m:sSub>
                   </m:oMath>
                 </a14:m>
-                <a:endParaRPr lang="en-US" altLang="en-US" sz="2400" b="1" i="1" u="sng" kern="1200" cap="none" dirty="0" smtClean="0">
+                <a:endParaRPr lang="en-US" altLang="en-US" sz="2400" b="1" i="1" u="sng" kern="1200" cap="none" dirty="0">
                   <a:solidFill>
                     <a:schemeClr val="tx1"/>
                   </a:solidFill>
@@ -1379,7 +1446,7 @@
                   </a:lnSpc>
                 </a:pPr>
                 <a:r>
-                  <a:rPr lang="en-US" altLang="en-US" sz="2400" b="0" i="0" u="none" kern="1200" cap="none" dirty="0" smtClean="0">
+                  <a:rPr lang="en-US" altLang="en-US" sz="2400" b="0" i="0" u="none" kern="1200" cap="none" dirty="0">
                     <a:solidFill>
                       <a:schemeClr val="tx1"/>
                     </a:solidFill>
@@ -1406,7 +1473,7 @@
                   </a:lnSpc>
                 </a:pPr>
                 <a:r>
-                  <a:rPr lang="en-US" altLang="en-US" sz="2400" b="0" i="0" u="none" kern="1200" cap="none" baseline="0" dirty="0" smtClean="0">
+                  <a:rPr lang="en-US" altLang="en-US" sz="2400" b="0" i="0" u="none" kern="1200" cap="none" baseline="0" dirty="0">
                     <a:solidFill>
                       <a:schemeClr val="tx1"/>
                     </a:solidFill>
@@ -1426,7 +1493,7 @@
                   <a:t>   </a:t>
                 </a:r>
                 <a:r>
-                  <a:rPr lang="el-GR" altLang="en-US" sz="2000" i="1" kern="1200" cap="none" dirty="0" smtClean="0">
+                  <a:rPr lang="el-GR" altLang="en-US" sz="2000" i="1" kern="1200" cap="none" dirty="0">
                     <a:solidFill>
                       <a:schemeClr val="tx1"/>
                     </a:solidFill>
@@ -1446,7 +1513,7 @@
                   <a:t>δ</a:t>
                 </a:r>
                 <a:r>
-                  <a:rPr lang="en-US" altLang="en-US" sz="2000" kern="1200" cap="none" dirty="0" smtClean="0">
+                  <a:rPr lang="en-US" altLang="en-US" sz="2000" kern="1200" cap="none" dirty="0">
                     <a:solidFill>
                       <a:schemeClr val="tx1"/>
                     </a:solidFill>
@@ -1466,7 +1533,7 @@
                   <a:t> </a:t>
                 </a:r>
                 <a:r>
-                  <a:rPr lang="en-US" altLang="en-US" sz="2000" kern="1200" cap="none" dirty="0" smtClean="0">
+                  <a:rPr lang="en-US" altLang="en-US" sz="2000" kern="1200" cap="none" dirty="0">
                     <a:solidFill>
                       <a:schemeClr val="tx1"/>
                     </a:solidFill>
@@ -1494,7 +1561,7 @@
                   </a:lnSpc>
                 </a:pPr>
                 <a:r>
-                  <a:rPr lang="en-US" altLang="en-US" sz="2000" i="1" kern="1200" cap="none" baseline="0" dirty="0" smtClean="0">
+                  <a:rPr lang="en-US" altLang="en-US" sz="2000" i="1" kern="1200" cap="none" baseline="0" dirty="0">
                     <a:solidFill>
                       <a:schemeClr val="tx1"/>
                     </a:solidFill>
@@ -1515,7 +1582,7 @@
                   <a:t>   </a:t>
                 </a:r>
                 <a:r>
-                  <a:rPr lang="en-US" altLang="en-US" sz="2000" i="1" kern="1200" cap="none" dirty="0" smtClean="0">
+                  <a:rPr lang="en-US" altLang="en-US" sz="2000" i="1" kern="1200" cap="none" dirty="0">
                     <a:solidFill>
                       <a:schemeClr val="tx1"/>
                     </a:solidFill>
@@ -1535,7 +1602,7 @@
                   <a:t>n </a:t>
                 </a:r>
                 <a:r>
-                  <a:rPr lang="en-US" altLang="en-US" sz="2000" kern="1200" cap="none" dirty="0" smtClean="0">
+                  <a:rPr lang="en-US" altLang="en-US" sz="2000" kern="1200" cap="none" dirty="0">
                     <a:solidFill>
                       <a:schemeClr val="tx1"/>
                     </a:solidFill>
@@ -1562,7 +1629,7 @@
                   </a:lnSpc>
                 </a:pPr>
                 <a:r>
-                  <a:rPr lang="en-US" altLang="en-US" sz="2400" b="0" i="0" u="none" kern="1200" cap="none" dirty="0" smtClean="0">
+                  <a:rPr lang="en-US" altLang="en-US" sz="2400" b="0" i="0" u="none" kern="1200" cap="none" dirty="0">
                     <a:solidFill>
                       <a:schemeClr val="tx1"/>
                     </a:solidFill>
@@ -1589,7 +1656,7 @@
                   </a:lnSpc>
                 </a:pPr>
                 <a:r>
-                  <a:rPr lang="en-US" altLang="en-US" sz="2400" b="0" i="0" u="none" kern="1200" cap="none" baseline="0" dirty="0" smtClean="0">
+                  <a:rPr lang="en-US" altLang="en-US" sz="2400" b="0" i="0" u="none" kern="1200" cap="none" baseline="0" dirty="0">
                     <a:solidFill>
                       <a:schemeClr val="tx1"/>
                     </a:solidFill>
@@ -1609,7 +1676,7 @@
                   <a:t>   </a:t>
                 </a:r>
                 <a:r>
-                  <a:rPr lang="en-US" altLang="en-US" sz="2000" i="1" kern="1200" cap="none" dirty="0" smtClean="0">
+                  <a:rPr lang="en-US" altLang="en-US" sz="2000" i="1" kern="1200" cap="none" dirty="0">
                     <a:solidFill>
                       <a:schemeClr val="tx1"/>
                     </a:solidFill>
@@ -1629,7 +1696,7 @@
                   <a:t>n</a:t>
                 </a:r>
                 <a:r>
-                  <a:rPr lang="en-US" altLang="en-US" sz="2000" kern="1200" cap="none" dirty="0" smtClean="0">
+                  <a:rPr lang="en-US" altLang="en-US" sz="2000" kern="1200" cap="none" dirty="0">
                     <a:solidFill>
                       <a:schemeClr val="tx1"/>
                     </a:solidFill>
@@ -1650,7 +1717,7 @@
                 </a:r>
               </a:p>
               <a:p>
-                <a:endParaRPr lang="en-US" b="1" dirty="0" smtClean="0"/>
+                <a:endParaRPr lang="en-US" b="1" dirty="0"/>
               </a:p>
               <a:p>
                 <a:pPr marL="0" marR="0" indent="0" algn="l" defTabSz="914400" rtl="0" eaLnBrk="1" fontAlgn="auto" latinLnBrk="0" hangingPunct="1">
@@ -1671,7 +1738,7 @@
                   <a:defRPr/>
                 </a:pPr>
                 <a:r>
-                  <a:rPr lang="en-US" sz="1200" b="1" dirty="0" smtClean="0"/>
+                  <a:rPr lang="en-US" sz="1200" b="1" dirty="0"/>
                   <a:t>When </a:t>
                 </a:r>
                 <a14:m>
@@ -1743,7 +1810,7 @@
                   </a:lnSpc>
                 </a:pPr>
                 <a:r>
-                  <a:rPr lang="en-US" altLang="en-US" sz="2400" b="0" i="0" u="none" dirty="0" smtClean="0">
+                  <a:rPr lang="en-US" altLang="en-US" sz="2400" b="0" i="0" u="none" dirty="0">
                     <a:solidFill>
                       <a:schemeClr val="bg1">
                         <a:lumMod val="95000"/>
@@ -1761,7 +1828,7 @@
                   </a:lnSpc>
                 </a:pPr>
                 <a:r>
-                  <a:rPr lang="en-US" altLang="en-US" sz="2400" b="0" i="0" u="none" baseline="0" dirty="0" smtClean="0">
+                  <a:rPr lang="en-US" altLang="en-US" sz="2400" b="0" i="0" u="none" baseline="0" dirty="0">
                     <a:solidFill>
                       <a:schemeClr val="bg1">
                         <a:lumMod val="95000"/>
@@ -1773,7 +1840,7 @@
                   <a:t>   </a:t>
                 </a:r>
                 <a:r>
-                  <a:rPr lang="en-US" altLang="en-US" sz="2400" dirty="0" smtClean="0">
+                  <a:rPr lang="en-US" altLang="en-US" sz="2400" dirty="0">
                     <a:solidFill>
                       <a:schemeClr val="bg1">
                         <a:lumMod val="95000"/>
@@ -1785,7 +1852,7 @@
                   <a:t>Conservative approach: use smaller </a:t>
                 </a:r>
                 <a:r>
-                  <a:rPr lang="en-US" altLang="en-US" sz="2400" i="1" dirty="0" smtClean="0">
+                  <a:rPr lang="en-US" altLang="en-US" sz="2400" i="1" dirty="0">
                     <a:solidFill>
                       <a:schemeClr val="bg1">
                         <a:lumMod val="95000"/>
@@ -1797,7 +1864,7 @@
                   <a:t>n </a:t>
                 </a:r>
                 <a:r>
-                  <a:rPr lang="en-US" altLang="en-US" sz="2400" dirty="0" smtClean="0">
+                  <a:rPr lang="en-US" altLang="en-US" sz="2400" dirty="0">
                     <a:solidFill>
                       <a:schemeClr val="bg1">
                         <a:lumMod val="95000"/>
@@ -1816,7 +1883,7 @@
                   </a:lnSpc>
                 </a:pPr>
                 <a:r>
-                  <a:rPr lang="en-US" altLang="en-US" sz="2400" baseline="0" dirty="0" smtClean="0">
+                  <a:rPr lang="en-US" altLang="en-US" sz="2400" baseline="0" dirty="0">
                     <a:solidFill>
                       <a:schemeClr val="bg1">
                         <a:lumMod val="95000"/>
@@ -1828,7 +1895,7 @@
                   <a:t>       </a:t>
                 </a:r>
                 <a:r>
-                  <a:rPr lang="en-US" altLang="en-US" sz="2000" dirty="0" smtClean="0">
+                  <a:rPr lang="en-US" altLang="en-US" sz="2000" dirty="0">
                     <a:solidFill>
                       <a:schemeClr val="bg1">
                         <a:lumMod val="95000"/>
@@ -1840,7 +1907,7 @@
                   <a:t>Ineffective if </a:t>
                 </a:r>
                 <a:r>
-                  <a:rPr lang="en-US" altLang="en-US" sz="2000" i="1" dirty="0" smtClean="0">
+                  <a:rPr lang="en-US" altLang="en-US" sz="2000" i="1" dirty="0">
                     <a:solidFill>
                       <a:schemeClr val="bg1">
                         <a:lumMod val="95000"/>
@@ -1852,7 +1919,7 @@
                   <a:t>n</a:t>
                 </a:r>
                 <a:r>
-                  <a:rPr lang="en-US" altLang="en-US" sz="2000" dirty="0" smtClean="0">
+                  <a:rPr lang="en-US" altLang="en-US" sz="2000" dirty="0">
                     <a:solidFill>
                       <a:schemeClr val="bg1">
                         <a:lumMod val="95000"/>
@@ -1871,7 +1938,7 @@
                   </a:lnSpc>
                 </a:pPr>
                 <a:r>
-                  <a:rPr lang="en-US" altLang="en-US" sz="2000" baseline="0" dirty="0" smtClean="0">
+                  <a:rPr lang="en-US" altLang="en-US" sz="2000" baseline="0" dirty="0">
                     <a:solidFill>
                       <a:schemeClr val="bg1">
                         <a:lumMod val="95000"/>
@@ -1883,7 +1950,7 @@
                   <a:t>   </a:t>
                 </a:r>
                 <a:r>
-                  <a:rPr lang="en-US" altLang="en-US" sz="2400" dirty="0" smtClean="0">
+                  <a:rPr lang="en-US" altLang="en-US" sz="2400" dirty="0">
                     <a:solidFill>
                       <a:schemeClr val="bg1">
                         <a:lumMod val="95000"/>
@@ -1902,7 +1969,7 @@
                   </a:lnSpc>
                 </a:pPr>
                 <a:r>
-                  <a:rPr lang="en-US" altLang="en-US" sz="2400" baseline="0" dirty="0" smtClean="0">
+                  <a:rPr lang="en-US" altLang="en-US" sz="2400" baseline="0" dirty="0">
                     <a:solidFill>
                       <a:schemeClr val="bg1">
                         <a:lumMod val="95000"/>
@@ -1914,7 +1981,7 @@
                   <a:t>       </a:t>
                 </a:r>
                 <a:r>
-                  <a:rPr lang="en-US" altLang="en-US" sz="2400" dirty="0" smtClean="0">
+                  <a:rPr lang="en-US" altLang="en-US" sz="2400" dirty="0">
                     <a:solidFill>
                       <a:schemeClr val="bg1">
                         <a:lumMod val="95000"/>
@@ -1926,7 +1993,7 @@
                   <a:t>harmonic (not arithmetic) mean</a:t>
                 </a:r>
                 <a:r>
-                  <a:rPr lang="en-US" altLang="en-US" sz="2400" baseline="0" dirty="0" smtClean="0">
+                  <a:rPr lang="en-US" altLang="en-US" sz="2400" baseline="0" dirty="0">
                     <a:solidFill>
                       <a:schemeClr val="bg1">
                         <a:lumMod val="95000"/>
@@ -1937,7 +2004,7 @@
                   </a:rPr>
                   <a:t> (the top equation)</a:t>
                 </a:r>
-                <a:endParaRPr lang="en-US" altLang="en-US" sz="2400" dirty="0" smtClean="0">
+                <a:endParaRPr lang="en-US" altLang="en-US" sz="2400" dirty="0">
                   <a:solidFill>
                     <a:schemeClr val="bg1">
                       <a:lumMod val="95000"/>
@@ -1954,7 +2021,7 @@
                   </a:lnSpc>
                 </a:pPr>
                 <a:r>
-                  <a:rPr lang="en-US" altLang="en-US" sz="2400" dirty="0" smtClean="0">
+                  <a:rPr lang="en-US" altLang="en-US" sz="2400" dirty="0">
                     <a:solidFill>
                       <a:schemeClr val="bg1">
                         <a:lumMod val="95000"/>
@@ -1965,7 +2032,7 @@
                   </a:rPr>
                   <a:t>Then, use the second.</a:t>
                 </a:r>
-                <a:endParaRPr lang="en-US" altLang="en-US" sz="1600" dirty="0" smtClean="0">
+                <a:endParaRPr lang="en-US" altLang="en-US" sz="1600" dirty="0">
                   <a:solidFill>
                     <a:schemeClr val="bg1">
                       <a:lumMod val="95000"/>
@@ -1983,7 +2050,7 @@
                   </a:lnSpc>
                 </a:pPr>
                 <a:r>
-                  <a:rPr lang="en-US" altLang="en-US" sz="2400" b="0" i="0" u="none" dirty="0" smtClean="0">
+                  <a:rPr lang="en-US" altLang="en-US" sz="2400" b="0" i="0" u="none" dirty="0">
                     <a:solidFill>
                       <a:schemeClr val="bg1">
                         <a:lumMod val="95000"/>
@@ -2001,7 +2068,7 @@
                   </a:lnSpc>
                 </a:pPr>
                 <a:r>
-                  <a:rPr lang="en-US" altLang="en-US" sz="2000" dirty="0" smtClean="0">
+                  <a:rPr lang="en-US" altLang="en-US" sz="2000" dirty="0">
                     <a:solidFill>
                       <a:schemeClr val="bg1">
                         <a:lumMod val="95000"/>
@@ -2014,7 +2081,7 @@
                   <a:t>Always plan for </a:t>
                 </a:r>
                 <a:r>
-                  <a:rPr lang="en-US" altLang="en-US" sz="2000" b="1" dirty="0" smtClean="0">
+                  <a:rPr lang="en-US" altLang="en-US" sz="2000" b="1" dirty="0">
                     <a:solidFill>
                       <a:schemeClr val="bg1">
                         <a:lumMod val="95000"/>
@@ -2027,7 +2094,7 @@
                   <a:t>equal</a:t>
                 </a:r>
                 <a:r>
-                  <a:rPr lang="en-US" altLang="en-US" sz="2000" dirty="0" smtClean="0">
+                  <a:rPr lang="en-US" altLang="en-US" sz="2000" dirty="0">
                     <a:solidFill>
                       <a:schemeClr val="bg1">
                         <a:lumMod val="95000"/>
@@ -2040,7 +2107,7 @@
                   <a:t> </a:t>
                 </a:r>
                 <a:r>
-                  <a:rPr lang="en-US" altLang="en-US" sz="2000" i="1" dirty="0" smtClean="0">
+                  <a:rPr lang="en-US" altLang="en-US" sz="2000" i="1" dirty="0">
                     <a:solidFill>
                       <a:schemeClr val="bg1">
                         <a:lumMod val="95000"/>
@@ -2060,7 +2127,7 @@
                   </a:lnSpc>
                 </a:pPr>
                 <a:r>
-                  <a:rPr lang="en-US" altLang="en-US" sz="2000" dirty="0" smtClean="0">
+                  <a:rPr lang="en-US" altLang="en-US" sz="2000" dirty="0">
                     <a:solidFill>
                       <a:schemeClr val="bg1">
                         <a:lumMod val="95000"/>
@@ -2073,7 +2140,7 @@
                   <a:t>Never throw out data just to make your </a:t>
                 </a:r>
                 <a:r>
-                  <a:rPr lang="en-US" altLang="en-US" sz="2000" i="1" dirty="0" smtClean="0">
+                  <a:rPr lang="en-US" altLang="en-US" sz="2000" i="1" dirty="0">
                     <a:solidFill>
                       <a:schemeClr val="bg1">
                         <a:lumMod val="95000"/>
@@ -2086,7 +2153,7 @@
                   <a:t>n’s </a:t>
                 </a:r>
                 <a:r>
-                  <a:rPr lang="en-US" altLang="en-US" sz="2000" dirty="0" smtClean="0">
+                  <a:rPr lang="en-US" altLang="en-US" sz="2000" dirty="0">
                     <a:solidFill>
                       <a:schemeClr val="bg1">
                         <a:lumMod val="95000"/>
@@ -2098,7 +2165,7 @@
                   </a:rPr>
                   <a:t>equal!</a:t>
                 </a:r>
-                <a:endParaRPr lang="en-US" altLang="en-US" sz="1600" dirty="0" smtClean="0">
+                <a:endParaRPr lang="en-US" altLang="en-US" sz="1600" dirty="0">
                   <a:solidFill>
                     <a:schemeClr val="bg1">
                       <a:lumMod val="95000"/>
@@ -2871,7 +2938,7 @@
           <a:p>
             <a:fld id="{030F0CC9-A748-4EB9-B620-ED0813D55A6D}" type="slidenum">
               <a:rPr lang="en-US" smtClean="0"/>
-              <a:t>10</a:t>
+              <a:t>11</a:t>
             </a:fld>
             <a:endParaRPr lang="en-US"/>
           </a:p>
@@ -2949,7 +3016,7 @@
           </a:lstStyle>
           <a:p>
             <a:r>
-              <a:rPr lang="en-US" smtClean="0"/>
+              <a:rPr lang="en-US"/>
               <a:t>Click to edit Master title style</a:t>
             </a:r>
             <a:endParaRPr lang="en-US" dirty="0"/>
@@ -3079,7 +3146,7 @@
           </a:lstStyle>
           <a:p>
             <a:r>
-              <a:rPr lang="en-US" smtClean="0"/>
+              <a:rPr lang="en-US"/>
               <a:t>Click to edit Master subtitle style</a:t>
             </a:r>
             <a:endParaRPr lang="en-US" dirty="0"/>
@@ -3103,7 +3170,7 @@
           <a:p>
             <a:fld id="{99B6E7F4-C063-4B70-B65F-E874E55BE4A2}" type="datetime1">
               <a:rPr lang="en-US" smtClean="0"/>
-              <a:t>2/13/2018</a:t>
+              <a:t>10/2/19</a:t>
             </a:fld>
             <a:endParaRPr lang="en-US"/>
           </a:p>
@@ -3125,10 +3192,9 @@
           <a:lstStyle/>
           <a:p>
             <a:r>
-              <a:rPr lang="en-US" smtClean="0"/>
+              <a:rPr lang="en-US"/>
               <a:t>Cohen Chap 8 - Power &amp; Effect Size</a:t>
             </a:r>
-            <a:endParaRPr lang="en-US"/>
           </a:p>
         </p:txBody>
       </p:sp>
@@ -3207,7 +3273,7 @@
           </a:lstStyle>
           <a:p>
             <a:r>
-              <a:rPr lang="en-US" smtClean="0"/>
+              <a:rPr lang="en-US"/>
               <a:t>Click to edit Master title style</a:t>
             </a:r>
             <a:endParaRPr lang="en-US" dirty="0"/>
@@ -3302,7 +3368,7 @@
           </a:lstStyle>
           <a:p>
             <a:r>
-              <a:rPr lang="en-US" smtClean="0"/>
+              <a:rPr lang="en-US"/>
               <a:t>Drag picture to placeholder or click icon to add</a:t>
             </a:r>
             <a:endParaRPr lang="en-US" dirty="0"/>
@@ -3370,7 +3436,7 @@
           <a:p>
             <a:pPr lvl="0"/>
             <a:r>
-              <a:rPr lang="en-US" smtClean="0"/>
+              <a:rPr lang="en-US"/>
               <a:t>Click to edit Master text styles</a:t>
             </a:r>
           </a:p>
@@ -3393,7 +3459,7 @@
           <a:p>
             <a:fld id="{AE113B25-94DB-46CA-AE4F-175B5C7C4C7F}" type="datetime1">
               <a:rPr lang="en-US" smtClean="0"/>
-              <a:t>2/13/2018</a:t>
+              <a:t>10/2/19</a:t>
             </a:fld>
             <a:endParaRPr lang="en-US"/>
           </a:p>
@@ -3415,10 +3481,9 @@
           <a:lstStyle/>
           <a:p>
             <a:r>
-              <a:rPr lang="en-US" smtClean="0"/>
+              <a:rPr lang="en-US"/>
               <a:t>Cohen Chap 8 - Power &amp; Effect Size</a:t>
             </a:r>
-            <a:endParaRPr lang="en-US"/>
           </a:p>
         </p:txBody>
       </p:sp>
@@ -3498,7 +3563,7 @@
           </a:lstStyle>
           <a:p>
             <a:r>
-              <a:rPr lang="en-US" smtClean="0"/>
+              <a:rPr lang="en-US"/>
               <a:t>Click to edit Master title style</a:t>
             </a:r>
             <a:endParaRPr lang="en-US" dirty="0"/>
@@ -3629,7 +3694,7 @@
           <a:p>
             <a:pPr lvl="0"/>
             <a:r>
-              <a:rPr lang="en-US" smtClean="0"/>
+              <a:rPr lang="en-US"/>
               <a:t>Click to edit Master text styles</a:t>
             </a:r>
           </a:p>
@@ -3652,7 +3717,7 @@
           <a:p>
             <a:fld id="{AE113B25-94DB-46CA-AE4F-175B5C7C4C7F}" type="datetime1">
               <a:rPr lang="en-US" smtClean="0"/>
-              <a:t>2/13/2018</a:t>
+              <a:t>10/2/19</a:t>
             </a:fld>
             <a:endParaRPr lang="en-US"/>
           </a:p>
@@ -3674,10 +3739,9 @@
           <a:lstStyle/>
           <a:p>
             <a:r>
-              <a:rPr lang="en-US" smtClean="0"/>
+              <a:rPr lang="en-US"/>
               <a:t>Cohen Chap 8 - Power &amp; Effect Size</a:t>
             </a:r>
-            <a:endParaRPr lang="en-US"/>
           </a:p>
         </p:txBody>
       </p:sp>
@@ -3991,7 +4055,7 @@
           </a:lstStyle>
           <a:p>
             <a:r>
-              <a:rPr lang="en-US" smtClean="0"/>
+              <a:rPr lang="en-US"/>
               <a:t>Click to edit Master title style</a:t>
             </a:r>
             <a:endParaRPr lang="en-US" dirty="0"/>
@@ -4046,7 +4110,7 @@
           <a:p>
             <a:pPr lvl="0"/>
             <a:r>
-              <a:rPr lang="en-US" smtClean="0"/>
+              <a:rPr lang="en-US"/>
               <a:t>Click to edit Master text styles</a:t>
             </a:r>
           </a:p>
@@ -4098,7 +4162,7 @@
               <a:buNone/>
             </a:pPr>
             <a:r>
-              <a:rPr lang="en-US" smtClean="0"/>
+              <a:rPr lang="en-US"/>
               <a:t>Click to edit Master text styles</a:t>
             </a:r>
           </a:p>
@@ -4121,7 +4185,7 @@
           <a:p>
             <a:fld id="{AE113B25-94DB-46CA-AE4F-175B5C7C4C7F}" type="datetime1">
               <a:rPr lang="en-US" smtClean="0"/>
-              <a:t>2/13/2018</a:t>
+              <a:t>10/2/19</a:t>
             </a:fld>
             <a:endParaRPr lang="en-US"/>
           </a:p>
@@ -4143,10 +4207,9 @@
           <a:lstStyle/>
           <a:p>
             <a:r>
-              <a:rPr lang="en-US" smtClean="0"/>
+              <a:rPr lang="en-US"/>
               <a:t>Cohen Chap 8 - Power &amp; Effect Size</a:t>
             </a:r>
-            <a:endParaRPr lang="en-US"/>
           </a:p>
         </p:txBody>
       </p:sp>
@@ -4226,7 +4289,7 @@
           </a:lstStyle>
           <a:p>
             <a:r>
-              <a:rPr lang="en-US" smtClean="0"/>
+              <a:rPr lang="en-US"/>
               <a:t>Click to edit Master title style</a:t>
             </a:r>
             <a:endParaRPr lang="en-US" dirty="0"/>
@@ -4278,7 +4341,7 @@
               <a:buNone/>
             </a:pPr>
             <a:r>
-              <a:rPr lang="en-US" smtClean="0"/>
+              <a:rPr lang="en-US"/>
               <a:t>Click to edit Master text styles</a:t>
             </a:r>
           </a:p>
@@ -4301,7 +4364,7 @@
           <a:p>
             <a:fld id="{AE113B25-94DB-46CA-AE4F-175B5C7C4C7F}" type="datetime1">
               <a:rPr lang="en-US" smtClean="0"/>
-              <a:t>2/13/2018</a:t>
+              <a:t>10/2/19</a:t>
             </a:fld>
             <a:endParaRPr lang="en-US"/>
           </a:p>
@@ -4323,10 +4386,9 @@
           <a:lstStyle/>
           <a:p>
             <a:r>
-              <a:rPr lang="en-US" smtClean="0"/>
+              <a:rPr lang="en-US"/>
               <a:t>Cohen Chap 8 - Power &amp; Effect Size</a:t>
             </a:r>
-            <a:endParaRPr lang="en-US"/>
           </a:p>
         </p:txBody>
       </p:sp>
@@ -4651,7 +4713,7 @@
           </a:lstStyle>
           <a:p>
             <a:r>
-              <a:rPr lang="en-US" smtClean="0"/>
+              <a:rPr lang="en-US"/>
               <a:t>Click to edit Master title style</a:t>
             </a:r>
             <a:endParaRPr lang="en-US" dirty="0"/>
@@ -4724,7 +4786,7 @@
               <a:buNone/>
             </a:pPr>
             <a:r>
-              <a:rPr lang="en-US" smtClean="0"/>
+              <a:rPr lang="en-US"/>
               <a:t>Click to edit Master text styles</a:t>
             </a:r>
           </a:p>
@@ -4854,7 +4916,7 @@
           <a:p>
             <a:pPr lvl="0"/>
             <a:r>
-              <a:rPr lang="en-US" smtClean="0"/>
+              <a:rPr lang="en-US"/>
               <a:t>Click to edit Master text styles</a:t>
             </a:r>
           </a:p>
@@ -4877,7 +4939,7 @@
           <a:p>
             <a:fld id="{AE113B25-94DB-46CA-AE4F-175B5C7C4C7F}" type="datetime1">
               <a:rPr lang="en-US" smtClean="0"/>
-              <a:t>2/13/2018</a:t>
+              <a:t>10/2/19</a:t>
             </a:fld>
             <a:endParaRPr lang="en-US"/>
           </a:p>
@@ -4899,10 +4961,9 @@
           <a:lstStyle/>
           <a:p>
             <a:r>
-              <a:rPr lang="en-US" smtClean="0"/>
+              <a:rPr lang="en-US"/>
               <a:t>Cohen Chap 8 - Power &amp; Effect Size</a:t>
             </a:r>
-            <a:endParaRPr lang="en-US"/>
           </a:p>
         </p:txBody>
       </p:sp>
@@ -4983,7 +5044,7 @@
           <a:p>
             <a:pPr marL="0" lvl="0"/>
             <a:r>
-              <a:rPr lang="en-US" smtClean="0"/>
+              <a:rPr lang="en-US"/>
               <a:t>Click to edit Master title style</a:t>
             </a:r>
             <a:endParaRPr lang="en-US" dirty="0"/>
@@ -5056,7 +5117,7 @@
               <a:buNone/>
             </a:pPr>
             <a:r>
-              <a:rPr lang="en-US" smtClean="0"/>
+              <a:rPr lang="en-US"/>
               <a:t>Click to edit Master text styles</a:t>
             </a:r>
           </a:p>
@@ -5186,7 +5247,7 @@
           <a:p>
             <a:pPr lvl="0"/>
             <a:r>
-              <a:rPr lang="en-US" smtClean="0"/>
+              <a:rPr lang="en-US"/>
               <a:t>Click to edit Master text styles</a:t>
             </a:r>
           </a:p>
@@ -5209,7 +5270,7 @@
           <a:p>
             <a:fld id="{AE113B25-94DB-46CA-AE4F-175B5C7C4C7F}" type="datetime1">
               <a:rPr lang="en-US" smtClean="0"/>
-              <a:t>2/13/2018</a:t>
+              <a:t>10/2/19</a:t>
             </a:fld>
             <a:endParaRPr lang="en-US"/>
           </a:p>
@@ -5231,10 +5292,9 @@
           <a:lstStyle/>
           <a:p>
             <a:r>
-              <a:rPr lang="en-US" smtClean="0"/>
+              <a:rPr lang="en-US"/>
               <a:t>Cohen Chap 8 - Power &amp; Effect Size</a:t>
             </a:r>
-            <a:endParaRPr lang="en-US"/>
           </a:p>
         </p:txBody>
       </p:sp>
@@ -5308,7 +5368,7 @@
           <a:lstStyle/>
           <a:p>
             <a:r>
-              <a:rPr lang="en-US" smtClean="0"/>
+              <a:rPr lang="en-US"/>
               <a:t>Click to edit Master title style</a:t>
             </a:r>
             <a:endParaRPr lang="en-US" dirty="0"/>
@@ -5332,35 +5392,35 @@
           <a:p>
             <a:pPr lvl="0"/>
             <a:r>
-              <a:rPr lang="en-US" smtClean="0"/>
+              <a:rPr lang="en-US"/>
               <a:t>Click to edit Master text styles</a:t>
             </a:r>
           </a:p>
           <a:p>
             <a:pPr lvl="1"/>
             <a:r>
-              <a:rPr lang="en-US" smtClean="0"/>
+              <a:rPr lang="en-US"/>
               <a:t>Second level</a:t>
             </a:r>
           </a:p>
           <a:p>
             <a:pPr lvl="2"/>
             <a:r>
-              <a:rPr lang="en-US" smtClean="0"/>
+              <a:rPr lang="en-US"/>
               <a:t>Third level</a:t>
             </a:r>
           </a:p>
           <a:p>
             <a:pPr lvl="3"/>
             <a:r>
-              <a:rPr lang="en-US" smtClean="0"/>
+              <a:rPr lang="en-US"/>
               <a:t>Fourth level</a:t>
             </a:r>
           </a:p>
           <a:p>
             <a:pPr lvl="4"/>
             <a:r>
-              <a:rPr lang="en-US" smtClean="0"/>
+              <a:rPr lang="en-US"/>
               <a:t>Fifth level</a:t>
             </a:r>
             <a:endParaRPr lang="en-US" dirty="0"/>
@@ -5384,7 +5444,7 @@
           <a:p>
             <a:fld id="{F76C3E73-6B3B-4E54-9C34-48D517835F7C}" type="datetime1">
               <a:rPr lang="en-US" smtClean="0"/>
-              <a:t>2/13/2018</a:t>
+              <a:t>10/2/19</a:t>
             </a:fld>
             <a:endParaRPr lang="en-US"/>
           </a:p>
@@ -5406,10 +5466,9 @@
           <a:lstStyle/>
           <a:p>
             <a:r>
-              <a:rPr lang="en-US" smtClean="0"/>
+              <a:rPr lang="en-US"/>
               <a:t>Cohen Chap 8 - Power &amp; Effect Size</a:t>
             </a:r>
-            <a:endParaRPr lang="en-US"/>
           </a:p>
         </p:txBody>
       </p:sp>
@@ -5482,7 +5541,7 @@
           <a:lstStyle/>
           <a:p>
             <a:r>
-              <a:rPr lang="en-US" smtClean="0"/>
+              <a:rPr lang="en-US"/>
               <a:t>Click to edit Master title style</a:t>
             </a:r>
             <a:endParaRPr lang="en-US" dirty="0"/>
@@ -5511,35 +5570,35 @@
           <a:p>
             <a:pPr lvl="0"/>
             <a:r>
-              <a:rPr lang="en-US" smtClean="0"/>
+              <a:rPr lang="en-US"/>
               <a:t>Click to edit Master text styles</a:t>
             </a:r>
           </a:p>
           <a:p>
             <a:pPr lvl="1"/>
             <a:r>
-              <a:rPr lang="en-US" smtClean="0"/>
+              <a:rPr lang="en-US"/>
               <a:t>Second level</a:t>
             </a:r>
           </a:p>
           <a:p>
             <a:pPr lvl="2"/>
             <a:r>
-              <a:rPr lang="en-US" smtClean="0"/>
+              <a:rPr lang="en-US"/>
               <a:t>Third level</a:t>
             </a:r>
           </a:p>
           <a:p>
             <a:pPr lvl="3"/>
             <a:r>
-              <a:rPr lang="en-US" smtClean="0"/>
+              <a:rPr lang="en-US"/>
               <a:t>Fourth level</a:t>
             </a:r>
           </a:p>
           <a:p>
             <a:pPr lvl="4"/>
             <a:r>
-              <a:rPr lang="en-US" smtClean="0"/>
+              <a:rPr lang="en-US"/>
               <a:t>Fifth level</a:t>
             </a:r>
             <a:endParaRPr lang="en-US" dirty="0"/>
@@ -5563,7 +5622,7 @@
           <a:p>
             <a:fld id="{5E30BD06-DC55-473C-97EC-B50965FE2F29}" type="datetime1">
               <a:rPr lang="en-US" smtClean="0"/>
-              <a:t>2/13/2018</a:t>
+              <a:t>10/2/19</a:t>
             </a:fld>
             <a:endParaRPr lang="en-US"/>
           </a:p>
@@ -5585,10 +5644,9 @@
           <a:lstStyle/>
           <a:p>
             <a:r>
-              <a:rPr lang="en-US" smtClean="0"/>
+              <a:rPr lang="en-US"/>
               <a:t>Cohen Chap 8 - Power &amp; Effect Size</a:t>
             </a:r>
-            <a:endParaRPr lang="en-US"/>
           </a:p>
         </p:txBody>
       </p:sp>
@@ -5656,7 +5714,7 @@
           <a:lstStyle/>
           <a:p>
             <a:r>
-              <a:rPr lang="en-US" smtClean="0"/>
+              <a:rPr lang="en-US"/>
               <a:t>Click to edit Master title style</a:t>
             </a:r>
             <a:endParaRPr lang="en-US" dirty="0"/>
@@ -5680,35 +5738,35 @@
           <a:p>
             <a:pPr lvl="0"/>
             <a:r>
-              <a:rPr lang="en-US" smtClean="0"/>
+              <a:rPr lang="en-US"/>
               <a:t>Click to edit Master text styles</a:t>
             </a:r>
           </a:p>
           <a:p>
             <a:pPr lvl="1"/>
             <a:r>
-              <a:rPr lang="en-US" smtClean="0"/>
+              <a:rPr lang="en-US"/>
               <a:t>Second level</a:t>
             </a:r>
           </a:p>
           <a:p>
             <a:pPr lvl="2"/>
             <a:r>
-              <a:rPr lang="en-US" smtClean="0"/>
+              <a:rPr lang="en-US"/>
               <a:t>Third level</a:t>
             </a:r>
           </a:p>
           <a:p>
             <a:pPr lvl="3"/>
             <a:r>
-              <a:rPr lang="en-US" smtClean="0"/>
+              <a:rPr lang="en-US"/>
               <a:t>Fourth level</a:t>
             </a:r>
           </a:p>
           <a:p>
             <a:pPr lvl="4"/>
             <a:r>
-              <a:rPr lang="en-US" smtClean="0"/>
+              <a:rPr lang="en-US"/>
               <a:t>Fifth level</a:t>
             </a:r>
             <a:endParaRPr lang="en-US" dirty="0"/>
@@ -5732,7 +5790,7 @@
           <a:p>
             <a:fld id="{8941EC92-884A-4CBB-8209-787E710CB356}" type="datetime1">
               <a:rPr lang="en-US" smtClean="0"/>
-              <a:t>2/13/2018</a:t>
+              <a:t>10/2/19</a:t>
             </a:fld>
             <a:endParaRPr lang="en-US"/>
           </a:p>
@@ -5754,10 +5812,9 @@
           <a:lstStyle/>
           <a:p>
             <a:r>
-              <a:rPr lang="en-US" smtClean="0"/>
+              <a:rPr lang="en-US"/>
               <a:t>Cohen Chap 8 - Power &amp; Effect Size</a:t>
             </a:r>
-            <a:endParaRPr lang="en-US"/>
           </a:p>
         </p:txBody>
       </p:sp>
@@ -5834,7 +5891,7 @@
           </a:lstStyle>
           <a:p>
             <a:r>
-              <a:rPr lang="en-US" smtClean="0"/>
+              <a:rPr lang="en-US"/>
               <a:t>Click to edit Master title style</a:t>
             </a:r>
             <a:endParaRPr lang="en-US" dirty="0"/>
@@ -5965,7 +6022,7 @@
           <a:p>
             <a:pPr lvl="0"/>
             <a:r>
-              <a:rPr lang="en-US" smtClean="0"/>
+              <a:rPr lang="en-US"/>
               <a:t>Click to edit Master text styles</a:t>
             </a:r>
           </a:p>
@@ -5988,7 +6045,7 @@
           <a:p>
             <a:fld id="{3A621EEB-459F-420B-9A89-4DE1C1A04DFF}" type="datetime1">
               <a:rPr lang="en-US" smtClean="0"/>
-              <a:t>2/13/2018</a:t>
+              <a:t>10/2/19</a:t>
             </a:fld>
             <a:endParaRPr lang="en-US"/>
           </a:p>
@@ -6010,10 +6067,9 @@
           <a:lstStyle/>
           <a:p>
             <a:r>
-              <a:rPr lang="en-US" smtClean="0"/>
+              <a:rPr lang="en-US"/>
               <a:t>Cohen Chap 8 - Power &amp; Effect Size</a:t>
             </a:r>
-            <a:endParaRPr lang="en-US"/>
           </a:p>
         </p:txBody>
       </p:sp>
@@ -6081,7 +6137,7 @@
           <a:lstStyle/>
           <a:p>
             <a:r>
-              <a:rPr lang="en-US" smtClean="0"/>
+              <a:rPr lang="en-US"/>
               <a:t>Click to edit Master title style</a:t>
             </a:r>
             <a:endParaRPr lang="en-US" dirty="0"/>
@@ -6140,35 +6196,35 @@
           <a:p>
             <a:pPr lvl="0"/>
             <a:r>
-              <a:rPr lang="en-US" smtClean="0"/>
+              <a:rPr lang="en-US"/>
               <a:t>Click to edit Master text styles</a:t>
             </a:r>
           </a:p>
           <a:p>
             <a:pPr lvl="1"/>
             <a:r>
-              <a:rPr lang="en-US" smtClean="0"/>
+              <a:rPr lang="en-US"/>
               <a:t>Second level</a:t>
             </a:r>
           </a:p>
           <a:p>
             <a:pPr lvl="2"/>
             <a:r>
-              <a:rPr lang="en-US" smtClean="0"/>
+              <a:rPr lang="en-US"/>
               <a:t>Third level</a:t>
             </a:r>
           </a:p>
           <a:p>
             <a:pPr lvl="3"/>
             <a:r>
-              <a:rPr lang="en-US" smtClean="0"/>
+              <a:rPr lang="en-US"/>
               <a:t>Fourth level</a:t>
             </a:r>
           </a:p>
           <a:p>
             <a:pPr lvl="4"/>
             <a:r>
-              <a:rPr lang="en-US" smtClean="0"/>
+              <a:rPr lang="en-US"/>
               <a:t>Fifth level</a:t>
             </a:r>
             <a:endParaRPr lang="en-US" dirty="0"/>
@@ -6227,35 +6283,35 @@
           <a:p>
             <a:pPr lvl="0"/>
             <a:r>
-              <a:rPr lang="en-US" smtClean="0"/>
+              <a:rPr lang="en-US"/>
               <a:t>Click to edit Master text styles</a:t>
             </a:r>
           </a:p>
           <a:p>
             <a:pPr lvl="1"/>
             <a:r>
-              <a:rPr lang="en-US" smtClean="0"/>
+              <a:rPr lang="en-US"/>
               <a:t>Second level</a:t>
             </a:r>
           </a:p>
           <a:p>
             <a:pPr lvl="2"/>
             <a:r>
-              <a:rPr lang="en-US" smtClean="0"/>
+              <a:rPr lang="en-US"/>
               <a:t>Third level</a:t>
             </a:r>
           </a:p>
           <a:p>
             <a:pPr lvl="3"/>
             <a:r>
-              <a:rPr lang="en-US" smtClean="0"/>
+              <a:rPr lang="en-US"/>
               <a:t>Fourth level</a:t>
             </a:r>
           </a:p>
           <a:p>
             <a:pPr lvl="4"/>
             <a:r>
-              <a:rPr lang="en-US" smtClean="0"/>
+              <a:rPr lang="en-US"/>
               <a:t>Fifth level</a:t>
             </a:r>
             <a:endParaRPr lang="en-US" dirty="0"/>
@@ -6279,7 +6335,7 @@
           <a:p>
             <a:fld id="{899B7958-B875-402F-A478-E42DEA6F2D6E}" type="datetime1">
               <a:rPr lang="en-US" smtClean="0"/>
-              <a:t>2/13/2018</a:t>
+              <a:t>10/2/19</a:t>
             </a:fld>
             <a:endParaRPr lang="en-US"/>
           </a:p>
@@ -6301,10 +6357,9 @@
           <a:lstStyle/>
           <a:p>
             <a:r>
-              <a:rPr lang="en-US" smtClean="0"/>
+              <a:rPr lang="en-US"/>
               <a:t>Cohen Chap 8 - Power &amp; Effect Size</a:t>
             </a:r>
-            <a:endParaRPr lang="en-US"/>
           </a:p>
         </p:txBody>
       </p:sp>
@@ -6376,7 +6431,7 @@
           </a:lstStyle>
           <a:p>
             <a:r>
-              <a:rPr lang="en-US" smtClean="0"/>
+              <a:rPr lang="en-US"/>
               <a:t>Click to edit Master title style</a:t>
             </a:r>
             <a:endParaRPr lang="en-US" dirty="0"/>
@@ -6444,7 +6499,7 @@
           <a:p>
             <a:pPr lvl="0"/>
             <a:r>
-              <a:rPr lang="en-US" smtClean="0"/>
+              <a:rPr lang="en-US"/>
               <a:t>Click to edit Master text styles</a:t>
             </a:r>
           </a:p>
@@ -6502,35 +6557,35 @@
           <a:p>
             <a:pPr lvl="0"/>
             <a:r>
-              <a:rPr lang="en-US" smtClean="0"/>
+              <a:rPr lang="en-US"/>
               <a:t>Click to edit Master text styles</a:t>
             </a:r>
           </a:p>
           <a:p>
             <a:pPr lvl="1"/>
             <a:r>
-              <a:rPr lang="en-US" smtClean="0"/>
+              <a:rPr lang="en-US"/>
               <a:t>Second level</a:t>
             </a:r>
           </a:p>
           <a:p>
             <a:pPr lvl="2"/>
             <a:r>
-              <a:rPr lang="en-US" smtClean="0"/>
+              <a:rPr lang="en-US"/>
               <a:t>Third level</a:t>
             </a:r>
           </a:p>
           <a:p>
             <a:pPr lvl="3"/>
             <a:r>
-              <a:rPr lang="en-US" smtClean="0"/>
+              <a:rPr lang="en-US"/>
               <a:t>Fourth level</a:t>
             </a:r>
           </a:p>
           <a:p>
             <a:pPr lvl="4"/>
             <a:r>
-              <a:rPr lang="en-US" smtClean="0"/>
+              <a:rPr lang="en-US"/>
               <a:t>Fifth level</a:t>
             </a:r>
             <a:endParaRPr lang="en-US" dirty="0"/>
@@ -6598,7 +6653,7 @@
           <a:p>
             <a:pPr lvl="0"/>
             <a:r>
-              <a:rPr lang="en-US" smtClean="0"/>
+              <a:rPr lang="en-US"/>
               <a:t>Click to edit Master text styles</a:t>
             </a:r>
           </a:p>
@@ -6656,35 +6711,35 @@
           <a:p>
             <a:pPr lvl="0"/>
             <a:r>
-              <a:rPr lang="en-US" smtClean="0"/>
+              <a:rPr lang="en-US"/>
               <a:t>Click to edit Master text styles</a:t>
             </a:r>
           </a:p>
           <a:p>
             <a:pPr lvl="1"/>
             <a:r>
-              <a:rPr lang="en-US" smtClean="0"/>
+              <a:rPr lang="en-US"/>
               <a:t>Second level</a:t>
             </a:r>
           </a:p>
           <a:p>
             <a:pPr lvl="2"/>
             <a:r>
-              <a:rPr lang="en-US" smtClean="0"/>
+              <a:rPr lang="en-US"/>
               <a:t>Third level</a:t>
             </a:r>
           </a:p>
           <a:p>
             <a:pPr lvl="3"/>
             <a:r>
-              <a:rPr lang="en-US" smtClean="0"/>
+              <a:rPr lang="en-US"/>
               <a:t>Fourth level</a:t>
             </a:r>
           </a:p>
           <a:p>
             <a:pPr lvl="4"/>
             <a:r>
-              <a:rPr lang="en-US" smtClean="0"/>
+              <a:rPr lang="en-US"/>
               <a:t>Fifth level</a:t>
             </a:r>
             <a:endParaRPr lang="en-US" dirty="0"/>
@@ -6708,7 +6763,7 @@
           <a:p>
             <a:fld id="{2D78DBA1-E5EF-4ACF-88A3-C962E2A83DD8}" type="datetime1">
               <a:rPr lang="en-US" smtClean="0"/>
-              <a:t>2/13/2018</a:t>
+              <a:t>10/2/19</a:t>
             </a:fld>
             <a:endParaRPr lang="en-US"/>
           </a:p>
@@ -6730,10 +6785,9 @@
           <a:lstStyle/>
           <a:p>
             <a:r>
-              <a:rPr lang="en-US" smtClean="0"/>
+              <a:rPr lang="en-US"/>
               <a:t>Cohen Chap 8 - Power &amp; Effect Size</a:t>
             </a:r>
-            <a:endParaRPr lang="en-US"/>
           </a:p>
         </p:txBody>
       </p:sp>
@@ -6801,7 +6855,7 @@
           <a:lstStyle/>
           <a:p>
             <a:r>
-              <a:rPr lang="en-US" smtClean="0"/>
+              <a:rPr lang="en-US"/>
               <a:t>Click to edit Master title style</a:t>
             </a:r>
             <a:endParaRPr lang="en-US" dirty="0"/>
@@ -6825,7 +6879,7 @@
           <a:p>
             <a:fld id="{D032F940-B25D-4C80-A849-C78DF21ADCAE}" type="datetime1">
               <a:rPr lang="en-US" smtClean="0"/>
-              <a:t>2/13/2018</a:t>
+              <a:t>10/2/19</a:t>
             </a:fld>
             <a:endParaRPr lang="en-US"/>
           </a:p>
@@ -6847,10 +6901,9 @@
           <a:lstStyle/>
           <a:p>
             <a:r>
-              <a:rPr lang="en-US" smtClean="0"/>
+              <a:rPr lang="en-US"/>
               <a:t>Cohen Chap 8 - Power &amp; Effect Size</a:t>
             </a:r>
-            <a:endParaRPr lang="en-US"/>
           </a:p>
         </p:txBody>
       </p:sp>
@@ -6919,7 +6972,7 @@
           <a:p>
             <a:fld id="{3370F2CA-4484-4468-B562-DA74E5B1620A}" type="datetime1">
               <a:rPr lang="en-US" smtClean="0"/>
-              <a:t>2/13/2018</a:t>
+              <a:t>10/2/19</a:t>
             </a:fld>
             <a:endParaRPr lang="en-US"/>
           </a:p>
@@ -6941,10 +6994,9 @@
           <a:lstStyle/>
           <a:p>
             <a:r>
-              <a:rPr lang="en-US" smtClean="0"/>
+              <a:rPr lang="en-US"/>
               <a:t>Cohen Chap 8 - Power &amp; Effect Size</a:t>
             </a:r>
-            <a:endParaRPr lang="en-US"/>
           </a:p>
         </p:txBody>
       </p:sp>
@@ -7023,7 +7075,7 @@
           </a:lstStyle>
           <a:p>
             <a:r>
-              <a:rPr lang="en-US" smtClean="0"/>
+              <a:rPr lang="en-US"/>
               <a:t>Click to edit Master title style</a:t>
             </a:r>
             <a:endParaRPr lang="en-US" dirty="0"/>
@@ -7082,35 +7134,35 @@
           <a:p>
             <a:pPr lvl="0"/>
             <a:r>
-              <a:rPr lang="en-US" smtClean="0"/>
+              <a:rPr lang="en-US"/>
               <a:t>Click to edit Master text styles</a:t>
             </a:r>
           </a:p>
           <a:p>
             <a:pPr lvl="1"/>
             <a:r>
-              <a:rPr lang="en-US" smtClean="0"/>
+              <a:rPr lang="en-US"/>
               <a:t>Second level</a:t>
             </a:r>
           </a:p>
           <a:p>
             <a:pPr lvl="2"/>
             <a:r>
-              <a:rPr lang="en-US" smtClean="0"/>
+              <a:rPr lang="en-US"/>
               <a:t>Third level</a:t>
             </a:r>
           </a:p>
           <a:p>
             <a:pPr lvl="3"/>
             <a:r>
-              <a:rPr lang="en-US" smtClean="0"/>
+              <a:rPr lang="en-US"/>
               <a:t>Fourth level</a:t>
             </a:r>
           </a:p>
           <a:p>
             <a:pPr lvl="4"/>
             <a:r>
-              <a:rPr lang="en-US" smtClean="0"/>
+              <a:rPr lang="en-US"/>
               <a:t>Fifth level</a:t>
             </a:r>
             <a:endParaRPr lang="en-US" dirty="0"/>
@@ -7178,7 +7230,7 @@
           <a:p>
             <a:pPr lvl="0"/>
             <a:r>
-              <a:rPr lang="en-US" smtClean="0"/>
+              <a:rPr lang="en-US"/>
               <a:t>Click to edit Master text styles</a:t>
             </a:r>
           </a:p>
@@ -7201,7 +7253,7 @@
           <a:p>
             <a:fld id="{E81BD58B-F945-4DF5-9016-E4BC27E68D94}" type="datetime1">
               <a:rPr lang="en-US" smtClean="0"/>
-              <a:t>2/13/2018</a:t>
+              <a:t>10/2/19</a:t>
             </a:fld>
             <a:endParaRPr lang="en-US"/>
           </a:p>
@@ -7223,10 +7275,9 @@
           <a:lstStyle/>
           <a:p>
             <a:r>
-              <a:rPr lang="en-US" smtClean="0"/>
+              <a:rPr lang="en-US"/>
               <a:t>Cohen Chap 8 - Power &amp; Effect Size</a:t>
             </a:r>
-            <a:endParaRPr lang="en-US"/>
           </a:p>
         </p:txBody>
       </p:sp>
@@ -7305,7 +7356,7 @@
           </a:lstStyle>
           <a:p>
             <a:r>
-              <a:rPr lang="en-US" smtClean="0"/>
+              <a:rPr lang="en-US"/>
               <a:t>Click to edit Master title style</a:t>
             </a:r>
             <a:endParaRPr lang="en-US" dirty="0"/>
@@ -7395,7 +7446,7 @@
           </a:lstStyle>
           <a:p>
             <a:r>
-              <a:rPr lang="en-US" smtClean="0"/>
+              <a:rPr lang="en-US"/>
               <a:t>Drag picture to placeholder or click icon to add</a:t>
             </a:r>
             <a:endParaRPr lang="en-US" dirty="0"/>
@@ -7463,7 +7514,7 @@
           <a:p>
             <a:pPr lvl="0"/>
             <a:r>
-              <a:rPr lang="en-US" smtClean="0"/>
+              <a:rPr lang="en-US"/>
               <a:t>Click to edit Master text styles</a:t>
             </a:r>
           </a:p>
@@ -7491,7 +7542,7 @@
           <a:p>
             <a:fld id="{FCDD2A1D-7AF2-4A20-800E-13E8529EFEBE}" type="datetime1">
               <a:rPr lang="en-US" smtClean="0"/>
-              <a:t>2/13/2018</a:t>
+              <a:t>10/2/19</a:t>
             </a:fld>
             <a:endParaRPr lang="en-US"/>
           </a:p>
@@ -7518,10 +7569,9 @@
           <a:lstStyle/>
           <a:p>
             <a:r>
-              <a:rPr lang="en-US" smtClean="0"/>
+              <a:rPr lang="en-US"/>
               <a:t>Cohen Chap 8 - Power &amp; Effect Size</a:t>
             </a:r>
-            <a:endParaRPr lang="en-US"/>
           </a:p>
         </p:txBody>
       </p:sp>
@@ -7614,7 +7664,7 @@
           <a:lstStyle/>
           <a:p>
             <a:r>
-              <a:rPr lang="en-US" smtClean="0"/>
+              <a:rPr lang="en-US"/>
               <a:t>Click to edit Master title style</a:t>
             </a:r>
             <a:endParaRPr lang="en-US" dirty="0"/>
@@ -7648,35 +7698,35 @@
           <a:p>
             <a:pPr lvl="0"/>
             <a:r>
-              <a:rPr lang="en-US" smtClean="0"/>
+              <a:rPr lang="en-US"/>
               <a:t>Click to edit Master text styles</a:t>
             </a:r>
           </a:p>
           <a:p>
             <a:pPr lvl="1"/>
             <a:r>
-              <a:rPr lang="en-US" smtClean="0"/>
+              <a:rPr lang="en-US"/>
               <a:t>Second level</a:t>
             </a:r>
           </a:p>
           <a:p>
             <a:pPr lvl="2"/>
             <a:r>
-              <a:rPr lang="en-US" smtClean="0"/>
+              <a:rPr lang="en-US"/>
               <a:t>Third level</a:t>
             </a:r>
           </a:p>
           <a:p>
             <a:pPr lvl="3"/>
             <a:r>
-              <a:rPr lang="en-US" smtClean="0"/>
+              <a:rPr lang="en-US"/>
               <a:t>Fourth level</a:t>
             </a:r>
           </a:p>
           <a:p>
             <a:pPr lvl="4"/>
             <a:r>
-              <a:rPr lang="en-US" smtClean="0"/>
+              <a:rPr lang="en-US"/>
               <a:t>Fifth level</a:t>
             </a:r>
             <a:endParaRPr lang="en-US" dirty="0"/>
@@ -7726,7 +7776,7 @@
           <a:p>
             <a:fld id="{AE113B25-94DB-46CA-AE4F-175B5C7C4C7F}" type="datetime1">
               <a:rPr lang="en-US" smtClean="0"/>
-              <a:t>2/13/2018</a:t>
+              <a:t>10/2/19</a:t>
             </a:fld>
             <a:endParaRPr lang="en-US"/>
           </a:p>
@@ -7774,10 +7824,9 @@
           </a:lstStyle>
           <a:p>
             <a:r>
-              <a:rPr lang="en-US" smtClean="0"/>
+              <a:rPr lang="en-US"/>
               <a:t>Cohen Chap 8 - Power &amp; Effect Size</a:t>
             </a:r>
-            <a:endParaRPr lang="en-US"/>
           </a:p>
         </p:txBody>
       </p:sp>
@@ -8524,7 +8573,7 @@
           <a:lstStyle/>
           <a:p>
             <a:r>
-              <a:rPr lang="en-US" sz="5400" dirty="0" smtClean="0">
+              <a:rPr lang="en-US" sz="5400" dirty="0">
                 <a:solidFill>
                   <a:schemeClr val="tx1"/>
                 </a:solidFill>
@@ -8542,7 +8591,7 @@
               <a:t>Chapter 8</a:t>
             </a:r>
             <a:br>
-              <a:rPr lang="en-US" sz="5400" dirty="0" smtClean="0">
+              <a:rPr lang="en-US" sz="5400" dirty="0">
                 <a:solidFill>
                   <a:schemeClr val="tx1"/>
                 </a:solidFill>
@@ -8559,7 +8608,7 @@
               </a:rPr>
             </a:br>
             <a:r>
-              <a:rPr lang="en-US" sz="5400" dirty="0" smtClean="0">
+              <a:rPr lang="en-US" sz="5400" dirty="0">
                 <a:solidFill>
                   <a:schemeClr val="tx1"/>
                 </a:solidFill>
@@ -8576,21 +8625,6 @@
               </a:rPr>
               <a:t>Power &amp; Effect Size</a:t>
             </a:r>
-            <a:endParaRPr lang="en-US" sz="5400" dirty="0">
-              <a:solidFill>
-                <a:schemeClr val="tx1"/>
-              </a:solidFill>
-              <a:effectLst>
-                <a:glow rad="38100">
-                  <a:schemeClr val="bg1">
-                    <a:lumMod val="65000"/>
-                    <a:lumOff val="35000"/>
-                    <a:alpha val="50000"/>
-                  </a:schemeClr>
-                </a:glow>
-              </a:effectLst>
-              <a:latin typeface="+mn-lt"/>
-            </a:endParaRPr>
           </a:p>
         </p:txBody>
       </p:sp>
@@ -8615,18 +8649,13 @@
           <a:lstStyle/>
           <a:p>
             <a:r>
-              <a:rPr lang="en-US" dirty="0" smtClean="0">
+              <a:rPr lang="en-US" dirty="0">
                 <a:solidFill>
                   <a:schemeClr val="tx1"/>
                 </a:solidFill>
               </a:rPr>
               <a:t>For EDUC/PSY 6600</a:t>
             </a:r>
-            <a:endParaRPr lang="en-US" dirty="0">
-              <a:solidFill>
-                <a:schemeClr val="tx1"/>
-              </a:solidFill>
-            </a:endParaRPr>
           </a:p>
         </p:txBody>
       </p:sp>
@@ -8646,7 +8675,7 @@
           <a:lstStyle/>
           <a:p>
             <a:r>
-              <a:rPr lang="en-US" dirty="0" smtClean="0">
+              <a:rPr lang="en-US" dirty="0">
                 <a:solidFill>
                   <a:schemeClr val="tx1"/>
                 </a:solidFill>
@@ -8697,13 +8726,6 @@
   <p:clrMapOvr>
     <a:masterClrMapping/>
   </p:clrMapOvr>
-  <p:timing>
-    <p:tnLst>
-      <p:par>
-        <p:cTn id="1" dur="indefinite" restart="never" nodeType="tmRoot"/>
-      </p:par>
-    </p:tnLst>
-  </p:timing>
 </p:sld>
 </file>
 
@@ -8724,6 +8746,522 @@
           <a:chExt cx="0" cy="0"/>
         </a:xfrm>
       </p:grpSpPr>
+      <p:pic>
+        <p:nvPicPr>
+          <p:cNvPr id="8" name="Picture 7" descr="Power table"/>
+          <p:cNvPicPr>
+            <a:picLocks noChangeAspect="1" noChangeArrowheads="1"/>
+          </p:cNvPicPr>
+          <p:nvPr/>
+        </p:nvPicPr>
+        <p:blipFill rotWithShape="1">
+          <a:blip r:embed="rId2">
+            <a:extLst>
+              <a:ext uri="{28A0092B-C50C-407E-A947-70E740481C1C}">
+                <a14:useLocalDpi xmlns:a14="http://schemas.microsoft.com/office/drawing/2010/main" val="0"/>
+              </a:ext>
+            </a:extLst>
+          </a:blip>
+          <a:srcRect l="10313" r="33395"/>
+          <a:stretch/>
+        </p:blipFill>
+        <p:spPr bwMode="auto">
+          <a:xfrm>
+            <a:off x="7572044" y="444001"/>
+            <a:ext cx="4463715" cy="5891420"/>
+          </a:xfrm>
+          <a:prstGeom prst="rect">
+            <a:avLst/>
+          </a:prstGeom>
+          <a:noFill/>
+          <a:ln>
+            <a:noFill/>
+          </a:ln>
+          <a:extLst>
+            <a:ext uri="{909E8E84-426E-40DD-AFC4-6F175D3DCCD1}">
+              <a14:hiddenFill xmlns:a14="http://schemas.microsoft.com/office/drawing/2010/main">
+                <a:solidFill>
+                  <a:srgbClr val="FFFFFF"/>
+                </a:solidFill>
+              </a14:hiddenFill>
+            </a:ext>
+            <a:ext uri="{91240B29-F687-4F45-9708-019B960494DF}">
+              <a14:hiddenLine xmlns:a14="http://schemas.microsoft.com/office/drawing/2010/main" w="9525">
+                <a:solidFill>
+                  <a:srgbClr val="000000"/>
+                </a:solidFill>
+                <a:miter lim="800000"/>
+                <a:headEnd/>
+                <a:tailEnd/>
+              </a14:hiddenLine>
+            </a:ext>
+          </a:extLst>
+        </p:spPr>
+      </p:pic>
+      <p:sp>
+        <p:nvSpPr>
+          <p:cNvPr id="2" name="Title 1"/>
+          <p:cNvSpPr>
+            <a:spLocks noGrp="1"/>
+          </p:cNvSpPr>
+          <p:nvPr>
+            <p:ph type="title"/>
+          </p:nvPr>
+        </p:nvSpPr>
+        <p:spPr>
+          <a:xfrm>
+            <a:off x="1011249" y="246409"/>
+            <a:ext cx="9720072" cy="1499616"/>
+          </a:xfrm>
+        </p:spPr>
+        <p:txBody>
+          <a:bodyPr/>
+          <a:lstStyle/>
+          <a:p>
+            <a:r>
+              <a:rPr lang="en-US" cap="none" dirty="0">
+                <a:solidFill>
+                  <a:schemeClr val="tx1"/>
+                </a:solidFill>
+                <a:effectLst>
+                  <a:glow rad="38100">
+                    <a:schemeClr val="bg1">
+                      <a:lumMod val="65000"/>
+                      <a:lumOff val="35000"/>
+                      <a:alpha val="40000"/>
+                    </a:schemeClr>
+                  </a:glow>
+                </a:effectLst>
+              </a:rPr>
+              <a:t>Power Analysis</a:t>
+            </a:r>
+          </a:p>
+        </p:txBody>
+      </p:sp>
+      <p:sp>
+        <p:nvSpPr>
+          <p:cNvPr id="3" name="Content Placeholder 2"/>
+          <p:cNvSpPr>
+            <a:spLocks noGrp="1"/>
+          </p:cNvSpPr>
+          <p:nvPr>
+            <p:ph idx="1"/>
+          </p:nvPr>
+        </p:nvSpPr>
+        <p:spPr>
+          <a:xfrm>
+            <a:off x="867887" y="1548433"/>
+            <a:ext cx="6704157" cy="4866926"/>
+          </a:xfrm>
+        </p:spPr>
+        <p:txBody>
+          <a:bodyPr>
+            <a:normAutofit fontScale="77500" lnSpcReduction="20000"/>
+          </a:bodyPr>
+          <a:lstStyle/>
+          <a:p>
+            <a:r>
+              <a:rPr lang="en-US" altLang="en-US" sz="2800" cap="none" dirty="0">
+                <a:solidFill>
+                  <a:schemeClr val="tx1"/>
+                </a:solidFill>
+                <a:effectLst>
+                  <a:glow rad="38100">
+                    <a:schemeClr val="bg1">
+                      <a:lumMod val="50000"/>
+                      <a:lumOff val="50000"/>
+                      <a:alpha val="20000"/>
+                    </a:schemeClr>
+                  </a:glow>
+                </a:effectLst>
+                <a:latin typeface="+mj-lt"/>
+              </a:rPr>
+              <a:t>Non-centrality parameter is calculated by:</a:t>
+            </a:r>
+          </a:p>
+          <a:p>
+            <a:endParaRPr lang="en-US" altLang="en-US" sz="2800" cap="none" dirty="0">
+              <a:solidFill>
+                <a:schemeClr val="tx1"/>
+              </a:solidFill>
+              <a:effectLst>
+                <a:glow rad="38100">
+                  <a:schemeClr val="bg1">
+                    <a:lumMod val="50000"/>
+                    <a:lumOff val="50000"/>
+                    <a:alpha val="20000"/>
+                  </a:schemeClr>
+                </a:glow>
+              </a:effectLst>
+              <a:latin typeface="+mj-lt"/>
+            </a:endParaRPr>
+          </a:p>
+          <a:p>
+            <a:endParaRPr lang="en-US" altLang="en-US" sz="2800" cap="none" dirty="0">
+              <a:solidFill>
+                <a:schemeClr val="tx1"/>
+              </a:solidFill>
+              <a:effectLst>
+                <a:glow rad="38100">
+                  <a:schemeClr val="bg1">
+                    <a:lumMod val="50000"/>
+                    <a:lumOff val="50000"/>
+                    <a:alpha val="20000"/>
+                  </a:schemeClr>
+                </a:glow>
+              </a:effectLst>
+              <a:latin typeface="+mj-lt"/>
+            </a:endParaRPr>
+          </a:p>
+          <a:p>
+            <a:endParaRPr lang="en-US" altLang="en-US" sz="2800" cap="none" dirty="0">
+              <a:solidFill>
+                <a:schemeClr val="tx1"/>
+              </a:solidFill>
+              <a:effectLst>
+                <a:glow rad="38100">
+                  <a:schemeClr val="bg1">
+                    <a:lumMod val="50000"/>
+                    <a:lumOff val="50000"/>
+                    <a:alpha val="20000"/>
+                  </a:schemeClr>
+                </a:glow>
+              </a:effectLst>
+              <a:latin typeface="+mj-lt"/>
+            </a:endParaRPr>
+          </a:p>
+          <a:p>
+            <a:endParaRPr lang="en-US" altLang="en-US" sz="2800" cap="none" dirty="0">
+              <a:solidFill>
+                <a:schemeClr val="tx1"/>
+              </a:solidFill>
+              <a:effectLst>
+                <a:glow rad="38100">
+                  <a:schemeClr val="bg1">
+                    <a:lumMod val="50000"/>
+                    <a:lumOff val="50000"/>
+                    <a:alpha val="20000"/>
+                  </a:schemeClr>
+                </a:glow>
+              </a:effectLst>
+              <a:latin typeface="+mj-lt"/>
+            </a:endParaRPr>
+          </a:p>
+          <a:p>
+            <a:endParaRPr lang="en-US" altLang="en-US" sz="2800" cap="none" dirty="0">
+              <a:solidFill>
+                <a:schemeClr val="tx1"/>
+              </a:solidFill>
+              <a:effectLst>
+                <a:glow rad="38100">
+                  <a:schemeClr val="bg1">
+                    <a:lumMod val="50000"/>
+                    <a:lumOff val="50000"/>
+                    <a:alpha val="20000"/>
+                  </a:schemeClr>
+                </a:glow>
+              </a:effectLst>
+              <a:latin typeface="+mj-lt"/>
+            </a:endParaRPr>
+          </a:p>
+          <a:p>
+            <a:r>
+              <a:rPr lang="en-US" altLang="en-US" sz="2800" cap="none" dirty="0">
+                <a:solidFill>
+                  <a:schemeClr val="tx1"/>
+                </a:solidFill>
+                <a:effectLst>
+                  <a:glow rad="38100">
+                    <a:schemeClr val="bg1">
+                      <a:lumMod val="50000"/>
+                      <a:lumOff val="50000"/>
+                      <a:alpha val="20000"/>
+                    </a:schemeClr>
+                  </a:glow>
+                </a:effectLst>
+                <a:latin typeface="+mj-lt"/>
+              </a:rPr>
+              <a:t>Since it’s assumed that the… </a:t>
+            </a:r>
+          </a:p>
+          <a:p>
+            <a:pPr lvl="1"/>
+            <a:r>
+              <a:rPr lang="en-US" altLang="en-US" sz="2400" cap="none" dirty="0">
+                <a:solidFill>
+                  <a:schemeClr val="tx1"/>
+                </a:solidFill>
+                <a:effectLst>
+                  <a:glow rad="38100">
+                    <a:schemeClr val="bg1">
+                      <a:lumMod val="50000"/>
+                      <a:lumOff val="50000"/>
+                      <a:alpha val="20000"/>
+                    </a:schemeClr>
+                  </a:glow>
+                </a:effectLst>
+                <a:latin typeface="+mj-lt"/>
+                <a:ea typeface="ＭＳ Ｐゴシック" panose="020B0600070205080204" pitchFamily="34" charset="-128"/>
+              </a:rPr>
+              <a:t>Variances are same in 2 groups</a:t>
+            </a:r>
+          </a:p>
+          <a:p>
+            <a:pPr lvl="1"/>
+            <a:r>
+              <a:rPr lang="en-US" altLang="en-US" sz="2400" i="1" cap="none" dirty="0">
+                <a:solidFill>
+                  <a:schemeClr val="tx1"/>
+                </a:solidFill>
+                <a:effectLst>
+                  <a:glow rad="38100">
+                    <a:schemeClr val="bg1">
+                      <a:lumMod val="50000"/>
+                      <a:lumOff val="50000"/>
+                      <a:alpha val="20000"/>
+                    </a:schemeClr>
+                  </a:glow>
+                </a:effectLst>
+                <a:latin typeface="+mj-lt"/>
+                <a:ea typeface="ＭＳ Ｐゴシック" panose="020B0600070205080204" pitchFamily="34" charset="-128"/>
+              </a:rPr>
+              <a:t>N’</a:t>
+            </a:r>
+            <a:r>
+              <a:rPr lang="en-US" altLang="en-US" sz="2400" cap="none" dirty="0">
+                <a:solidFill>
+                  <a:schemeClr val="tx1"/>
+                </a:solidFill>
+                <a:effectLst>
+                  <a:glow rad="38100">
+                    <a:schemeClr val="bg1">
+                      <a:lumMod val="50000"/>
+                      <a:lumOff val="50000"/>
+                      <a:alpha val="20000"/>
+                    </a:schemeClr>
+                  </a:glow>
+                </a:effectLst>
+                <a:latin typeface="+mj-lt"/>
+                <a:ea typeface="ＭＳ Ｐゴシック" panose="020B0600070205080204" pitchFamily="34" charset="-128"/>
+              </a:rPr>
+              <a:t>s are same in 2 groups</a:t>
+            </a:r>
+          </a:p>
+          <a:p>
+            <a:r>
+              <a:rPr lang="en-US" altLang="en-US" sz="2800" cap="none" dirty="0">
+                <a:solidFill>
+                  <a:schemeClr val="tx1"/>
+                </a:solidFill>
+                <a:effectLst>
+                  <a:glow rad="38100">
+                    <a:schemeClr val="bg1">
+                      <a:lumMod val="50000"/>
+                      <a:lumOff val="50000"/>
+                      <a:alpha val="20000"/>
+                    </a:schemeClr>
+                  </a:glow>
+                </a:effectLst>
+                <a:latin typeface="+mj-lt"/>
+              </a:rPr>
+              <a:t>...and since </a:t>
+            </a:r>
+            <a:r>
+              <a:rPr lang="el-GR" altLang="en-US" sz="2800" i="1" cap="none" dirty="0">
+                <a:solidFill>
+                  <a:schemeClr val="tx1"/>
+                </a:solidFill>
+                <a:effectLst>
+                  <a:glow rad="38100">
+                    <a:schemeClr val="bg1">
+                      <a:lumMod val="50000"/>
+                      <a:lumOff val="50000"/>
+                      <a:alpha val="20000"/>
+                    </a:schemeClr>
+                  </a:glow>
+                </a:effectLst>
+                <a:latin typeface="+mj-lt"/>
+                <a:cs typeface="Arial" panose="020B0604020202020204" pitchFamily="34" charset="0"/>
+              </a:rPr>
+              <a:t>σ</a:t>
+            </a:r>
+            <a:r>
+              <a:rPr lang="en-US" altLang="en-US" sz="2800" cap="none" dirty="0">
+                <a:solidFill>
+                  <a:schemeClr val="tx1"/>
+                </a:solidFill>
+                <a:effectLst>
+                  <a:glow rad="38100">
+                    <a:schemeClr val="bg1">
+                      <a:lumMod val="50000"/>
+                      <a:lumOff val="50000"/>
+                      <a:alpha val="20000"/>
+                    </a:schemeClr>
+                  </a:glow>
+                </a:effectLst>
+                <a:latin typeface="+mj-lt"/>
+                <a:cs typeface="Arial" panose="020B0604020202020204" pitchFamily="34" charset="0"/>
+              </a:rPr>
+              <a:t> is </a:t>
+            </a:r>
+            <a:r>
+              <a:rPr lang="en-US" altLang="en-US" sz="2800" cap="none" dirty="0">
+                <a:solidFill>
+                  <a:schemeClr val="tx1"/>
+                </a:solidFill>
+                <a:effectLst>
+                  <a:glow rad="38100">
+                    <a:schemeClr val="bg1">
+                      <a:lumMod val="50000"/>
+                      <a:lumOff val="50000"/>
+                      <a:alpha val="20000"/>
+                    </a:schemeClr>
+                  </a:glow>
+                </a:effectLst>
+                <a:latin typeface="+mj-lt"/>
+              </a:rPr>
+              <a:t>often </a:t>
+            </a:r>
+            <a:r>
+              <a:rPr lang="en-US" altLang="en-US" sz="2800" cap="none" dirty="0">
+                <a:solidFill>
+                  <a:schemeClr val="tx1"/>
+                </a:solidFill>
+                <a:effectLst>
+                  <a:glow rad="38100">
+                    <a:schemeClr val="bg1">
+                      <a:lumMod val="50000"/>
+                      <a:lumOff val="50000"/>
+                      <a:alpha val="20000"/>
+                    </a:schemeClr>
+                  </a:glow>
+                </a:effectLst>
+                <a:latin typeface="+mj-lt"/>
+                <a:cs typeface="Arial" panose="020B0604020202020204" pitchFamily="34" charset="0"/>
+              </a:rPr>
+              <a:t>assumed to be 1…</a:t>
+            </a:r>
+            <a:endParaRPr lang="el-GR" altLang="en-US" sz="2800" cap="none" dirty="0">
+              <a:solidFill>
+                <a:schemeClr val="tx1"/>
+              </a:solidFill>
+              <a:effectLst>
+                <a:glow rad="38100">
+                  <a:schemeClr val="bg1">
+                    <a:lumMod val="50000"/>
+                    <a:lumOff val="50000"/>
+                    <a:alpha val="20000"/>
+                  </a:schemeClr>
+                </a:glow>
+              </a:effectLst>
+              <a:latin typeface="+mj-lt"/>
+              <a:cs typeface="Arial" panose="020B0604020202020204" pitchFamily="34" charset="0"/>
+            </a:endParaRPr>
+          </a:p>
+          <a:p>
+            <a:r>
+              <a:rPr lang="en-US" altLang="en-US" sz="2800" cap="none" dirty="0">
+                <a:solidFill>
+                  <a:schemeClr val="tx1"/>
+                </a:solidFill>
+                <a:effectLst>
+                  <a:glow rad="38100">
+                    <a:schemeClr val="bg1">
+                      <a:lumMod val="50000"/>
+                      <a:lumOff val="50000"/>
+                      <a:alpha val="20000"/>
+                    </a:schemeClr>
+                  </a:glow>
+                </a:effectLst>
+                <a:latin typeface="+mj-lt"/>
+              </a:rPr>
+              <a:t>…the equation is simplified…</a:t>
+            </a:r>
+          </a:p>
+          <a:p>
+            <a:endParaRPr lang="en-US" cap="none" dirty="0">
+              <a:solidFill>
+                <a:schemeClr val="tx1"/>
+              </a:solidFill>
+              <a:effectLst>
+                <a:glow rad="38100">
+                  <a:schemeClr val="bg1">
+                    <a:lumMod val="50000"/>
+                    <a:lumOff val="50000"/>
+                    <a:alpha val="20000"/>
+                  </a:schemeClr>
+                </a:glow>
+              </a:effectLst>
+              <a:latin typeface="+mj-lt"/>
+            </a:endParaRPr>
+          </a:p>
+        </p:txBody>
+      </p:sp>
+      <p:pic>
+        <p:nvPicPr>
+          <p:cNvPr id="6" name="Picture 5"/>
+          <p:cNvPicPr>
+            <a:picLocks noChangeAspect="1"/>
+          </p:cNvPicPr>
+          <p:nvPr/>
+        </p:nvPicPr>
+        <p:blipFill>
+          <a:blip r:embed="rId3"/>
+          <a:stretch>
+            <a:fillRect/>
+          </a:stretch>
+        </p:blipFill>
+        <p:spPr>
+          <a:xfrm>
+            <a:off x="2540200" y="2283164"/>
+            <a:ext cx="2451547" cy="1659443"/>
+          </a:xfrm>
+          <a:prstGeom prst="roundRect">
+            <a:avLst>
+              <a:gd name="adj" fmla="val 0"/>
+            </a:avLst>
+          </a:prstGeom>
+          <a:solidFill>
+            <a:srgbClr val="FFFFFF">
+              <a:shade val="85000"/>
+            </a:srgbClr>
+          </a:solidFill>
+          <a:ln>
+            <a:noFill/>
+          </a:ln>
+          <a:effectLst/>
+        </p:spPr>
+      </p:pic>
+    </p:spTree>
+    <p:extLst>
+      <p:ext uri="{BB962C8B-B14F-4D97-AF65-F5344CB8AC3E}">
+        <p14:creationId xmlns:p14="http://schemas.microsoft.com/office/powerpoint/2010/main" val="791377464"/>
+      </p:ext>
+    </p:extLst>
+  </p:cSld>
+  <p:clrMapOvr>
+    <a:masterClrMapping/>
+  </p:clrMapOvr>
+</p:sld>
+</file>
+
+<file path=ppt/slides/slide11.xml><?xml version="1.0" encoding="utf-8"?>
+<p:sld xmlns:a="http://schemas.openxmlformats.org/drawingml/2006/main" xmlns:r="http://schemas.openxmlformats.org/officeDocument/2006/relationships" xmlns:p="http://schemas.openxmlformats.org/presentationml/2006/main">
+  <p:cSld>
+    <p:spTree>
+      <p:nvGrpSpPr>
+        <p:cNvPr id="1" name=""/>
+        <p:cNvGrpSpPr/>
+        <p:nvPr/>
+      </p:nvGrpSpPr>
+      <p:grpSpPr>
+        <a:xfrm>
+          <a:off x="0" y="0"/>
+          <a:ext cx="0" cy="0"/>
+          <a:chOff x="0" y="0"/>
+          <a:chExt cx="0" cy="0"/>
+        </a:xfrm>
+      </p:grpSpPr>
       <p:sp>
         <p:nvSpPr>
           <p:cNvPr id="4" name="Footer Placeholder 3"/>
@@ -8740,10 +9278,9 @@
           <a:lstStyle/>
           <a:p>
             <a:r>
-              <a:rPr lang="en-US" smtClean="0"/>
+              <a:rPr lang="en-US"/>
               <a:t>Cohen Chap 8 - Power &amp; Effect Size</a:t>
             </a:r>
-            <a:endParaRPr lang="en-US"/>
           </a:p>
         </p:txBody>
       </p:sp>
@@ -8764,7 +9301,7 @@
           <a:p>
             <a:fld id="{70530345-2CA8-4B10-B827-7E2C2137411C}" type="slidenum">
               <a:rPr lang="en-US" smtClean="0"/>
-              <a:t>10</a:t>
+              <a:t>11</a:t>
             </a:fld>
             <a:endParaRPr lang="en-US"/>
           </a:p>
@@ -8913,7 +9450,7 @@
               <a:lstStyle/>
               <a:p>
                 <a:r>
-                  <a:rPr lang="en-US" sz="4800" dirty="0" smtClean="0">
+                  <a:rPr lang="en-US" sz="4800" dirty="0">
                     <a:solidFill>
                       <a:schemeClr val="accent2">
                         <a:lumMod val="50000"/>
@@ -9094,7 +9631,7 @@
               <a:lstStyle/>
               <a:p>
                 <a:r>
-                  <a:rPr lang="en-US" sz="4800" dirty="0" smtClean="0">
+                  <a:rPr lang="en-US" sz="4800" dirty="0">
                     <a:solidFill>
                       <a:schemeClr val="accent2">
                         <a:lumMod val="50000"/>
@@ -9261,1636 +9798,6 @@
 </p:sld>
 </file>
 
-<file path=ppt/slides/slide11.xml><?xml version="1.0" encoding="utf-8"?>
-<p:sld xmlns:a="http://schemas.openxmlformats.org/drawingml/2006/main" xmlns:r="http://schemas.openxmlformats.org/officeDocument/2006/relationships" xmlns:p="http://schemas.openxmlformats.org/presentationml/2006/main">
-  <p:cSld>
-    <p:spTree>
-      <p:nvGrpSpPr>
-        <p:cNvPr id="1" name=""/>
-        <p:cNvGrpSpPr/>
-        <p:nvPr/>
-      </p:nvGrpSpPr>
-      <p:grpSpPr>
-        <a:xfrm>
-          <a:off x="0" y="0"/>
-          <a:ext cx="0" cy="0"/>
-          <a:chOff x="0" y="0"/>
-          <a:chExt cx="0" cy="0"/>
-        </a:xfrm>
-      </p:grpSpPr>
-      <p:sp>
-        <p:nvSpPr>
-          <p:cNvPr id="2" name="Title 1"/>
-          <p:cNvSpPr>
-            <a:spLocks noGrp="1"/>
-          </p:cNvSpPr>
-          <p:nvPr>
-            <p:ph type="title"/>
-          </p:nvPr>
-        </p:nvSpPr>
-        <p:spPr/>
-        <p:txBody>
-          <a:bodyPr/>
-          <a:lstStyle/>
-          <a:p>
-            <a:r>
-              <a:rPr lang="en-US" dirty="0" smtClean="0"/>
-              <a:t>Formula Sheet</a:t>
-            </a:r>
-            <a:endParaRPr lang="en-US" dirty="0"/>
-          </a:p>
-        </p:txBody>
-      </p:sp>
-      <mc:AlternateContent xmlns:mc="http://schemas.openxmlformats.org/markup-compatibility/2006">
-        <mc:Choice xmlns:a14="http://schemas.microsoft.com/office/drawing/2010/main" Requires="a14">
-          <p:sp>
-            <p:nvSpPr>
-              <p:cNvPr id="3" name="Content Placeholder 2"/>
-              <p:cNvSpPr>
-                <a:spLocks noGrp="1"/>
-              </p:cNvSpPr>
-              <p:nvPr>
-                <p:ph idx="1"/>
-              </p:nvPr>
-            </p:nvSpPr>
-            <p:spPr>
-              <a:xfrm>
-                <a:off x="190244" y="2666999"/>
-                <a:ext cx="11850379" cy="3124201"/>
-              </a:xfrm>
-            </p:spPr>
-            <p:txBody>
-              <a:bodyPr>
-                <a:normAutofit fontScale="92500"/>
-              </a:bodyPr>
-              <a:lstStyle/>
-              <a:p>
-                <a:pPr marL="0" indent="0">
-                  <a:buNone/>
-                </a:pPr>
-                <a14:m>
-                  <m:oMathPara xmlns:m="http://schemas.openxmlformats.org/officeDocument/2006/math">
-                    <m:oMathParaPr>
-                      <m:jc m:val="centerGroup"/>
-                    </m:oMathParaPr>
-                    <m:oMath xmlns:m="http://schemas.openxmlformats.org/officeDocument/2006/math">
-                      <m:d>
-                        <m:dPr>
-                          <m:begChr m:val=""/>
-                          <m:endChr m:val="}"/>
-                          <m:ctrlPr>
-                            <a:rPr lang="en-US" i="1">
-                              <a:effectLst/>
-                            </a:rPr>
-                          </m:ctrlPr>
-                        </m:dPr>
-                        <m:e>
-                          <m:m>
-                            <m:mPr>
-                              <m:mcs>
-                                <m:mc>
-                                  <m:mcPr>
-                                    <m:count m:val="1"/>
-                                    <m:mcJc m:val="center"/>
-                                  </m:mcPr>
-                                </m:mc>
-                              </m:mcs>
-                              <m:ctrlPr>
-                                <a:rPr lang="en-US" i="1">
-                                  <a:effectLst/>
-                                </a:rPr>
-                              </m:ctrlPr>
-                            </m:mPr>
-                            <m:mr>
-                              <m:e>
-                                <m:r>
-                                  <a:rPr lang="en-US" i="1">
-                                    <a:effectLst/>
-                                  </a:rPr>
-                                  <m:t>𝛿</m:t>
-                                </m:r>
-                                <m:r>
-                                  <a:rPr lang="en-US" i="1">
-                                    <a:effectLst/>
-                                  </a:rPr>
-                                  <m:t>="</m:t>
-                                </m:r>
-                                <m:r>
-                                  <m:rPr>
-                                    <m:nor/>
-                                  </m:rPr>
-                                  <a:rPr lang="en-US">
-                                    <a:effectLst/>
-                                  </a:rPr>
-                                  <m:t>expected</m:t>
-                                </m:r>
-                                <m:r>
-                                  <m:rPr>
-                                    <m:nor/>
-                                  </m:rPr>
-                                  <a:rPr lang="en-US">
-                                    <a:effectLst/>
-                                  </a:rPr>
-                                  <m:t> </m:t>
-                                </m:r>
-                                <m:r>
-                                  <m:rPr>
-                                    <m:nor/>
-                                  </m:rPr>
-                                  <a:rPr lang="en-US">
-                                    <a:effectLst/>
-                                  </a:rPr>
-                                  <m:t>t</m:t>
-                                </m:r>
-                                <m:r>
-                                  <m:rPr>
-                                    <m:nor/>
-                                  </m:rPr>
-                                  <a:rPr lang="en-US">
-                                    <a:effectLst/>
-                                  </a:rPr>
-                                  <m:t> </m:t>
-                                </m:r>
-                                <m:r>
-                                  <m:rPr>
-                                    <m:nor/>
-                                  </m:rPr>
-                                  <a:rPr lang="en-US">
-                                    <a:effectLst/>
-                                  </a:rPr>
-                                  <m:t>or</m:t>
-                                </m:r>
-                                <m:r>
-                                  <m:rPr>
-                                    <m:nor/>
-                                  </m:rPr>
-                                  <a:rPr lang="en-US">
-                                    <a:effectLst/>
-                                  </a:rPr>
-                                  <m:t> </m:t>
-                                </m:r>
-                                <m:r>
-                                  <m:rPr>
-                                    <m:nor/>
-                                  </m:rPr>
-                                  <a:rPr lang="en-US">
-                                    <a:effectLst/>
-                                  </a:rPr>
-                                  <m:t>z</m:t>
-                                </m:r>
-                                <m:r>
-                                  <m:rPr>
-                                    <m:nor/>
-                                  </m:rPr>
-                                  <a:rPr lang="en-US">
-                                    <a:effectLst/>
-                                  </a:rPr>
-                                  <m:t>"</m:t>
-                                </m:r>
-                                <m:r>
-                                  <a:rPr lang="en-US" i="1">
-                                    <a:effectLst/>
-                                  </a:rPr>
-                                  <m:t>  (</m:t>
-                                </m:r>
-                                <m:r>
-                                  <a:rPr lang="en-US" i="1">
-                                    <a:effectLst/>
-                                  </a:rPr>
-                                  <m:t>𝑝𝑜𝑝𝑢𝑙𝑎𝑡𝑖𝑜𝑛</m:t>
-                                </m:r>
-                                <m:r>
-                                  <a:rPr lang="en-US" i="1">
-                                    <a:effectLst/>
-                                  </a:rPr>
-                                  <m:t> </m:t>
-                                </m:r>
-                                <m:r>
-                                  <a:rPr lang="en-US" i="1">
-                                    <a:effectLst/>
-                                  </a:rPr>
-                                  <m:t>𝑝𝑎𝑟𝑎𝑚𝑒𝑡𝑒𝑟𝑠</m:t>
-                                </m:r>
-                                <m:r>
-                                  <a:rPr lang="en-US" i="1">
-                                    <a:effectLst/>
-                                  </a:rPr>
-                                  <m:t>)</m:t>
-                                </m:r>
-                              </m:e>
-                            </m:mr>
-                            <m:mr>
-                              <m:e>
-                                <m:r>
-                                  <a:rPr lang="en-US" i="1">
-                                    <a:effectLst/>
-                                  </a:rPr>
-                                  <m:t>1 </m:t>
-                                </m:r>
-                                <m:r>
-                                  <a:rPr lang="en-US" i="1">
-                                    <a:effectLst/>
-                                  </a:rPr>
-                                  <m:t>𝑔𝑟𝑜𝑢𝑝</m:t>
-                                </m:r>
-                                <m:r>
-                                  <a:rPr lang="en-US" i="1">
-                                    <a:effectLst/>
-                                  </a:rPr>
-                                  <m:t>:  </m:t>
-                                </m:r>
-                                <m:r>
-                                  <a:rPr lang="en-US" i="1">
-                                    <a:effectLst/>
-                                  </a:rPr>
-                                  <m:t>𝛿</m:t>
-                                </m:r>
-                                <m:r>
-                                  <a:rPr lang="en-US" i="1">
-                                    <a:effectLst/>
-                                  </a:rPr>
-                                  <m:t>=</m:t>
-                                </m:r>
-                                <m:f>
-                                  <m:fPr>
-                                    <m:ctrlPr>
-                                      <a:rPr lang="en-US" i="1">
-                                        <a:effectLst/>
-                                      </a:rPr>
-                                    </m:ctrlPr>
-                                  </m:fPr>
-                                  <m:num>
-                                    <m:r>
-                                      <a:rPr lang="en-US" i="1">
-                                        <a:effectLst/>
-                                      </a:rPr>
-                                      <m:t>𝜇</m:t>
-                                    </m:r>
-                                  </m:num>
-                                  <m:den>
-                                    <m:r>
-                                      <a:rPr lang="en-US" i="1">
-                                        <a:effectLst/>
-                                      </a:rPr>
-                                      <m:t>𝜎</m:t>
-                                    </m:r>
-                                  </m:den>
-                                </m:f>
-                                <m:rad>
-                                  <m:radPr>
-                                    <m:degHide m:val="on"/>
-                                    <m:ctrlPr>
-                                      <a:rPr lang="en-US" i="1">
-                                        <a:effectLst/>
-                                      </a:rPr>
-                                    </m:ctrlPr>
-                                  </m:radPr>
-                                  <m:deg/>
-                                  <m:e>
-                                    <m:r>
-                                      <a:rPr lang="en-US" i="1">
-                                        <a:effectLst/>
-                                      </a:rPr>
-                                      <m:t>𝑛</m:t>
-                                    </m:r>
-                                  </m:e>
-                                </m:rad>
-                                <m:box>
-                                  <m:boxPr>
-                                    <m:ctrlPr>
-                                      <a:rPr lang="en-US" i="1">
-                                        <a:effectLst/>
-                                      </a:rPr>
-                                    </m:ctrlPr>
-                                  </m:boxPr>
-                                  <m:e>
-                                    <m:r>
-                                      <a:rPr lang="en-US" i="1">
-                                        <a:effectLst/>
-                                      </a:rPr>
-                                      <m:t>    </m:t>
-                                    </m:r>
-                                    <m:groupChr>
-                                      <m:groupChrPr>
-                                        <m:chr m:val="→"/>
-                                        <m:vertJc m:val="bot"/>
-                                        <m:ctrlPr>
-                                          <a:rPr lang="en-US" i="1">
-                                            <a:effectLst/>
-                                          </a:rPr>
-                                        </m:ctrlPr>
-                                      </m:groupChrPr>
-                                      <m:e>
-                                        <m:r>
-                                          <a:rPr lang="en-US" i="1">
-                                            <a:effectLst/>
-                                          </a:rPr>
-                                          <m:t>𝑑</m:t>
-                                        </m:r>
-                                        <m:r>
-                                          <a:rPr lang="en-US" i="1">
-                                            <a:effectLst/>
-                                          </a:rPr>
-                                          <m:t>=</m:t>
-                                        </m:r>
-                                        <m:f>
-                                          <m:fPr>
-                                            <m:ctrlPr>
-                                              <a:rPr lang="en-US" i="1">
-                                                <a:effectLst/>
-                                              </a:rPr>
-                                            </m:ctrlPr>
-                                          </m:fPr>
-                                          <m:num>
-                                            <m:r>
-                                              <a:rPr lang="en-US" i="1">
-                                                <a:effectLst/>
-                                              </a:rPr>
-                                              <m:t>𝜇</m:t>
-                                            </m:r>
-                                          </m:num>
-                                          <m:den>
-                                            <m:r>
-                                              <a:rPr lang="en-US" i="1">
-                                                <a:effectLst/>
-                                              </a:rPr>
-                                              <m:t>𝜎</m:t>
-                                            </m:r>
-                                          </m:den>
-                                        </m:f>
-                                      </m:e>
-                                    </m:groupChr>
-                                    <m:r>
-                                      <a:rPr lang="en-US" i="1">
-                                        <a:effectLst/>
-                                      </a:rPr>
-                                      <m:t>   </m:t>
-                                    </m:r>
-                                    <m:r>
-                                      <a:rPr lang="en-US" i="1">
-                                        <a:effectLst/>
-                                      </a:rPr>
-                                      <m:t>𝛿</m:t>
-                                    </m:r>
-                                    <m:r>
-                                      <a:rPr lang="en-US" i="1">
-                                        <a:effectLst/>
-                                      </a:rPr>
-                                      <m:t>=</m:t>
-                                    </m:r>
-                                    <m:r>
-                                      <a:rPr lang="en-US" i="1">
-                                        <a:effectLst/>
-                                      </a:rPr>
-                                      <m:t>𝑑</m:t>
-                                    </m:r>
-                                    <m:rad>
-                                      <m:radPr>
-                                        <m:degHide m:val="on"/>
-                                        <m:ctrlPr>
-                                          <a:rPr lang="en-US" i="1">
-                                            <a:effectLst/>
-                                          </a:rPr>
-                                        </m:ctrlPr>
-                                      </m:radPr>
-                                      <m:deg/>
-                                      <m:e>
-                                        <m:r>
-                                          <a:rPr lang="en-US" i="1">
-                                            <a:effectLst/>
-                                          </a:rPr>
-                                          <m:t>𝑛</m:t>
-                                        </m:r>
-                                      </m:e>
-                                    </m:rad>
-                                  </m:e>
-                                </m:box>
-                              </m:e>
-                            </m:mr>
-                            <m:mr>
-                              <m:e>
-                                <m:r>
-                                  <a:rPr lang="en-US" i="1">
-                                    <a:effectLst/>
-                                  </a:rPr>
-                                  <m:t>2 </m:t>
-                                </m:r>
-                                <m:r>
-                                  <a:rPr lang="en-US" i="1">
-                                    <a:effectLst/>
-                                  </a:rPr>
-                                  <m:t>𝑔𝑟𝑜𝑢𝑝𝑠</m:t>
-                                </m:r>
-                                <m:r>
-                                  <a:rPr lang="en-US" i="1">
-                                    <a:effectLst/>
-                                  </a:rPr>
-                                  <m:t>:   </m:t>
-                                </m:r>
-                                <m:r>
-                                  <a:rPr lang="en-US" i="1">
-                                    <a:effectLst/>
-                                  </a:rPr>
-                                  <m:t>𝛿</m:t>
-                                </m:r>
-                                <m:box>
-                                  <m:boxPr>
-                                    <m:ctrlPr>
-                                      <a:rPr lang="en-US" i="1">
-                                        <a:effectLst/>
-                                      </a:rPr>
-                                    </m:ctrlPr>
-                                  </m:boxPr>
-                                  <m:e>
-                                    <m:groupChr>
-                                      <m:groupChrPr>
-                                        <m:chr m:val="⇒"/>
-                                        <m:vertJc m:val="bot"/>
-                                        <m:ctrlPr>
-                                          <a:rPr lang="en-US" i="1">
-                                            <a:effectLst/>
-                                          </a:rPr>
-                                        </m:ctrlPr>
-                                      </m:groupChrPr>
-                                      <m:e>
-                                        <m:r>
-                                          <a:rPr lang="en-US" i="1">
-                                            <a:effectLst/>
-                                          </a:rPr>
-                                          <m:t>𝑒𝑞𝑢𝑎𝑙</m:t>
-                                        </m:r>
-                                        <m:r>
-                                          <a:rPr lang="en-US" i="1">
-                                            <a:effectLst/>
-                                          </a:rPr>
-                                          <m:t> </m:t>
-                                        </m:r>
-                                        <m:sSup>
-                                          <m:sSupPr>
-                                            <m:ctrlPr>
-                                              <a:rPr lang="en-US" i="1">
-                                                <a:effectLst/>
-                                              </a:rPr>
-                                            </m:ctrlPr>
-                                          </m:sSupPr>
-                                          <m:e>
-                                            <m:r>
-                                              <a:rPr lang="en-US" i="1">
-                                                <a:effectLst/>
-                                              </a:rPr>
-                                              <m:t>𝑛</m:t>
-                                            </m:r>
-                                          </m:e>
-                                          <m:sup>
-                                            <m:r>
-                                              <a:rPr lang="en-US" i="1">
-                                                <a:effectLst/>
-                                              </a:rPr>
-                                              <m:t>′</m:t>
-                                            </m:r>
-                                          </m:sup>
-                                        </m:sSup>
-                                        <m:r>
-                                          <a:rPr lang="en-US" i="1">
-                                            <a:effectLst/>
-                                          </a:rPr>
-                                          <m:t>𝑠</m:t>
-                                        </m:r>
-                                      </m:e>
-                                    </m:groupChr>
-                                  </m:e>
-                                </m:box>
-                                <m:f>
-                                  <m:fPr>
-                                    <m:ctrlPr>
-                                      <a:rPr lang="en-US" i="1">
-                                        <a:effectLst/>
-                                      </a:rPr>
-                                    </m:ctrlPr>
-                                  </m:fPr>
-                                  <m:num>
-                                    <m:sSub>
-                                      <m:sSubPr>
-                                        <m:ctrlPr>
-                                          <a:rPr lang="en-US" i="1">
-                                            <a:effectLst/>
-                                          </a:rPr>
-                                        </m:ctrlPr>
-                                      </m:sSubPr>
-                                      <m:e>
-                                        <m:r>
-                                          <a:rPr lang="en-US" i="1">
-                                            <a:effectLst/>
-                                          </a:rPr>
-                                          <m:t>𝜇</m:t>
-                                        </m:r>
-                                      </m:e>
-                                      <m:sub>
-                                        <m:r>
-                                          <a:rPr lang="en-US" i="1">
-                                            <a:effectLst/>
-                                          </a:rPr>
-                                          <m:t>1</m:t>
-                                        </m:r>
-                                      </m:sub>
-                                    </m:sSub>
-                                    <m:r>
-                                      <a:rPr lang="en-US" i="1">
-                                        <a:effectLst/>
-                                      </a:rPr>
-                                      <m:t>−</m:t>
-                                    </m:r>
-                                    <m:sSub>
-                                      <m:sSubPr>
-                                        <m:ctrlPr>
-                                          <a:rPr lang="en-US" i="1">
-                                            <a:effectLst/>
-                                          </a:rPr>
-                                        </m:ctrlPr>
-                                      </m:sSubPr>
-                                      <m:e>
-                                        <m:r>
-                                          <a:rPr lang="en-US" i="1">
-                                            <a:effectLst/>
-                                          </a:rPr>
-                                          <m:t>𝜇</m:t>
-                                        </m:r>
-                                      </m:e>
-                                      <m:sub>
-                                        <m:r>
-                                          <a:rPr lang="en-US" i="1">
-                                            <a:effectLst/>
-                                          </a:rPr>
-                                          <m:t>2</m:t>
-                                        </m:r>
-                                      </m:sub>
-                                    </m:sSub>
-                                  </m:num>
-                                  <m:den>
-                                    <m:r>
-                                      <a:rPr lang="en-US" i="1">
-                                        <a:effectLst/>
-                                      </a:rPr>
-                                      <m:t>𝜎</m:t>
-                                    </m:r>
-                                  </m:den>
-                                </m:f>
-                                <m:rad>
-                                  <m:radPr>
-                                    <m:degHide m:val="on"/>
-                                    <m:ctrlPr>
-                                      <a:rPr lang="en-US" i="1">
-                                        <a:effectLst/>
-                                      </a:rPr>
-                                    </m:ctrlPr>
-                                  </m:radPr>
-                                  <m:deg/>
-                                  <m:e>
-                                    <m:f>
-                                      <m:fPr>
-                                        <m:ctrlPr>
-                                          <a:rPr lang="en-US" i="1">
-                                            <a:effectLst/>
-                                          </a:rPr>
-                                        </m:ctrlPr>
-                                      </m:fPr>
-                                      <m:num>
-                                        <m:r>
-                                          <a:rPr lang="en-US" i="1">
-                                            <a:effectLst/>
-                                          </a:rPr>
-                                          <m:t>𝑛</m:t>
-                                        </m:r>
-                                      </m:num>
-                                      <m:den>
-                                        <m:r>
-                                          <a:rPr lang="en-US" i="1">
-                                            <a:effectLst/>
-                                          </a:rPr>
-                                          <m:t>2</m:t>
-                                        </m:r>
-                                      </m:den>
-                                    </m:f>
-                                  </m:e>
-                                </m:rad>
-                                <m:box>
-                                  <m:boxPr>
-                                    <m:ctrlPr>
-                                      <a:rPr lang="en-US" i="1">
-                                        <a:effectLst/>
-                                      </a:rPr>
-                                    </m:ctrlPr>
-                                  </m:boxPr>
-                                  <m:e>
-                                    <m:r>
-                                      <a:rPr lang="en-US" i="1">
-                                        <a:effectLst/>
-                                      </a:rPr>
-                                      <m:t>    </m:t>
-                                    </m:r>
-                                    <m:groupChr>
-                                      <m:groupChrPr>
-                                        <m:chr m:val="→"/>
-                                        <m:vertJc m:val="bot"/>
-                                        <m:ctrlPr>
-                                          <a:rPr lang="en-US" i="1">
-                                            <a:effectLst/>
-                                          </a:rPr>
-                                        </m:ctrlPr>
-                                      </m:groupChrPr>
-                                      <m:e>
-                                        <m:r>
-                                          <a:rPr lang="en-US" i="1">
-                                            <a:effectLst/>
-                                          </a:rPr>
-                                          <m:t>𝑑</m:t>
-                                        </m:r>
-                                        <m:r>
-                                          <a:rPr lang="en-US" i="1">
-                                            <a:effectLst/>
-                                          </a:rPr>
-                                          <m:t>=</m:t>
-                                        </m:r>
-                                        <m:f>
-                                          <m:fPr>
-                                            <m:ctrlPr>
-                                              <a:rPr lang="en-US" i="1">
-                                                <a:effectLst/>
-                                              </a:rPr>
-                                            </m:ctrlPr>
-                                          </m:fPr>
-                                          <m:num>
-                                            <m:sSub>
-                                              <m:sSubPr>
-                                                <m:ctrlPr>
-                                                  <a:rPr lang="en-US" i="1">
-                                                    <a:effectLst/>
-                                                  </a:rPr>
-                                                </m:ctrlPr>
-                                              </m:sSubPr>
-                                              <m:e>
-                                                <m:r>
-                                                  <a:rPr lang="en-US" i="1">
-                                                    <a:effectLst/>
-                                                  </a:rPr>
-                                                  <m:t>𝜇</m:t>
-                                                </m:r>
-                                              </m:e>
-                                              <m:sub>
-                                                <m:r>
-                                                  <a:rPr lang="en-US" i="1">
-                                                    <a:effectLst/>
-                                                  </a:rPr>
-                                                  <m:t>1</m:t>
-                                                </m:r>
-                                              </m:sub>
-                                            </m:sSub>
-                                            <m:r>
-                                              <a:rPr lang="en-US" i="1">
-                                                <a:effectLst/>
-                                              </a:rPr>
-                                              <m:t>−</m:t>
-                                            </m:r>
-                                            <m:sSub>
-                                              <m:sSubPr>
-                                                <m:ctrlPr>
-                                                  <a:rPr lang="en-US" i="1">
-                                                    <a:effectLst/>
-                                                  </a:rPr>
-                                                </m:ctrlPr>
-                                              </m:sSubPr>
-                                              <m:e>
-                                                <m:r>
-                                                  <a:rPr lang="en-US" i="1">
-                                                    <a:effectLst/>
-                                                  </a:rPr>
-                                                  <m:t>𝜇</m:t>
-                                                </m:r>
-                                              </m:e>
-                                              <m:sub>
-                                                <m:r>
-                                                  <a:rPr lang="en-US" i="1">
-                                                    <a:effectLst/>
-                                                  </a:rPr>
-                                                  <m:t>2</m:t>
-                                                </m:r>
-                                              </m:sub>
-                                            </m:sSub>
-                                          </m:num>
-                                          <m:den>
-                                            <m:r>
-                                              <a:rPr lang="en-US" i="1">
-                                                <a:effectLst/>
-                                              </a:rPr>
-                                              <m:t>𝜎</m:t>
-                                            </m:r>
-                                          </m:den>
-                                        </m:f>
-                                      </m:e>
-                                    </m:groupChr>
-                                    <m:r>
-                                      <a:rPr lang="en-US" i="1">
-                                        <a:effectLst/>
-                                      </a:rPr>
-                                      <m:t>   </m:t>
-                                    </m:r>
-                                    <m:r>
-                                      <a:rPr lang="en-US" i="1">
-                                        <a:effectLst/>
-                                      </a:rPr>
-                                      <m:t>𝛿</m:t>
-                                    </m:r>
-                                    <m:r>
-                                      <a:rPr lang="en-US" i="1">
-                                        <a:effectLst/>
-                                      </a:rPr>
-                                      <m:t>=</m:t>
-                                    </m:r>
-                                    <m:r>
-                                      <a:rPr lang="en-US" i="1">
-                                        <a:effectLst/>
-                                      </a:rPr>
-                                      <m:t>𝑑</m:t>
-                                    </m:r>
-                                    <m:rad>
-                                      <m:radPr>
-                                        <m:degHide m:val="on"/>
-                                        <m:ctrlPr>
-                                          <a:rPr lang="en-US" i="1">
-                                            <a:effectLst/>
-                                          </a:rPr>
-                                        </m:ctrlPr>
-                                      </m:radPr>
-                                      <m:deg/>
-                                      <m:e>
-                                        <m:f>
-                                          <m:fPr>
-                                            <m:ctrlPr>
-                                              <a:rPr lang="en-US" i="1">
-                                                <a:effectLst/>
-                                              </a:rPr>
-                                            </m:ctrlPr>
-                                          </m:fPr>
-                                          <m:num>
-                                            <m:r>
-                                              <a:rPr lang="en-US" i="1">
-                                                <a:effectLst/>
-                                              </a:rPr>
-                                              <m:t>𝑛</m:t>
-                                            </m:r>
-                                          </m:num>
-                                          <m:den>
-                                            <m:r>
-                                              <a:rPr lang="en-US" i="1">
-                                                <a:effectLst/>
-                                              </a:rPr>
-                                              <m:t>2</m:t>
-                                            </m:r>
-                                          </m:den>
-                                        </m:f>
-                                      </m:e>
-                                    </m:rad>
-                                    <m:r>
-                                      <a:rPr lang="en-US" i="1">
-                                        <a:effectLst/>
-                                      </a:rPr>
-                                      <m:t>   </m:t>
-                                    </m:r>
-                                  </m:e>
-                                </m:box>
-                              </m:e>
-                            </m:mr>
-                          </m:m>
-                        </m:e>
-                      </m:d>
-                      <m:box>
-                        <m:boxPr>
-                          <m:ctrlPr>
-                            <a:rPr lang="en-US" i="1">
-                              <a:effectLst/>
-                            </a:rPr>
-                          </m:ctrlPr>
-                        </m:boxPr>
-                        <m:e>
-                          <m:groupChr>
-                            <m:groupChrPr>
-                              <m:chr m:val="⇔"/>
-                              <m:vertJc m:val="bot"/>
-                              <m:ctrlPr>
-                                <a:rPr lang="en-US" i="1">
-                                  <a:effectLst/>
-                                </a:rPr>
-                              </m:ctrlPr>
-                            </m:groupChrPr>
-                            <m:e>
-                              <m:r>
-                                <a:rPr lang="en-US" i="1">
-                                  <a:effectLst/>
-                                </a:rPr>
-                                <m:t>𝑒𝑠𝑡</m:t>
-                              </m:r>
-                              <m:r>
-                                <a:rPr lang="en-US" i="1">
-                                  <a:effectLst/>
-                                </a:rPr>
-                                <m:t>.  </m:t>
-                              </m:r>
-                              <m:r>
-                                <a:rPr lang="en-US" b="1" i="1">
-                                  <a:effectLst/>
-                                </a:rPr>
-                                <m:t>𝒅</m:t>
-                              </m:r>
-                              <m:r>
-                                <a:rPr lang="en-US" i="1">
-                                  <a:effectLst/>
-                                </a:rPr>
-                                <m:t>=</m:t>
-                              </m:r>
-                              <m:r>
-                                <a:rPr lang="en-US" i="1">
-                                  <a:effectLst/>
-                                </a:rPr>
-                                <m:t>𝑔</m:t>
-                              </m:r>
-                              <m:d>
-                                <m:dPr>
-                                  <m:ctrlPr>
-                                    <a:rPr lang="en-US" i="1">
-                                      <a:effectLst/>
-                                    </a:rPr>
-                                  </m:ctrlPr>
-                                </m:dPr>
-                                <m:e>
-                                  <m:r>
-                                    <a:rPr lang="en-US" i="1">
-                                      <a:effectLst/>
-                                    </a:rPr>
-                                    <m:t>1−</m:t>
-                                  </m:r>
-                                  <m:f>
-                                    <m:fPr>
-                                      <m:ctrlPr>
-                                        <a:rPr lang="en-US" i="1">
-                                          <a:effectLst/>
-                                        </a:rPr>
-                                      </m:ctrlPr>
-                                    </m:fPr>
-                                    <m:num>
-                                      <m:r>
-                                        <a:rPr lang="en-US" i="1">
-                                          <a:effectLst/>
-                                        </a:rPr>
-                                        <m:t>3</m:t>
-                                      </m:r>
-                                    </m:num>
-                                    <m:den>
-                                      <m:r>
-                                        <a:rPr lang="en-US" i="1">
-                                          <a:effectLst/>
-                                        </a:rPr>
-                                        <m:t>4 </m:t>
-                                      </m:r>
-                                      <m:r>
-                                        <a:rPr lang="en-US" i="1">
-                                          <a:effectLst/>
-                                        </a:rPr>
-                                        <m:t>𝑑𝑓</m:t>
-                                      </m:r>
-                                      <m:r>
-                                        <a:rPr lang="en-US" i="1">
-                                          <a:effectLst/>
-                                        </a:rPr>
-                                        <m:t>−1</m:t>
-                                      </m:r>
-                                    </m:den>
-                                  </m:f>
-                                </m:e>
-                              </m:d>
-                            </m:e>
-                          </m:groupChr>
-                        </m:e>
-                      </m:box>
-                      <m:d>
-                        <m:dPr>
-                          <m:begChr m:val="{"/>
-                          <m:endChr m:val=""/>
-                          <m:ctrlPr>
-                            <a:rPr lang="en-US" i="1">
-                              <a:effectLst/>
-                            </a:rPr>
-                          </m:ctrlPr>
-                        </m:dPr>
-                        <m:e>
-                          <m:m>
-                            <m:mPr>
-                              <m:mcs>
-                                <m:mc>
-                                  <m:mcPr>
-                                    <m:count m:val="1"/>
-                                    <m:mcJc m:val="center"/>
-                                  </m:mcPr>
-                                </m:mc>
-                              </m:mcs>
-                              <m:ctrlPr>
-                                <a:rPr lang="en-US" i="1">
-                                  <a:effectLst/>
-                                </a:rPr>
-                              </m:ctrlPr>
-                            </m:mPr>
-                            <m:mr>
-                              <m:e>
-                                <m:r>
-                                  <a:rPr lang="en-US" i="1">
-                                    <a:effectLst/>
-                                  </a:rPr>
-                                  <m:t>   </m:t>
-                                </m:r>
-                                <m:r>
-                                  <a:rPr lang="en-US" i="1">
-                                    <a:effectLst/>
-                                  </a:rPr>
-                                  <m:t>𝑔</m:t>
-                                </m:r>
-                                <m:r>
-                                  <a:rPr lang="en-US" i="1">
-                                    <a:effectLst/>
-                                  </a:rPr>
-                                  <m:t>="</m:t>
-                                </m:r>
-                                <m:r>
-                                  <a:rPr lang="en-US" i="1">
-                                    <a:effectLst/>
-                                  </a:rPr>
-                                  <m:t>𝑒𝑓𝑓𝑒𝑐𝑡</m:t>
-                                </m:r>
-                                <m:r>
-                                  <a:rPr lang="en-US" i="1">
-                                    <a:effectLst/>
-                                  </a:rPr>
-                                  <m:t> </m:t>
-                                </m:r>
-                                <m:r>
-                                  <a:rPr lang="en-US" i="1">
-                                    <a:effectLst/>
-                                  </a:rPr>
-                                  <m:t>𝑠𝑖𝑧𝑒</m:t>
-                                </m:r>
-                                <m:r>
-                                  <a:rPr lang="en-US" i="1">
-                                    <a:effectLst/>
-                                  </a:rPr>
-                                  <m:t>" (</m:t>
-                                </m:r>
-                                <m:r>
-                                  <a:rPr lang="en-US" i="1">
-                                    <a:effectLst/>
-                                  </a:rPr>
-                                  <m:t>𝑠𝑎𝑚𝑝𝑙𝑒</m:t>
-                                </m:r>
-                                <m:r>
-                                  <a:rPr lang="en-US" i="1">
-                                    <a:effectLst/>
-                                  </a:rPr>
-                                  <m:t> </m:t>
-                                </m:r>
-                                <m:r>
-                                  <a:rPr lang="en-US" i="1">
-                                    <a:effectLst/>
-                                  </a:rPr>
-                                  <m:t>𝑠𝑡𝑎𝑡𝑖𝑠𝑡𝑖𝑐𝑠</m:t>
-                                </m:r>
-                                <m:r>
-                                  <a:rPr lang="en-US" i="1">
-                                    <a:effectLst/>
-                                  </a:rPr>
-                                  <m:t>) </m:t>
-                                </m:r>
-                              </m:e>
-                            </m:mr>
-                            <m:mr>
-                              <m:e>
-                                <m:r>
-                                  <a:rPr lang="en-US" i="1">
-                                    <a:effectLst/>
-                                  </a:rPr>
-                                  <m:t>𝑔</m:t>
-                                </m:r>
-                                <m:r>
-                                  <a:rPr lang="en-US" i="1">
-                                    <a:effectLst/>
-                                  </a:rPr>
-                                  <m:t>=</m:t>
-                                </m:r>
-                                <m:f>
-                                  <m:fPr>
-                                    <m:ctrlPr>
-                                      <a:rPr lang="en-US" i="1">
-                                        <a:effectLst/>
-                                      </a:rPr>
-                                    </m:ctrlPr>
-                                  </m:fPr>
-                                  <m:num>
-                                    <m:sSub>
-                                      <m:sSubPr>
-                                        <m:ctrlPr>
-                                          <a:rPr lang="en-US" i="1">
-                                            <a:effectLst/>
-                                          </a:rPr>
-                                        </m:ctrlPr>
-                                      </m:sSubPr>
-                                      <m:e>
-                                        <m:acc>
-                                          <m:accPr>
-                                            <m:chr m:val="̅"/>
-                                            <m:ctrlPr>
-                                              <a:rPr lang="en-US" i="1">
-                                                <a:effectLst/>
-                                              </a:rPr>
-                                            </m:ctrlPr>
-                                          </m:accPr>
-                                          <m:e>
-                                            <m:r>
-                                              <a:rPr lang="en-US" i="1">
-                                                <a:effectLst/>
-                                              </a:rPr>
-                                              <m:t>𝑋</m:t>
-                                            </m:r>
-                                          </m:e>
-                                        </m:acc>
-                                      </m:e>
-                                      <m:sub>
-                                        <m:r>
-                                          <a:rPr lang="en-US" i="1">
-                                            <a:effectLst/>
-                                          </a:rPr>
-                                          <m:t>1</m:t>
-                                        </m:r>
-                                      </m:sub>
-                                    </m:sSub>
-                                    <m:r>
-                                      <a:rPr lang="en-US" i="1">
-                                        <a:effectLst/>
-                                      </a:rPr>
-                                      <m:t>−</m:t>
-                                    </m:r>
-                                    <m:sSub>
-                                      <m:sSubPr>
-                                        <m:ctrlPr>
-                                          <a:rPr lang="en-US" i="1">
-                                            <a:effectLst/>
-                                          </a:rPr>
-                                        </m:ctrlPr>
-                                      </m:sSubPr>
-                                      <m:e>
-                                        <m:acc>
-                                          <m:accPr>
-                                            <m:chr m:val="̅"/>
-                                            <m:ctrlPr>
-                                              <a:rPr lang="en-US" i="1">
-                                                <a:effectLst/>
-                                              </a:rPr>
-                                            </m:ctrlPr>
-                                          </m:accPr>
-                                          <m:e>
-                                            <m:r>
-                                              <a:rPr lang="en-US" i="1">
-                                                <a:effectLst/>
-                                              </a:rPr>
-                                              <m:t>𝑋</m:t>
-                                            </m:r>
-                                          </m:e>
-                                        </m:acc>
-                                      </m:e>
-                                      <m:sub>
-                                        <m:r>
-                                          <a:rPr lang="en-US" i="1">
-                                            <a:effectLst/>
-                                          </a:rPr>
-                                          <m:t>2</m:t>
-                                        </m:r>
-                                      </m:sub>
-                                    </m:sSub>
-                                  </m:num>
-                                  <m:den>
-                                    <m:sSub>
-                                      <m:sSubPr>
-                                        <m:ctrlPr>
-                                          <a:rPr lang="en-US" i="1">
-                                            <a:effectLst/>
-                                          </a:rPr>
-                                        </m:ctrlPr>
-                                      </m:sSubPr>
-                                      <m:e>
-                                        <m:r>
-                                          <a:rPr lang="en-US" i="1">
-                                            <a:effectLst/>
-                                          </a:rPr>
-                                          <m:t>𝑠</m:t>
-                                        </m:r>
-                                      </m:e>
-                                      <m:sub>
-                                        <m:r>
-                                          <a:rPr lang="en-US" i="1">
-                                            <a:effectLst/>
-                                          </a:rPr>
-                                          <m:t>𝑝</m:t>
-                                        </m:r>
-                                      </m:sub>
-                                    </m:sSub>
-                                  </m:den>
-                                </m:f>
-                                <m:d>
-                                  <m:dPr>
-                                    <m:begChr m:val="{"/>
-                                    <m:endChr m:val=""/>
-                                    <m:ctrlPr>
-                                      <a:rPr lang="en-US" i="1">
-                                        <a:effectLst/>
-                                      </a:rPr>
-                                    </m:ctrlPr>
-                                  </m:dPr>
-                                  <m:e>
-                                    <m:m>
-                                      <m:mPr>
-                                        <m:mcs>
-                                          <m:mc>
-                                            <m:mcPr>
-                                              <m:count m:val="1"/>
-                                              <m:mcJc m:val="center"/>
-                                            </m:mcPr>
-                                          </m:mc>
-                                        </m:mcs>
-                                        <m:ctrlPr>
-                                          <a:rPr lang="en-US" i="1">
-                                            <a:effectLst/>
-                                          </a:rPr>
-                                        </m:ctrlPr>
-                                      </m:mPr>
-                                      <m:mr>
-                                        <m:e>
-                                          <m:r>
-                                            <a:rPr lang="en-US" i="1">
-                                              <a:effectLst/>
-                                            </a:rPr>
-                                            <m:t>=</m:t>
-                                          </m:r>
-                                          <m:r>
-                                            <a:rPr lang="en-US" i="1">
-                                              <a:effectLst/>
-                                            </a:rPr>
-                                            <m:t>𝑡</m:t>
-                                          </m:r>
-                                          <m:rad>
-                                            <m:radPr>
-                                              <m:degHide m:val="on"/>
-                                              <m:ctrlPr>
-                                                <a:rPr lang="en-US" i="1">
-                                                  <a:effectLst/>
-                                                </a:rPr>
-                                              </m:ctrlPr>
-                                            </m:radPr>
-                                            <m:deg/>
-                                            <m:e>
-                                              <m:f>
-                                                <m:fPr>
-                                                  <m:ctrlPr>
-                                                    <a:rPr lang="en-US" i="1">
-                                                      <a:effectLst/>
-                                                    </a:rPr>
-                                                  </m:ctrlPr>
-                                                </m:fPr>
-                                                <m:num>
-                                                  <m:r>
-                                                    <a:rPr lang="en-US" i="1">
-                                                      <a:effectLst/>
-                                                    </a:rPr>
-                                                    <m:t>2</m:t>
-                                                  </m:r>
-                                                </m:num>
-                                                <m:den>
-                                                  <m:r>
-                                                    <a:rPr lang="en-US" i="1">
-                                                      <a:effectLst/>
-                                                    </a:rPr>
-                                                    <m:t>𝑛</m:t>
-                                                  </m:r>
-                                                </m:den>
-                                              </m:f>
-                                            </m:e>
-                                          </m:rad>
-                                          <m:r>
-                                            <a:rPr lang="en-US" i="1">
-                                              <a:effectLst/>
-                                            </a:rPr>
-                                            <m:t>   </m:t>
-                                          </m:r>
-                                          <m:groupChr>
-                                            <m:groupChrPr>
-                                              <m:chr m:val="←"/>
-                                              <m:vertJc m:val="bot"/>
-                                              <m:ctrlPr>
-                                                <a:rPr lang="en-US" i="1">
-                                                  <a:effectLst/>
-                                                </a:rPr>
-                                              </m:ctrlPr>
-                                            </m:groupChrPr>
-                                            <m:e>
-                                              <m:sSub>
-                                                <m:sSubPr>
-                                                  <m:ctrlPr>
-                                                    <a:rPr lang="en-US" i="1">
-                                                      <a:effectLst/>
-                                                    </a:rPr>
-                                                  </m:ctrlPr>
-                                                </m:sSubPr>
-                                                <m:e>
-                                                  <m:r>
-                                                    <a:rPr lang="en-US" i="1">
-                                                      <a:effectLst/>
-                                                    </a:rPr>
-                                                    <m:t>𝑛</m:t>
-                                                  </m:r>
-                                                </m:e>
-                                                <m:sub>
-                                                  <m:r>
-                                                    <a:rPr lang="en-US" i="1">
-                                                      <a:effectLst/>
-                                                    </a:rPr>
-                                                    <m:t>1=</m:t>
-                                                  </m:r>
-                                                </m:sub>
-                                              </m:sSub>
-                                              <m:sSub>
-                                                <m:sSubPr>
-                                                  <m:ctrlPr>
-                                                    <a:rPr lang="en-US" i="1">
-                                                      <a:effectLst/>
-                                                    </a:rPr>
-                                                  </m:ctrlPr>
-                                                </m:sSubPr>
-                                                <m:e>
-                                                  <m:r>
-                                                    <a:rPr lang="en-US" i="1">
-                                                      <a:effectLst/>
-                                                    </a:rPr>
-                                                    <m:t>𝑛</m:t>
-                                                  </m:r>
-                                                </m:e>
-                                                <m:sub>
-                                                  <m:r>
-                                                    <a:rPr lang="en-US" i="1">
-                                                      <a:effectLst/>
-                                                    </a:rPr>
-                                                    <m:t>2</m:t>
-                                                  </m:r>
-                                                </m:sub>
-                                              </m:sSub>
-                                            </m:e>
-                                          </m:groupChr>
-                                        </m:e>
-                                      </m:mr>
-                                      <m:mr>
-                                        <m:e>
-                                          <m:r>
-                                            <a:rPr lang="en-US" i="1">
-                                              <a:effectLst/>
-                                            </a:rPr>
-                                            <m:t>=</m:t>
-                                          </m:r>
-                                          <m:r>
-                                            <a:rPr lang="en-US" i="1">
-                                              <a:effectLst/>
-                                            </a:rPr>
-                                            <m:t>𝑡</m:t>
-                                          </m:r>
-                                          <m:rad>
-                                            <m:radPr>
-                                              <m:degHide m:val="on"/>
-                                              <m:ctrlPr>
-                                                <a:rPr lang="en-US" i="1">
-                                                  <a:effectLst/>
-                                                </a:rPr>
-                                              </m:ctrlPr>
-                                            </m:radPr>
-                                            <m:deg/>
-                                            <m:e>
-                                              <m:f>
-                                                <m:fPr>
-                                                  <m:ctrlPr>
-                                                    <a:rPr lang="en-US" i="1">
-                                                      <a:effectLst/>
-                                                    </a:rPr>
-                                                  </m:ctrlPr>
-                                                </m:fPr>
-                                                <m:num>
-                                                  <m:sSub>
-                                                    <m:sSubPr>
-                                                      <m:ctrlPr>
-                                                        <a:rPr lang="en-US" i="1">
-                                                          <a:effectLst/>
-                                                        </a:rPr>
-                                                      </m:ctrlPr>
-                                                    </m:sSubPr>
-                                                    <m:e>
-                                                      <m:r>
-                                                        <a:rPr lang="en-US" i="1">
-                                                          <a:effectLst/>
-                                                        </a:rPr>
-                                                        <m:t>𝑛</m:t>
-                                                      </m:r>
-                                                    </m:e>
-                                                    <m:sub>
-                                                      <m:r>
-                                                        <a:rPr lang="en-US" i="1">
-                                                          <a:effectLst/>
-                                                        </a:rPr>
-                                                        <m:t>1</m:t>
-                                                      </m:r>
-                                                    </m:sub>
-                                                  </m:sSub>
-                                                  <m:r>
-                                                    <a:rPr lang="en-US" i="1">
-                                                      <a:effectLst/>
-                                                    </a:rPr>
-                                                    <m:t>+</m:t>
-                                                  </m:r>
-                                                  <m:sSub>
-                                                    <m:sSubPr>
-                                                      <m:ctrlPr>
-                                                        <a:rPr lang="en-US" i="1">
-                                                          <a:effectLst/>
-                                                        </a:rPr>
-                                                      </m:ctrlPr>
-                                                    </m:sSubPr>
-                                                    <m:e>
-                                                      <m:r>
-                                                        <a:rPr lang="en-US" i="1">
-                                                          <a:effectLst/>
-                                                        </a:rPr>
-                                                        <m:t>𝑛</m:t>
-                                                      </m:r>
-                                                    </m:e>
-                                                    <m:sub>
-                                                      <m:r>
-                                                        <a:rPr lang="en-US" i="1">
-                                                          <a:effectLst/>
-                                                        </a:rPr>
-                                                        <m:t>2</m:t>
-                                                      </m:r>
-                                                    </m:sub>
-                                                  </m:sSub>
-                                                </m:num>
-                                                <m:den>
-                                                  <m:sSub>
-                                                    <m:sSubPr>
-                                                      <m:ctrlPr>
-                                                        <a:rPr lang="en-US" i="1">
-                                                          <a:effectLst/>
-                                                        </a:rPr>
-                                                      </m:ctrlPr>
-                                                    </m:sSubPr>
-                                                    <m:e>
-                                                      <m:r>
-                                                        <a:rPr lang="en-US" i="1">
-                                                          <a:effectLst/>
-                                                        </a:rPr>
-                                                        <m:t>𝑛</m:t>
-                                                      </m:r>
-                                                    </m:e>
-                                                    <m:sub>
-                                                      <m:r>
-                                                        <a:rPr lang="en-US" i="1">
-                                                          <a:effectLst/>
-                                                        </a:rPr>
-                                                        <m:t>1</m:t>
-                                                      </m:r>
-                                                    </m:sub>
-                                                  </m:sSub>
-                                                  <m:sSub>
-                                                    <m:sSubPr>
-                                                      <m:ctrlPr>
-                                                        <a:rPr lang="en-US" i="1">
-                                                          <a:effectLst/>
-                                                        </a:rPr>
-                                                      </m:ctrlPr>
-                                                    </m:sSubPr>
-                                                    <m:e>
-                                                      <m:r>
-                                                        <a:rPr lang="en-US" i="1">
-                                                          <a:effectLst/>
-                                                        </a:rPr>
-                                                        <m:t>𝑛</m:t>
-                                                      </m:r>
-                                                    </m:e>
-                                                    <m:sub>
-                                                      <m:r>
-                                                        <a:rPr lang="en-US" i="1">
-                                                          <a:effectLst/>
-                                                        </a:rPr>
-                                                        <m:t>2</m:t>
-                                                      </m:r>
-                                                    </m:sub>
-                                                  </m:sSub>
-                                                </m:den>
-                                              </m:f>
-                                            </m:e>
-                                          </m:rad>
-                                          <m:box>
-                                            <m:boxPr>
-                                              <m:ctrlPr>
-                                                <a:rPr lang="en-US" i="1">
-                                                  <a:effectLst/>
-                                                </a:rPr>
-                                              </m:ctrlPr>
-                                            </m:boxPr>
-                                            <m:e>
-                                              <m:r>
-                                                <a:rPr lang="en-US" i="1">
-                                                  <a:effectLst/>
-                                                </a:rPr>
-                                                <m:t>   </m:t>
-                                              </m:r>
-                                              <m:groupChr>
-                                                <m:groupChrPr>
-                                                  <m:chr m:val="←"/>
-                                                  <m:vertJc m:val="bot"/>
-                                                  <m:ctrlPr>
-                                                    <a:rPr lang="en-US" i="1">
-                                                      <a:effectLst/>
-                                                    </a:rPr>
-                                                  </m:ctrlPr>
-                                                </m:groupChrPr>
-                                                <m:e>
-                                                  <m:sSub>
-                                                    <m:sSubPr>
-                                                      <m:ctrlPr>
-                                                        <a:rPr lang="en-US" i="1">
-                                                          <a:effectLst/>
-                                                        </a:rPr>
-                                                      </m:ctrlPr>
-                                                    </m:sSubPr>
-                                                    <m:e>
-                                                      <m:r>
-                                                        <a:rPr lang="en-US" i="1">
-                                                          <a:effectLst/>
-                                                        </a:rPr>
-                                                        <m:t>𝑛</m:t>
-                                                      </m:r>
-                                                    </m:e>
-                                                    <m:sub>
-                                                      <m:r>
-                                                        <a:rPr lang="en-US" i="1">
-                                                          <a:effectLst/>
-                                                        </a:rPr>
-                                                        <m:t>1≠</m:t>
-                                                      </m:r>
-                                                    </m:sub>
-                                                  </m:sSub>
-                                                  <m:sSub>
-                                                    <m:sSubPr>
-                                                      <m:ctrlPr>
-                                                        <a:rPr lang="en-US" i="1">
-                                                          <a:effectLst/>
-                                                        </a:rPr>
-                                                      </m:ctrlPr>
-                                                    </m:sSubPr>
-                                                    <m:e>
-                                                      <m:r>
-                                                        <a:rPr lang="en-US" i="1">
-                                                          <a:effectLst/>
-                                                        </a:rPr>
-                                                        <m:t>𝑛</m:t>
-                                                      </m:r>
-                                                    </m:e>
-                                                    <m:sub>
-                                                      <m:r>
-                                                        <a:rPr lang="en-US" i="1">
-                                                          <a:effectLst/>
-                                                        </a:rPr>
-                                                        <m:t>2</m:t>
-                                                      </m:r>
-                                                    </m:sub>
-                                                  </m:sSub>
-                                                </m:e>
-                                              </m:groupChr>
-                                            </m:e>
-                                          </m:box>
-                                        </m:e>
-                                      </m:mr>
-                                    </m:m>
-                                  </m:e>
-                                </m:d>
-                              </m:e>
-                            </m:mr>
-                          </m:m>
-                        </m:e>
-                      </m:d>
-                    </m:oMath>
-                  </m:oMathPara>
-                </a14:m>
-                <a:endParaRPr lang="en-US" dirty="0"/>
-              </a:p>
-            </p:txBody>
-          </p:sp>
-        </mc:Choice>
-        <mc:Fallback>
-          <p:sp>
-            <p:nvSpPr>
-              <p:cNvPr id="3" name="Content Placeholder 2"/>
-              <p:cNvSpPr>
-                <a:spLocks noGrp="1" noRot="1" noChangeAspect="1" noMove="1" noResize="1" noEditPoints="1" noAdjustHandles="1" noChangeArrowheads="1" noChangeShapeType="1" noTextEdit="1"/>
-              </p:cNvSpPr>
-              <p:nvPr>
-                <p:ph idx="1"/>
-              </p:nvPr>
-            </p:nvSpPr>
-            <p:spPr>
-              <a:xfrm>
-                <a:off x="190244" y="2666999"/>
-                <a:ext cx="11850379" cy="3124201"/>
-              </a:xfrm>
-              <a:blipFill>
-                <a:blip r:embed="rId2"/>
-                <a:stretch>
-                  <a:fillRect/>
-                </a:stretch>
-              </a:blipFill>
-            </p:spPr>
-            <p:txBody>
-              <a:bodyPr/>
-              <a:lstStyle/>
-              <a:p>
-                <a:r>
-                  <a:rPr lang="en-US">
-                    <a:noFill/>
-                  </a:rPr>
-                  <a:t> </a:t>
-                </a:r>
-              </a:p>
-            </p:txBody>
-          </p:sp>
-        </mc:Fallback>
-      </mc:AlternateContent>
-      <p:sp>
-        <p:nvSpPr>
-          <p:cNvPr id="4" name="Footer Placeholder 3"/>
-          <p:cNvSpPr>
-            <a:spLocks noGrp="1"/>
-          </p:cNvSpPr>
-          <p:nvPr>
-            <p:ph type="ftr" sz="quarter" idx="11"/>
-          </p:nvPr>
-        </p:nvSpPr>
-        <p:spPr/>
-        <p:txBody>
-          <a:bodyPr/>
-          <a:lstStyle/>
-          <a:p>
-            <a:r>
-              <a:rPr lang="en-US" smtClean="0"/>
-              <a:t>Cohen Chap 8 - Power &amp; Effect Size</a:t>
-            </a:r>
-            <a:endParaRPr lang="en-US"/>
-          </a:p>
-        </p:txBody>
-      </p:sp>
-      <p:sp>
-        <p:nvSpPr>
-          <p:cNvPr id="5" name="Slide Number Placeholder 4"/>
-          <p:cNvSpPr>
-            <a:spLocks noGrp="1"/>
-          </p:cNvSpPr>
-          <p:nvPr>
-            <p:ph type="sldNum" sz="quarter" idx="12"/>
-          </p:nvPr>
-        </p:nvSpPr>
-        <p:spPr/>
-        <p:txBody>
-          <a:bodyPr/>
-          <a:lstStyle/>
-          <a:p>
-            <a:fld id="{70530345-2CA8-4B10-B827-7E2C2137411C}" type="slidenum">
-              <a:rPr lang="en-US" smtClean="0"/>
-              <a:t>11</a:t>
-            </a:fld>
-            <a:endParaRPr lang="en-US"/>
-          </a:p>
-        </p:txBody>
-      </p:sp>
-    </p:spTree>
-    <p:extLst>
-      <p:ext uri="{BB962C8B-B14F-4D97-AF65-F5344CB8AC3E}">
-        <p14:creationId xmlns:p14="http://schemas.microsoft.com/office/powerpoint/2010/main" val="4107830553"/>
-      </p:ext>
-    </p:extLst>
-  </p:cSld>
-  <p:clrMapOvr>
-    <a:masterClrMapping/>
-  </p:clrMapOvr>
-</p:sld>
-</file>
-
 <file path=ppt/slides/slide12.xml><?xml version="1.0" encoding="utf-8"?>
 <p:sld xmlns:a="http://schemas.openxmlformats.org/drawingml/2006/main" xmlns:r="http://schemas.openxmlformats.org/officeDocument/2006/relationships" xmlns:p="http://schemas.openxmlformats.org/presentationml/2006/main">
   <p:cSld>
@@ -10929,7 +9836,7 @@
           <a:lstStyle/>
           <a:p>
             <a:r>
-              <a:rPr lang="en-US" sz="4400" dirty="0" smtClean="0">
+              <a:rPr lang="en-US" sz="4400" dirty="0">
                 <a:effectLst>
                   <a:glow rad="38100">
                     <a:schemeClr val="bg1">
@@ -10998,10 +9905,9 @@
           <a:lstStyle/>
           <a:p>
             <a:r>
-              <a:rPr lang="en-US" smtClean="0"/>
+              <a:rPr lang="en-US"/>
               <a:t>Cohen Chap 8 - Power &amp; Effect Size</a:t>
             </a:r>
-            <a:endParaRPr lang="en-US"/>
           </a:p>
         </p:txBody>
       </p:sp>
@@ -11064,39 +9970,19 @@
                 </a:solidFill>
                 <a:hlinkClick r:id="rId3"/>
               </a:rPr>
-              <a:t>http://www.gpower.hhu.de</a:t>
-            </a:r>
-            <a:r>
-              <a:rPr lang="en-US" dirty="0" smtClean="0">
+              <a:t>http://www.gpower.hhu.de/</a:t>
+            </a:r>
+            <a:r>
+              <a:rPr lang="en-US" dirty="0">
                 <a:solidFill>
                   <a:schemeClr val="accent2">
                     <a:lumMod val="20000"/>
                     <a:lumOff val="80000"/>
                   </a:schemeClr>
                 </a:solidFill>
-                <a:hlinkClick r:id="rId3"/>
-              </a:rPr>
-              <a:t>/</a:t>
-            </a:r>
-            <a:r>
-              <a:rPr lang="en-US" dirty="0" smtClean="0">
-                <a:solidFill>
-                  <a:schemeClr val="accent2">
-                    <a:lumMod val="20000"/>
-                    <a:lumOff val="80000"/>
-                  </a:schemeClr>
-                </a:solidFill>
               </a:rPr>
               <a:t> </a:t>
             </a:r>
-            <a:endParaRPr lang="en-US" dirty="0">
-              <a:solidFill>
-                <a:schemeClr val="accent2">
-                  <a:lumMod val="20000"/>
-                  <a:lumOff val="80000"/>
-                </a:schemeClr>
-              </a:solidFill>
-            </a:endParaRPr>
           </a:p>
         </p:txBody>
       </p:sp>
@@ -11110,13 +9996,6 @@
   <p:clrMapOvr>
     <a:masterClrMapping/>
   </p:clrMapOvr>
-  <p:timing>
-    <p:tnLst>
-      <p:par>
-        <p:cTn id="1" dur="indefinite" restart="never" nodeType="tmRoot"/>
-      </p:par>
-    </p:tnLst>
-  </p:timing>
 </p:sld>
 </file>
 
@@ -11158,7 +10037,10 @@
           <a:lstStyle/>
           <a:p>
             <a:r>
-              <a:rPr lang="en-US" dirty="0" smtClean="0">
+              <a:rPr lang="en-US" dirty="0">
+                <a:solidFill>
+                  <a:schemeClr val="tx1"/>
+                </a:solidFill>
                 <a:effectLst>
                   <a:glow rad="38100">
                     <a:schemeClr val="bg1">
@@ -11171,17 +10053,6 @@
               </a:rPr>
               <a:t>Chap 8: section A</a:t>
             </a:r>
-            <a:endParaRPr lang="en-US" dirty="0">
-              <a:effectLst>
-                <a:glow rad="38100">
-                  <a:schemeClr val="bg1">
-                    <a:lumMod val="65000"/>
-                    <a:lumOff val="35000"/>
-                    <a:alpha val="40000"/>
-                  </a:schemeClr>
-                </a:glow>
-              </a:effectLst>
-            </a:endParaRPr>
           </a:p>
         </p:txBody>
       </p:sp>
@@ -11208,7 +10079,7 @@
           <a:lstStyle/>
           <a:p>
             <a:r>
-              <a:rPr lang="en-US" sz="2200" b="1" cap="none" dirty="0" smtClean="0">
+              <a:rPr lang="en-US" sz="2200" b="1" cap="none" dirty="0">
                 <a:solidFill>
                   <a:srgbClr val="FFFF00"/>
                 </a:solidFill>
@@ -11216,14 +10087,22 @@
               <a:t>d</a:t>
             </a:r>
             <a:r>
-              <a:rPr lang="en-US" sz="2200" cap="none" dirty="0" smtClean="0">
+              <a:rPr lang="en-US" sz="2200" cap="none" dirty="0">
                 <a:solidFill>
                   <a:schemeClr val="tx1">
                     <a:lumMod val="95000"/>
                   </a:schemeClr>
                 </a:solidFill>
               </a:rPr>
-              <a:t> </a:t>
+              <a:t> is just the number of standard deviations that separate two </a:t>
+            </a:r>
+            <a:r>
+              <a:rPr lang="en-US" sz="2200" cap="none" dirty="0">
+                <a:solidFill>
+                  <a:srgbClr val="FFFF00"/>
+                </a:solidFill>
+              </a:rPr>
+              <a:t>population</a:t>
             </a:r>
             <a:r>
               <a:rPr lang="en-US" sz="2200" cap="none" dirty="0">
@@ -11233,39 +10112,11 @@
                   </a:schemeClr>
                 </a:solidFill>
               </a:rPr>
-              <a:t>is just the number of standard deviations that separate two </a:t>
-            </a:r>
-            <a:r>
-              <a:rPr lang="en-US" sz="2200" cap="none" dirty="0">
-                <a:solidFill>
-                  <a:srgbClr val="FFFF00"/>
-                </a:solidFill>
-              </a:rPr>
-              <a:t>population</a:t>
-            </a:r>
-            <a:r>
-              <a:rPr lang="en-US" sz="2200" cap="none" dirty="0">
-                <a:solidFill>
-                  <a:schemeClr val="tx1">
-                    <a:lumMod val="95000"/>
-                  </a:schemeClr>
-                </a:solidFill>
-              </a:rPr>
-              <a:t> </a:t>
-            </a:r>
-            <a:r>
-              <a:rPr lang="en-US" sz="2200" cap="none" dirty="0" smtClean="0">
-                <a:solidFill>
-                  <a:schemeClr val="tx1">
-                    <a:lumMod val="95000"/>
-                  </a:schemeClr>
-                </a:solidFill>
-              </a:rPr>
-              <a:t>means</a:t>
-            </a:r>
-          </a:p>
-          <a:p>
-            <a:endParaRPr lang="en-US" sz="2200" cap="none" dirty="0" smtClean="0">
+              <a:t> means</a:t>
+            </a:r>
+          </a:p>
+          <a:p>
+            <a:endParaRPr lang="en-US" sz="1000" cap="none" dirty="0">
               <a:solidFill>
                 <a:schemeClr val="tx1">
                   <a:lumMod val="95000"/>
@@ -11275,7 +10126,7 @@
           </a:p>
           <a:p>
             <a:r>
-              <a:rPr lang="en-US" sz="2200" b="1" i="1" cap="none" dirty="0" smtClean="0">
+              <a:rPr lang="en-US" sz="2200" b="1" i="1" cap="none" dirty="0">
                 <a:solidFill>
                   <a:srgbClr val="FFFF00"/>
                 </a:solidFill>
@@ -11283,14 +10134,22 @@
               <a:t>g</a:t>
             </a:r>
             <a:r>
-              <a:rPr lang="en-US" sz="2200" cap="none" dirty="0" smtClean="0">
+              <a:rPr lang="en-US" sz="2200" cap="none" dirty="0">
                 <a:solidFill>
                   <a:schemeClr val="tx1">
                     <a:lumMod val="95000"/>
                   </a:schemeClr>
                 </a:solidFill>
               </a:rPr>
-              <a:t> </a:t>
+              <a:t> is the number of standard deviations (based on pooling the sample variances and taking the square-root) separating the </a:t>
+            </a:r>
+            <a:r>
+              <a:rPr lang="en-US" sz="2200" cap="none" dirty="0">
+                <a:solidFill>
+                  <a:srgbClr val="FFFF00"/>
+                </a:solidFill>
+              </a:rPr>
+              <a:t>sample</a:t>
             </a:r>
             <a:r>
               <a:rPr lang="en-US" sz="2200" cap="none" dirty="0">
@@ -11300,27 +10159,11 @@
                   </a:schemeClr>
                 </a:solidFill>
               </a:rPr>
-              <a:t>is the number of standard deviations (based on pooling the sample variances and taking the square-root) separating the </a:t>
-            </a:r>
-            <a:r>
-              <a:rPr lang="en-US" sz="2200" cap="none" dirty="0">
-                <a:solidFill>
-                  <a:srgbClr val="FFFF00"/>
-                </a:solidFill>
-              </a:rPr>
-              <a:t>sample</a:t>
-            </a:r>
-            <a:r>
-              <a:rPr lang="en-US" sz="2200" cap="none" dirty="0">
-                <a:solidFill>
-                  <a:schemeClr val="tx1">
-                    <a:lumMod val="95000"/>
-                  </a:schemeClr>
-                </a:solidFill>
-              </a:rPr>
               <a:t> means. </a:t>
             </a:r>
-            <a:endParaRPr lang="en-US" sz="2200" cap="none" dirty="0" smtClean="0">
+          </a:p>
+          <a:p>
+            <a:endParaRPr lang="en-US" sz="1000" cap="none" dirty="0">
               <a:solidFill>
                 <a:schemeClr val="tx1">
                   <a:lumMod val="95000"/>
@@ -11329,94 +10172,78 @@
             </a:endParaRPr>
           </a:p>
           <a:p>
-            <a:endParaRPr lang="en-US" sz="2200" cap="none" dirty="0" smtClean="0">
-              <a:solidFill>
-                <a:schemeClr val="tx1">
-                  <a:lumMod val="95000"/>
-                </a:schemeClr>
-              </a:solidFill>
-            </a:endParaRPr>
-          </a:p>
-          <a:p>
-            <a:r>
-              <a:rPr lang="en-US" sz="2400" cap="none" dirty="0" smtClean="0">
+            <a:r>
+              <a:rPr lang="en-US" sz="2400" cap="none" dirty="0">
                 <a:solidFill>
                   <a:schemeClr val="tx1">
                     <a:lumMod val="95000"/>
                   </a:schemeClr>
                 </a:solidFill>
               </a:rPr>
-              <a:t>connection </a:t>
-            </a:r>
-            <a:r>
-              <a:rPr lang="en-US" sz="2400" cap="none" dirty="0">
+              <a:t>connection between a calculated </a:t>
+            </a:r>
+            <a:r>
+              <a:rPr lang="en-US" sz="2400" i="1" cap="none" dirty="0">
                 <a:solidFill>
                   <a:schemeClr val="tx1">
                     <a:lumMod val="95000"/>
                   </a:schemeClr>
                 </a:solidFill>
               </a:rPr>
-              <a:t>between a calculated </a:t>
-            </a:r>
-            <a:r>
-              <a:rPr lang="en-US" sz="2400" i="1" cap="none" dirty="0">
+              <a:t>t</a:t>
+            </a:r>
+            <a:r>
+              <a:rPr lang="en-US" sz="2400" cap="none" dirty="0">
                 <a:solidFill>
                   <a:schemeClr val="tx1">
                     <a:lumMod val="95000"/>
                   </a:schemeClr>
                 </a:solidFill>
               </a:rPr>
-              <a:t>t</a:t>
-            </a:r>
-            <a:r>
-              <a:rPr lang="en-US" sz="2400" cap="none" dirty="0">
+              <a:t> and delta; </a:t>
+            </a:r>
+          </a:p>
+          <a:p>
+            <a:pPr lvl="1"/>
+            <a:r>
+              <a:rPr lang="en-US" sz="2200" cap="none" dirty="0">
                 <a:solidFill>
                   <a:schemeClr val="tx1">
                     <a:lumMod val="95000"/>
                   </a:schemeClr>
                 </a:solidFill>
               </a:rPr>
-              <a:t> and delta; </a:t>
-            </a:r>
-            <a:endParaRPr lang="en-US" sz="2400" cap="none" dirty="0" smtClean="0">
-              <a:solidFill>
-                <a:schemeClr val="tx1">
-                  <a:lumMod val="95000"/>
-                </a:schemeClr>
-              </a:solidFill>
-            </a:endParaRPr>
-          </a:p>
-          <a:p>
-            <a:pPr lvl="1"/>
-            <a:r>
-              <a:rPr lang="en-US" sz="2200" cap="none" dirty="0" smtClean="0">
+              <a:t>large </a:t>
+            </a:r>
+            <a:r>
+              <a:rPr lang="en-US" sz="2200" i="1" cap="none" dirty="0">
                 <a:solidFill>
                   <a:schemeClr val="tx1">
                     <a:lumMod val="95000"/>
                   </a:schemeClr>
                 </a:solidFill>
               </a:rPr>
-              <a:t>large </a:t>
-            </a:r>
-            <a:r>
-              <a:rPr lang="en-US" sz="2200" i="1" cap="none" dirty="0" smtClean="0">
+              <a:t>t’</a:t>
+            </a:r>
+            <a:r>
+              <a:rPr lang="en-US" sz="2200" cap="none" dirty="0">
                 <a:solidFill>
                   <a:schemeClr val="tx1">
                     <a:lumMod val="95000"/>
                   </a:schemeClr>
                 </a:solidFill>
               </a:rPr>
-              <a:t>t’</a:t>
-            </a:r>
-            <a:r>
-              <a:rPr lang="en-US" sz="2200" cap="none" dirty="0" smtClean="0">
+              <a:t>s are </a:t>
+            </a:r>
+            <a:r>
+              <a:rPr lang="en-US" sz="2200" i="1" cap="none" dirty="0">
                 <a:solidFill>
                   <a:schemeClr val="tx1">
                     <a:lumMod val="95000"/>
                   </a:schemeClr>
                 </a:solidFill>
               </a:rPr>
-              <a:t>s </a:t>
+              <a:t>usually</a:t>
             </a:r>
             <a:r>
               <a:rPr lang="en-US" sz="2200" cap="none" dirty="0">
@@ -11426,176 +10253,112 @@
                   </a:schemeClr>
                 </a:solidFill>
               </a:rPr>
-              <a:t>are </a:t>
-            </a:r>
-            <a:r>
-              <a:rPr lang="en-US" sz="2200" i="1" cap="none" dirty="0">
+              <a:t> associated with large deltas</a:t>
+            </a:r>
+          </a:p>
+          <a:p>
+            <a:pPr lvl="1"/>
+            <a:r>
+              <a:rPr lang="en-US" sz="2200" cap="none" dirty="0">
                 <a:solidFill>
                   <a:schemeClr val="tx1">
                     <a:lumMod val="95000"/>
                   </a:schemeClr>
                 </a:solidFill>
               </a:rPr>
-              <a:t>usually</a:t>
-            </a:r>
-            <a:r>
-              <a:rPr lang="en-US" sz="2200" cap="none" dirty="0">
+              <a:t>small </a:t>
+            </a:r>
+            <a:r>
+              <a:rPr lang="en-US" sz="2200" i="1" cap="none" dirty="0">
                 <a:solidFill>
                   <a:schemeClr val="tx1">
                     <a:lumMod val="95000"/>
                   </a:schemeClr>
                 </a:solidFill>
               </a:rPr>
-              <a:t> associated with large </a:t>
-            </a:r>
-            <a:r>
-              <a:rPr lang="en-US" sz="2200" cap="none" dirty="0" smtClean="0">
+              <a:t>t’</a:t>
+            </a:r>
+            <a:r>
+              <a:rPr lang="en-US" sz="2200" cap="none" dirty="0">
                 <a:solidFill>
                   <a:schemeClr val="tx1">
                     <a:lumMod val="95000"/>
                   </a:schemeClr>
                 </a:solidFill>
               </a:rPr>
-              <a:t>deltas</a:t>
-            </a:r>
-          </a:p>
-          <a:p>
-            <a:pPr lvl="1"/>
-            <a:r>
-              <a:rPr lang="en-US" sz="2200" cap="none" dirty="0" smtClean="0">
+              <a:t>s </a:t>
+            </a:r>
+            <a:r>
+              <a:rPr lang="en-US" sz="2200" i="1" cap="none" dirty="0">
                 <a:solidFill>
                   <a:schemeClr val="tx1">
                     <a:lumMod val="95000"/>
                   </a:schemeClr>
                 </a:solidFill>
               </a:rPr>
-              <a:t>small </a:t>
-            </a:r>
-            <a:r>
-              <a:rPr lang="en-US" sz="2200" i="1" cap="none" dirty="0" smtClean="0">
+              <a:t>usually</a:t>
+            </a:r>
+            <a:r>
+              <a:rPr lang="en-US" sz="2200" cap="none" dirty="0">
                 <a:solidFill>
                   <a:schemeClr val="tx1">
                     <a:lumMod val="95000"/>
                   </a:schemeClr>
                 </a:solidFill>
               </a:rPr>
-              <a:t>t’</a:t>
-            </a:r>
-            <a:r>
-              <a:rPr lang="en-US" sz="2200" cap="none" dirty="0" smtClean="0">
+              <a:t> with small deltas. </a:t>
+            </a:r>
+          </a:p>
+          <a:p>
+            <a:pPr lvl="1"/>
+            <a:r>
+              <a:rPr lang="en-US" sz="2200" cap="none" dirty="0">
                 <a:solidFill>
                   <a:schemeClr val="tx1">
                     <a:lumMod val="95000"/>
                   </a:schemeClr>
                 </a:solidFill>
               </a:rPr>
-              <a:t>s </a:t>
-            </a:r>
-            <a:r>
-              <a:rPr lang="en-US" sz="2200" i="1" cap="none" dirty="0">
+              <a:t>Of course, the </a:t>
+            </a:r>
+            <a:r>
+              <a:rPr lang="en-US" sz="2200" cap="none" dirty="0">
+                <a:solidFill>
+                  <a:srgbClr val="FFFF00"/>
+                </a:solidFill>
+              </a:rPr>
+              <a:t>alternate hypothesis distribution </a:t>
+            </a:r>
+            <a:r>
+              <a:rPr lang="en-US" sz="2200" cap="none" dirty="0">
                 <a:solidFill>
                   <a:schemeClr val="tx1">
                     <a:lumMod val="95000"/>
                   </a:schemeClr>
                 </a:solidFill>
               </a:rPr>
-              <a:t>usually</a:t>
-            </a:r>
-            <a:r>
-              <a:rPr lang="en-US" sz="2200" cap="none" dirty="0">
+              <a:t>shows that </a:t>
+            </a:r>
+            <a:r>
+              <a:rPr lang="en-US" sz="2200" i="1" cap="none" dirty="0">
                 <a:solidFill>
                   <a:schemeClr val="tx1">
                     <a:lumMod val="95000"/>
                   </a:schemeClr>
                 </a:solidFill>
               </a:rPr>
-              <a:t> with small deltas. </a:t>
-            </a:r>
-            <a:endParaRPr lang="en-US" sz="2200" cap="none" dirty="0" smtClean="0">
-              <a:solidFill>
-                <a:schemeClr val="tx1">
-                  <a:lumMod val="95000"/>
-                </a:schemeClr>
-              </a:solidFill>
-            </a:endParaRPr>
-          </a:p>
-          <a:p>
-            <a:pPr lvl="1"/>
-            <a:r>
-              <a:rPr lang="en-US" sz="2200" cap="none" dirty="0" smtClean="0">
+              <a:t>t</a:t>
+            </a:r>
+            <a:r>
+              <a:rPr lang="en-US" sz="2200" cap="none" dirty="0">
                 <a:solidFill>
                   <a:schemeClr val="tx1">
                     <a:lumMod val="95000"/>
                   </a:schemeClr>
                 </a:solidFill>
               </a:rPr>
-              <a:t>Of </a:t>
-            </a:r>
-            <a:r>
-              <a:rPr lang="en-US" sz="2200" cap="none" dirty="0">
-                <a:solidFill>
-                  <a:schemeClr val="tx1">
-                    <a:lumMod val="95000"/>
-                  </a:schemeClr>
-                </a:solidFill>
-              </a:rPr>
-              <a:t>course, the </a:t>
-            </a:r>
-            <a:r>
-              <a:rPr lang="en-US" sz="2200" cap="none" dirty="0">
-                <a:solidFill>
-                  <a:srgbClr val="FFFF00"/>
-                </a:solidFill>
-              </a:rPr>
-              <a:t>alternate hypothesis distribution </a:t>
-            </a:r>
-            <a:r>
-              <a:rPr lang="en-US" sz="2200" cap="none" dirty="0">
-                <a:solidFill>
-                  <a:schemeClr val="tx1">
-                    <a:lumMod val="95000"/>
-                  </a:schemeClr>
-                </a:solidFill>
-              </a:rPr>
-              <a:t>shows that </a:t>
-            </a:r>
-            <a:r>
-              <a:rPr lang="en-US" sz="2200" i="1" cap="none" dirty="0">
-                <a:solidFill>
-                  <a:schemeClr val="tx1">
-                    <a:lumMod val="95000"/>
-                  </a:schemeClr>
-                </a:solidFill>
-              </a:rPr>
-              <a:t>t</a:t>
-            </a:r>
-            <a:r>
-              <a:rPr lang="en-US" sz="2200" cap="none" dirty="0">
-                <a:solidFill>
-                  <a:schemeClr val="tx1">
-                    <a:lumMod val="95000"/>
-                  </a:schemeClr>
-                </a:solidFill>
-              </a:rPr>
-              <a:t> can occasionally come out very differently from </a:t>
-            </a:r>
-            <a:r>
-              <a:rPr lang="en-US" sz="2200" cap="none" dirty="0" smtClean="0">
-                <a:solidFill>
-                  <a:schemeClr val="tx1">
-                    <a:lumMod val="95000"/>
-                  </a:schemeClr>
-                </a:solidFill>
-              </a:rPr>
-              <a:t>delta</a:t>
-            </a:r>
-            <a:endParaRPr lang="en-US" sz="2200" cap="none" dirty="0">
-              <a:solidFill>
-                <a:schemeClr val="tx1">
-                  <a:lumMod val="95000"/>
-                </a:schemeClr>
-              </a:solidFill>
-            </a:endParaRPr>
+              <a:t> can occasionally come out very differently from delta</a:t>
+            </a:r>
           </a:p>
         </p:txBody>
       </p:sp>
@@ -11654,54 +10417,6 @@
       </p:grpSpPr>
       <p:sp>
         <p:nvSpPr>
-          <p:cNvPr id="2" name="Title 1"/>
-          <p:cNvSpPr>
-            <a:spLocks noGrp="1"/>
-          </p:cNvSpPr>
-          <p:nvPr>
-            <p:ph type="title"/>
-          </p:nvPr>
-        </p:nvSpPr>
-        <p:spPr>
-          <a:xfrm>
-            <a:off x="1024128" y="568903"/>
-            <a:ext cx="9720072" cy="801457"/>
-          </a:xfrm>
-        </p:spPr>
-        <p:txBody>
-          <a:bodyPr/>
-          <a:lstStyle/>
-          <a:p>
-            <a:r>
-              <a:rPr lang="en-US" dirty="0" smtClean="0">
-                <a:effectLst>
-                  <a:glow rad="38100">
-                    <a:schemeClr val="bg1">
-                      <a:lumMod val="65000"/>
-                      <a:lumOff val="35000"/>
-                      <a:alpha val="40000"/>
-                    </a:schemeClr>
-                  </a:glow>
-                </a:effectLst>
-              </a:rPr>
-              <a:t>Chap 8: section B</a:t>
-            </a:r>
-            <a:endParaRPr lang="en-US" dirty="0">
-              <a:effectLst>
-                <a:glow rad="38100">
-                  <a:schemeClr val="bg1">
-                    <a:lumMod val="65000"/>
-                    <a:lumOff val="35000"/>
-                    <a:alpha val="40000"/>
-                  </a:schemeClr>
-                </a:glow>
-              </a:effectLst>
-            </a:endParaRPr>
-          </a:p>
-        </p:txBody>
-      </p:sp>
-      <p:sp>
-        <p:nvSpPr>
           <p:cNvPr id="3" name="Content Placeholder 2"/>
           <p:cNvSpPr>
             <a:spLocks noGrp="1"/>
@@ -11712,7 +10427,7 @@
         </p:nvSpPr>
         <p:spPr>
           <a:xfrm>
-            <a:off x="1024128" y="1509486"/>
+            <a:off x="989240" y="926193"/>
             <a:ext cx="10213519" cy="5005614"/>
           </a:xfrm>
         </p:spPr>
@@ -11729,7 +10444,7 @@
               <a:buNone/>
             </a:pPr>
             <a:r>
-              <a:rPr lang="en-US" sz="3200" b="1" cap="none" dirty="0">
+              <a:rPr lang="en-US" sz="4000" b="1" cap="none" dirty="0">
                 <a:solidFill>
                   <a:schemeClr val="tx1">
                     <a:lumMod val="95000"/>
@@ -11737,10 +10452,22 @@
                 </a:solidFill>
                 <a:latin typeface="Century Gothic" panose="020B0502020202020204" pitchFamily="34" charset="0"/>
               </a:rPr>
-              <a:t>A</a:t>
-            </a:r>
-            <a:r>
-              <a:rPr lang="en-US" sz="3200" b="1" cap="none" dirty="0" smtClean="0">
+              <a:t>An estimate of </a:t>
+            </a:r>
+            <a:r>
+              <a:rPr lang="en-US" sz="4000" b="1" i="1" cap="none" dirty="0">
+                <a:solidFill>
+                  <a:schemeClr val="accent2">
+                    <a:lumMod val="60000"/>
+                    <a:lumOff val="40000"/>
+                  </a:schemeClr>
+                </a:solidFill>
+                <a:latin typeface="Century Gothic" panose="020B0502020202020204" pitchFamily="34" charset="0"/>
+              </a:rPr>
+              <a:t>power</a:t>
+            </a:r>
+            <a:r>
+              <a:rPr lang="en-US" sz="4000" b="1" cap="none" dirty="0">
                 <a:solidFill>
                   <a:schemeClr val="tx1">
                     <a:lumMod val="95000"/>
@@ -11748,47 +10475,8 @@
                 </a:solidFill>
                 <a:latin typeface="Century Gothic" panose="020B0502020202020204" pitchFamily="34" charset="0"/>
               </a:rPr>
-              <a:t>n </a:t>
-            </a:r>
-            <a:r>
-              <a:rPr lang="en-US" sz="3200" b="1" cap="none" dirty="0">
-                <a:solidFill>
-                  <a:schemeClr val="tx1">
-                    <a:lumMod val="95000"/>
-                  </a:schemeClr>
-                </a:solidFill>
-                <a:latin typeface="Century Gothic" panose="020B0502020202020204" pitchFamily="34" charset="0"/>
-              </a:rPr>
-              <a:t>estimate of </a:t>
-            </a:r>
-            <a:r>
-              <a:rPr lang="en-US" sz="3200" b="1" cap="none" dirty="0">
-                <a:solidFill>
-                  <a:srgbClr val="FFFF00"/>
-                </a:solidFill>
-                <a:latin typeface="Century Gothic" panose="020B0502020202020204" pitchFamily="34" charset="0"/>
-              </a:rPr>
-              <a:t>power</a:t>
-            </a:r>
-            <a:r>
-              <a:rPr lang="en-US" sz="3200" b="1" cap="none" dirty="0">
-                <a:solidFill>
-                  <a:schemeClr val="tx1">
-                    <a:lumMod val="95000"/>
-                  </a:schemeClr>
-                </a:solidFill>
-                <a:latin typeface="Century Gothic" panose="020B0502020202020204" pitchFamily="34" charset="0"/>
-              </a:rPr>
               <a:t> </a:t>
             </a:r>
-            <a:endParaRPr lang="en-US" sz="3200" b="1" cap="none" dirty="0" smtClean="0">
-              <a:solidFill>
-                <a:schemeClr val="tx1">
-                  <a:lumMod val="95000"/>
-                </a:schemeClr>
-              </a:solidFill>
-              <a:latin typeface="Century Gothic" panose="020B0502020202020204" pitchFamily="34" charset="0"/>
-            </a:endParaRPr>
           </a:p>
           <a:p>
             <a:pPr marL="0" indent="0" algn="ctr">
@@ -11798,7 +10486,7 @@
               <a:buNone/>
             </a:pPr>
             <a:r>
-              <a:rPr lang="en-US" sz="3200" b="1" cap="none" dirty="0" smtClean="0">
+              <a:rPr lang="en-US" sz="4000" b="1" cap="none" dirty="0">
                 <a:solidFill>
                   <a:schemeClr val="tx1">
                     <a:lumMod val="95000"/>
@@ -11806,27 +10494,8 @@
                 </a:solidFill>
                 <a:latin typeface="Century Gothic" panose="020B0502020202020204" pitchFamily="34" charset="0"/>
               </a:rPr>
-              <a:t>is </a:t>
-            </a:r>
-            <a:r>
-              <a:rPr lang="en-US" sz="3200" b="1" cap="none" dirty="0">
-                <a:solidFill>
-                  <a:schemeClr val="tx1">
-                    <a:lumMod val="95000"/>
-                  </a:schemeClr>
-                </a:solidFill>
-                <a:latin typeface="Century Gothic" panose="020B0502020202020204" pitchFamily="34" charset="0"/>
-              </a:rPr>
-              <a:t>only as good as </a:t>
-            </a:r>
-            <a:endParaRPr lang="en-US" sz="3200" b="1" cap="none" dirty="0" smtClean="0">
-              <a:solidFill>
-                <a:schemeClr val="tx1">
-                  <a:lumMod val="95000"/>
-                </a:schemeClr>
-              </a:solidFill>
-              <a:latin typeface="Century Gothic" panose="020B0502020202020204" pitchFamily="34" charset="0"/>
-            </a:endParaRPr>
+              <a:t>is only as good as </a:t>
+            </a:r>
           </a:p>
           <a:p>
             <a:pPr marL="0" indent="0" algn="ctr">
@@ -11836,7 +10505,7 @@
               <a:buNone/>
             </a:pPr>
             <a:r>
-              <a:rPr lang="en-US" sz="3200" b="1" cap="none" dirty="0" smtClean="0">
+              <a:rPr lang="en-US" sz="4000" b="1" cap="none" dirty="0">
                 <a:solidFill>
                   <a:schemeClr val="tx1">
                     <a:lumMod val="95000"/>
@@ -11844,10 +10513,22 @@
                 </a:solidFill>
                 <a:latin typeface="Century Gothic" panose="020B0502020202020204" pitchFamily="34" charset="0"/>
               </a:rPr>
-              <a:t>the </a:t>
-            </a:r>
-            <a:r>
-              <a:rPr lang="en-US" sz="3200" b="1" cap="none" dirty="0">
+              <a:t>the estimate of </a:t>
+            </a:r>
+            <a:r>
+              <a:rPr lang="en-US" sz="4000" b="1" i="1" cap="none" dirty="0">
+                <a:solidFill>
+                  <a:schemeClr val="accent2">
+                    <a:lumMod val="60000"/>
+                    <a:lumOff val="40000"/>
+                  </a:schemeClr>
+                </a:solidFill>
+                <a:latin typeface="Century Gothic" panose="020B0502020202020204" pitchFamily="34" charset="0"/>
+              </a:rPr>
+              <a:t>effect size </a:t>
+            </a:r>
+            <a:r>
+              <a:rPr lang="en-US" sz="4000" b="1" cap="none" dirty="0">
                 <a:solidFill>
                   <a:schemeClr val="tx1">
                     <a:lumMod val="95000"/>
@@ -11855,19 +10536,18 @@
                 </a:solidFill>
                 <a:latin typeface="Century Gothic" panose="020B0502020202020204" pitchFamily="34" charset="0"/>
               </a:rPr>
-              <a:t>estimate of </a:t>
-            </a:r>
-            <a:r>
-              <a:rPr lang="en-US" sz="3200" b="1" cap="none" dirty="0">
-                <a:solidFill>
-                  <a:srgbClr val="FFFF00"/>
-                </a:solidFill>
-                <a:latin typeface="Century Gothic" panose="020B0502020202020204" pitchFamily="34" charset="0"/>
-              </a:rPr>
-              <a:t>effect size </a:t>
-            </a:r>
-            <a:r>
-              <a:rPr lang="en-US" sz="3200" b="1" cap="none" dirty="0">
+              <a:t>upon which it</a:t>
+            </a:r>
+          </a:p>
+          <a:p>
+            <a:pPr marL="0" indent="0" algn="ctr">
+              <a:spcBef>
+                <a:spcPts val="624"/>
+              </a:spcBef>
+              <a:buNone/>
+            </a:pPr>
+            <a:r>
+              <a:rPr lang="en-US" sz="4000" b="1" cap="none" dirty="0">
                 <a:solidFill>
                   <a:schemeClr val="tx1">
                     <a:lumMod val="95000"/>
@@ -11875,18 +10555,7 @@
                 </a:solidFill>
                 <a:latin typeface="Century Gothic" panose="020B0502020202020204" pitchFamily="34" charset="0"/>
               </a:rPr>
-              <a:t>upon which it is </a:t>
-            </a:r>
-            <a:r>
-              <a:rPr lang="en-US" sz="3200" b="1" cap="none" dirty="0" smtClean="0">
-                <a:solidFill>
-                  <a:schemeClr val="tx1">
-                    <a:lumMod val="95000"/>
-                  </a:schemeClr>
-                </a:solidFill>
-                <a:latin typeface="Century Gothic" panose="020B0502020202020204" pitchFamily="34" charset="0"/>
-              </a:rPr>
-              <a:t>based</a:t>
+              <a:t>is based</a:t>
             </a:r>
           </a:p>
           <a:p>
@@ -11899,7 +10568,7 @@
               </a:spcBef>
               <a:buNone/>
             </a:pPr>
-            <a:endParaRPr lang="en-US" i="1" cap="none" dirty="0">
+            <a:endParaRPr lang="en-US" sz="2800" i="1" cap="none" dirty="0">
               <a:solidFill>
                 <a:schemeClr val="tx1">
                   <a:lumMod val="95000"/>
@@ -11918,32 +10587,15 @@
               <a:buNone/>
             </a:pPr>
             <a:r>
-              <a:rPr lang="en-US" cap="none" dirty="0" smtClean="0">
+              <a:rPr lang="en-US" sz="2800" cap="none" dirty="0">
                 <a:solidFill>
                   <a:schemeClr val="tx1">
                     <a:lumMod val="95000"/>
                   </a:schemeClr>
                 </a:solidFill>
               </a:rPr>
-              <a:t>…BUT determining </a:t>
-            </a:r>
-            <a:r>
-              <a:rPr lang="en-US" cap="none" dirty="0">
-                <a:solidFill>
-                  <a:schemeClr val="tx1">
-                    <a:lumMod val="95000"/>
-                  </a:schemeClr>
-                </a:solidFill>
-              </a:rPr>
-              <a:t>the effect size is usually </a:t>
-            </a:r>
-            <a:endParaRPr lang="en-US" cap="none" dirty="0" smtClean="0">
-              <a:solidFill>
-                <a:schemeClr val="tx1">
-                  <a:lumMod val="95000"/>
-                </a:schemeClr>
-              </a:solidFill>
-            </a:endParaRPr>
+              <a:t>…BUT determining the effect size is usually </a:t>
+            </a:r>
           </a:p>
           <a:p>
             <a:pPr marL="0" indent="0" algn="ctr">
@@ -11956,32 +10608,15 @@
               <a:buNone/>
             </a:pPr>
             <a:r>
-              <a:rPr lang="en-US" cap="none" dirty="0" smtClean="0">
+              <a:rPr lang="en-US" sz="2800" cap="none" dirty="0">
                 <a:solidFill>
                   <a:schemeClr val="tx1">
                     <a:lumMod val="95000"/>
                   </a:schemeClr>
                 </a:solidFill>
               </a:rPr>
-              <a:t>the purpose </a:t>
-            </a:r>
-            <a:r>
-              <a:rPr lang="en-US" cap="none" dirty="0">
-                <a:solidFill>
-                  <a:schemeClr val="tx1">
-                    <a:lumMod val="95000"/>
-                  </a:schemeClr>
-                </a:solidFill>
-              </a:rPr>
-              <a:t>(or should be) of the experiment. </a:t>
-            </a:r>
-            <a:endParaRPr lang="en-US" cap="none" dirty="0" smtClean="0">
-              <a:solidFill>
-                <a:schemeClr val="tx1">
-                  <a:lumMod val="95000"/>
-                </a:schemeClr>
-              </a:solidFill>
-            </a:endParaRPr>
+              <a:t>the purpose (or should be) of the experiment. </a:t>
+            </a:r>
           </a:p>
         </p:txBody>
       </p:sp>
@@ -12065,7 +10700,28 @@
                 <a:ea typeface="Consolas" charset="0"/>
                 <a:cs typeface="Consolas" charset="0"/>
               </a:rPr>
-              <a:t>Cohen (1994): “Next, I have learned and taught that the primary product of research inquiry is one or more measures of effect size, not </a:t>
+              <a:t>Cohen (1994): “Next, I have learned and taught that the primary product of research inquiry is one or more measures of </a:t>
+            </a:r>
+            <a:r>
+              <a:rPr lang="en-US" sz="2800" b="1" i="1" dirty="0">
+                <a:solidFill>
+                  <a:schemeClr val="accent1">
+                    <a:lumMod val="50000"/>
+                  </a:schemeClr>
+                </a:solidFill>
+                <a:latin typeface="Consolas" charset="0"/>
+                <a:ea typeface="Consolas" charset="0"/>
+                <a:cs typeface="Consolas" charset="0"/>
+              </a:rPr>
+              <a:t>effect size</a:t>
+            </a:r>
+            <a:r>
+              <a:rPr lang="en-US" sz="2800" b="1" dirty="0">
+                <a:latin typeface="Consolas" charset="0"/>
+                <a:ea typeface="Consolas" charset="0"/>
+                <a:cs typeface="Consolas" charset="0"/>
+              </a:rPr>
+              <a:t>, not </a:t>
             </a:r>
             <a:r>
               <a:rPr lang="en-US" sz="2800" b="1" i="1" dirty="0">
@@ -12093,20 +10749,12 @@
           </a:p>
           <a:p>
             <a:r>
-              <a:rPr lang="en-US" sz="2800" b="1" dirty="0" smtClean="0">
-                <a:latin typeface="Consolas" charset="0"/>
-                <a:ea typeface="Consolas" charset="0"/>
-                <a:cs typeface="Consolas" charset="0"/>
-              </a:rPr>
-              <a:t>Abelson (1995): “</a:t>
-            </a:r>
-            <a:r>
               <a:rPr lang="en-US" sz="2800" b="1" dirty="0">
                 <a:latin typeface="Consolas" charset="0"/>
                 <a:ea typeface="Consolas" charset="0"/>
                 <a:cs typeface="Consolas" charset="0"/>
               </a:rPr>
-              <a:t>However, as social scientists move gradually away from reliance on single studies and obsession with null hypothesis testing, effect size measures will become more and more popular” (p. 47).</a:t>
+              <a:t>Abelson (1995): “However, as social scientists move gradually away from reliance on single studies and obsession with null hypothesis testing, effect size measures will become more and more popular” (p. 47).</a:t>
             </a:r>
           </a:p>
         </p:txBody>
@@ -12134,18 +10782,13 @@
           <a:lstStyle/>
           <a:p>
             <a:r>
-              <a:rPr lang="en-US" sz="8000" dirty="0" smtClean="0">
+              <a:rPr lang="en-US" sz="8000" dirty="0">
                 <a:latin typeface="Consolas" charset="0"/>
                 <a:ea typeface="Consolas" charset="0"/>
                 <a:cs typeface="Consolas" charset="0"/>
               </a:rPr>
               <a:t>“</a:t>
             </a:r>
-            <a:endParaRPr lang="en-US" sz="8000" dirty="0">
-              <a:latin typeface="Consolas" charset="0"/>
-              <a:ea typeface="Consolas" charset="0"/>
-              <a:cs typeface="Consolas" charset="0"/>
-            </a:endParaRPr>
           </a:p>
         </p:txBody>
       </p:sp>
@@ -12172,38 +10815,26 @@
           <a:lstStyle/>
           <a:p>
             <a:r>
-              <a:rPr lang="en-US" sz="8000" dirty="0" smtClean="0">
+              <a:rPr lang="en-US" sz="8000" dirty="0">
                 <a:latin typeface="Consolas" charset="0"/>
                 <a:ea typeface="Consolas" charset="0"/>
                 <a:cs typeface="Consolas" charset="0"/>
               </a:rPr>
               <a:t>”</a:t>
             </a:r>
-            <a:endParaRPr lang="en-US" sz="8000" dirty="0">
-              <a:latin typeface="Consolas" charset="0"/>
-              <a:ea typeface="Consolas" charset="0"/>
-              <a:cs typeface="Consolas" charset="0"/>
-            </a:endParaRPr>
           </a:p>
         </p:txBody>
       </p:sp>
     </p:spTree>
     <p:extLst>
       <p:ext uri="{BB962C8B-B14F-4D97-AF65-F5344CB8AC3E}">
-        <p14:creationId xmlns:p14="http://schemas.microsoft.com/office/powerpoint/2010/main" val="1636247419"/>
+        <p14:creationId xmlns:p14="http://schemas.microsoft.com/office/powerpoint/2010/main" val="410517282"/>
       </p:ext>
     </p:extLst>
   </p:cSld>
   <p:clrMapOvr>
     <a:masterClrMapping/>
   </p:clrMapOvr>
-  <p:timing>
-    <p:tnLst>
-      <p:par>
-        <p:cTn id="1" dur="indefinite" restart="never" nodeType="tmRoot"/>
-      </p:par>
-    </p:tnLst>
-  </p:timing>
 </p:sld>
 </file>
 
@@ -12245,7 +10876,10 @@
           <a:lstStyle/>
           <a:p>
             <a:r>
-              <a:rPr lang="en-US" cap="none" dirty="0" smtClean="0">
+              <a:rPr lang="en-US" cap="none" dirty="0">
+                <a:solidFill>
+                  <a:schemeClr val="tx1"/>
+                </a:solidFill>
                 <a:effectLst>
                   <a:glow rad="38100">
                     <a:schemeClr val="bg1">
@@ -12261,20 +10895,6 @@
               </a:rPr>
               <a:t>Types of Errors</a:t>
             </a:r>
-            <a:endParaRPr lang="en-US" cap="none" dirty="0">
-              <a:effectLst>
-                <a:glow rad="38100">
-                  <a:schemeClr val="bg1">
-                    <a:lumMod val="65000"/>
-                    <a:lumOff val="35000"/>
-                    <a:alpha val="40000"/>
-                  </a:schemeClr>
-                </a:glow>
-              </a:effectLst>
-              <a:latin typeface="Consolas" charset="0"/>
-              <a:ea typeface="Consolas" charset="0"/>
-              <a:cs typeface="Consolas" charset="0"/>
-            </a:endParaRPr>
           </a:p>
         </p:txBody>
       </p:sp>
@@ -12290,7 +10910,7 @@
         </p:nvSpPr>
         <p:spPr>
           <a:xfrm>
-            <a:off x="442118" y="1755161"/>
+            <a:off x="840847" y="1632258"/>
             <a:ext cx="3970599" cy="4616142"/>
           </a:xfrm>
         </p:spPr>
@@ -12304,36 +10924,44 @@
               <a:buNone/>
             </a:pPr>
             <a:r>
-              <a:rPr lang="en-US" sz="2400" cap="none" dirty="0" smtClean="0"/>
+              <a:rPr lang="en-US" sz="2400" cap="none" dirty="0">
+                <a:solidFill>
+                  <a:schemeClr val="tx1"/>
+                </a:solidFill>
+                <a:latin typeface="Consolas" panose="020B0609020204030204" pitchFamily="49" charset="0"/>
+                <a:cs typeface="Consolas" panose="020B0609020204030204" pitchFamily="49" charset="0"/>
+              </a:rPr>
               <a:t>When we conduct a hypothesis test, </a:t>
             </a:r>
-            <a:endParaRPr lang="en-US" sz="2400" cap="none" dirty="0" smtClean="0"/>
           </a:p>
           <a:p>
             <a:pPr marL="0" indent="0" algn="ctr">
               <a:buNone/>
             </a:pPr>
             <a:r>
-              <a:rPr lang="en-US" sz="2400" cap="none" dirty="0" smtClean="0"/>
-              <a:t>we </a:t>
-            </a:r>
-            <a:r>
-              <a:rPr lang="en-US" sz="2400" cap="none" dirty="0" smtClean="0"/>
-              <a:t>wither reject or fail to reject the Null Hypothesis.  </a:t>
-            </a:r>
-            <a:endParaRPr lang="en-US" sz="2400" cap="none" dirty="0" smtClean="0"/>
+              <a:rPr lang="en-US" sz="2400" cap="none" dirty="0">
+                <a:solidFill>
+                  <a:schemeClr val="tx1"/>
+                </a:solidFill>
+                <a:latin typeface="Consolas" panose="020B0609020204030204" pitchFamily="49" charset="0"/>
+                <a:cs typeface="Consolas" panose="020B0609020204030204" pitchFamily="49" charset="0"/>
+              </a:rPr>
+              <a:t>we wither reject or fail to reject the Null Hypothesis.  </a:t>
+            </a:r>
           </a:p>
           <a:p>
             <a:pPr marL="0" indent="0" algn="ctr">
               <a:buNone/>
             </a:pPr>
             <a:r>
-              <a:rPr lang="en-US" sz="2400" cap="none" dirty="0" smtClean="0"/>
-              <a:t>Our </a:t>
-            </a:r>
-            <a:r>
-              <a:rPr lang="en-US" sz="2400" cap="none" dirty="0" smtClean="0"/>
-              <a:t>decision usually causes four outcomes:</a:t>
+              <a:rPr lang="en-US" sz="2400" cap="none" dirty="0">
+                <a:solidFill>
+                  <a:schemeClr val="tx1"/>
+                </a:solidFill>
+                <a:latin typeface="Consolas" panose="020B0609020204030204" pitchFamily="49" charset="0"/>
+                <a:cs typeface="Consolas" panose="020B0609020204030204" pitchFamily="49" charset="0"/>
+              </a:rPr>
+              <a:t>Our decision usually causes four outcomes:</a:t>
             </a:r>
           </a:p>
         </p:txBody>
@@ -12460,8 +11088,8 @@
           </p:spPr>
         </p:pic>
       </p:grpSp>
-      <mc:AlternateContent xmlns:mc="http://schemas.openxmlformats.org/markup-compatibility/2006">
-        <mc:Choice xmlns:a14="http://schemas.microsoft.com/office/drawing/2010/main" Requires="a14">
+      <mc:AlternateContent xmlns:mc="http://schemas.openxmlformats.org/markup-compatibility/2006" xmlns:a14="http://schemas.microsoft.com/office/drawing/2010/main">
+        <mc:Choice Requires="a14">
           <p:sp>
             <p:nvSpPr>
               <p:cNvPr id="9" name="TextBox 8"/>
@@ -12484,6 +11112,7 @@
               </a:bodyPr>
               <a:lstStyle/>
               <a:p>
+                <a:pPr/>
                 <a14:m>
                   <m:oMathPara xmlns:m="http://schemas.openxmlformats.org/officeDocument/2006/math">
                     <m:oMathParaPr>
@@ -12516,7 +11145,7 @@
             </p:txBody>
           </p:sp>
         </mc:Choice>
-        <mc:Fallback>
+        <mc:Fallback xmlns="">
           <p:sp>
             <p:nvSpPr>
               <p:cNvPr id="9" name="TextBox 8"/>
@@ -12555,8 +11184,8 @@
           </p:sp>
         </mc:Fallback>
       </mc:AlternateContent>
-      <mc:AlternateContent xmlns:mc="http://schemas.openxmlformats.org/markup-compatibility/2006">
-        <mc:Choice xmlns:a14="http://schemas.microsoft.com/office/drawing/2010/main" Requires="a14">
+      <mc:AlternateContent xmlns:mc="http://schemas.openxmlformats.org/markup-compatibility/2006" xmlns:a14="http://schemas.microsoft.com/office/drawing/2010/main">
+        <mc:Choice Requires="a14">
           <p:sp>
             <p:nvSpPr>
               <p:cNvPr id="10" name="TextBox 9"/>
@@ -12579,6 +11208,7 @@
               </a:bodyPr>
               <a:lstStyle/>
               <a:p>
+                <a:pPr/>
                 <a14:m>
                   <m:oMathPara xmlns:m="http://schemas.openxmlformats.org/officeDocument/2006/math">
                     <m:oMathParaPr>
@@ -12611,7 +11241,7 @@
             </p:txBody>
           </p:sp>
         </mc:Choice>
-        <mc:Fallback>
+        <mc:Fallback xmlns="">
           <p:sp>
             <p:nvSpPr>
               <p:cNvPr id="10" name="TextBox 9"/>
@@ -12660,13 +11290,6 @@
   <p:clrMapOvr>
     <a:masterClrMapping/>
   </p:clrMapOvr>
-  <p:timing>
-    <p:tnLst>
-      <p:par>
-        <p:cTn id="1" dur="indefinite" restart="never" nodeType="tmRoot"/>
-      </p:par>
-    </p:tnLst>
-  </p:timing>
 </p:sld>
 </file>
 
@@ -12703,10 +11326,9 @@
           <a:lstStyle/>
           <a:p>
             <a:r>
-              <a:rPr lang="en-US" dirty="0" smtClean="0"/>
+              <a:rPr lang="en-US" dirty="0"/>
               <a:t>Cohen Chap 8 - Power &amp; Effect Size</a:t>
             </a:r>
-            <a:endParaRPr lang="en-US" dirty="0"/>
           </a:p>
         </p:txBody>
       </p:sp>
@@ -12733,8 +11355,8 @@
           </a:p>
         </p:txBody>
       </p:sp>
-      <mc:AlternateContent xmlns:mc="http://schemas.openxmlformats.org/markup-compatibility/2006">
-        <mc:Choice xmlns:a14="http://schemas.microsoft.com/office/drawing/2010/main" Requires="a14">
+      <mc:AlternateContent xmlns:mc="http://schemas.openxmlformats.org/markup-compatibility/2006" xmlns:a14="http://schemas.microsoft.com/office/drawing/2010/main">
+        <mc:Choice Requires="a14">
           <p:sp>
             <p:nvSpPr>
               <p:cNvPr id="7" name="TextBox 6"/>
@@ -12764,7 +11386,7 @@
               <a:p>
                 <a:pPr algn="ctr"/>
                 <a:r>
-                  <a:rPr lang="en-US" sz="4400" u="sng" dirty="0" smtClean="0">
+                  <a:rPr lang="en-US" sz="4400" u="sng" dirty="0">
                     <a:solidFill>
                       <a:schemeClr val="tx2">
                         <a:lumMod val="25000"/>
@@ -12806,7 +11428,7 @@
                     </m:r>
                   </m:oMath>
                 </a14:m>
-                <a:endParaRPr lang="en-US" sz="4400" u="sng" dirty="0" smtClean="0">
+                <a:endParaRPr lang="en-US" sz="4400" u="sng" dirty="0">
                   <a:solidFill>
                     <a:schemeClr val="tx2">
                       <a:lumMod val="25000"/>
@@ -12833,7 +11455,7 @@
               <a:p>
                 <a:pPr algn="ctr"/>
                 <a:r>
-                  <a:rPr lang="en-US" sz="3600" dirty="0" smtClean="0">
+                  <a:rPr lang="en-US" sz="3600" dirty="0">
                     <a:solidFill>
                       <a:schemeClr val="tx2">
                         <a:lumMod val="25000"/>
@@ -12845,21 +11467,11 @@
                   </a:rPr>
                   <a:t>“the probability of </a:t>
                 </a:r>
-                <a:endParaRPr lang="en-US" sz="3600" dirty="0" smtClean="0">
-                  <a:solidFill>
-                    <a:schemeClr val="tx2">
-                      <a:lumMod val="25000"/>
-                    </a:schemeClr>
-                  </a:solidFill>
-                  <a:latin typeface="Consolas" charset="0"/>
-                  <a:ea typeface="Consolas" charset="0"/>
-                  <a:cs typeface="Consolas" charset="0"/>
-                </a:endParaRPr>
               </a:p>
               <a:p>
                 <a:pPr algn="ctr"/>
                 <a:r>
-                  <a:rPr lang="en-US" sz="3600" dirty="0" smtClean="0">
+                  <a:rPr lang="en-US" sz="3600" dirty="0">
                     <a:solidFill>
                       <a:schemeClr val="tx2">
                         <a:lumMod val="25000"/>
@@ -12869,10 +11481,13 @@
                     <a:ea typeface="Consolas" charset="0"/>
                     <a:cs typeface="Consolas" charset="0"/>
                   </a:rPr>
-                  <a:t>correctly </a:t>
+                  <a:t>correctly rejecting </a:t>
                 </a:r>
+              </a:p>
+              <a:p>
+                <a:pPr algn="ctr"/>
                 <a:r>
-                  <a:rPr lang="en-US" sz="3600" dirty="0" smtClean="0">
+                  <a:rPr lang="en-US" sz="3600" dirty="0">
                     <a:solidFill>
                       <a:schemeClr val="tx2">
                         <a:lumMod val="25000"/>
@@ -12882,62 +11497,13 @@
                     <a:ea typeface="Consolas" charset="0"/>
                     <a:cs typeface="Consolas" charset="0"/>
                   </a:rPr>
-                  <a:t>rejecting </a:t>
+                  <a:t>a false null hypothesis.” </a:t>
                 </a:r>
-                <a:endParaRPr lang="en-US" sz="3600" dirty="0" smtClean="0">
-                  <a:solidFill>
-                    <a:schemeClr val="tx2">
-                      <a:lumMod val="25000"/>
-                    </a:schemeClr>
-                  </a:solidFill>
-                  <a:latin typeface="Consolas" charset="0"/>
-                  <a:ea typeface="Consolas" charset="0"/>
-                  <a:cs typeface="Consolas" charset="0"/>
-                </a:endParaRPr>
-              </a:p>
-              <a:p>
-                <a:pPr algn="ctr"/>
-                <a:r>
-                  <a:rPr lang="en-US" sz="3600" dirty="0" smtClean="0">
-                    <a:solidFill>
-                      <a:schemeClr val="tx2">
-                        <a:lumMod val="25000"/>
-                      </a:schemeClr>
-                    </a:solidFill>
-                    <a:latin typeface="Consolas" charset="0"/>
-                    <a:ea typeface="Consolas" charset="0"/>
-                    <a:cs typeface="Consolas" charset="0"/>
-                  </a:rPr>
-                  <a:t>a </a:t>
-                </a:r>
-                <a:r>
-                  <a:rPr lang="en-US" sz="3600" dirty="0" smtClean="0">
-                    <a:solidFill>
-                      <a:schemeClr val="tx2">
-                        <a:lumMod val="25000"/>
-                      </a:schemeClr>
-                    </a:solidFill>
-                    <a:latin typeface="Consolas" charset="0"/>
-                    <a:ea typeface="Consolas" charset="0"/>
-                    <a:cs typeface="Consolas" charset="0"/>
-                  </a:rPr>
-                  <a:t>false null hypothesis.” </a:t>
-                </a:r>
-                <a:endParaRPr lang="en-US" sz="3600" dirty="0">
-                  <a:solidFill>
-                    <a:schemeClr val="tx2">
-                      <a:lumMod val="25000"/>
-                    </a:schemeClr>
-                  </a:solidFill>
-                  <a:latin typeface="Consolas" charset="0"/>
-                  <a:ea typeface="Consolas" charset="0"/>
-                  <a:cs typeface="Consolas" charset="0"/>
-                </a:endParaRPr>
               </a:p>
             </p:txBody>
           </p:sp>
         </mc:Choice>
-        <mc:Fallback>
+        <mc:Fallback xmlns="">
           <p:sp>
             <p:nvSpPr>
               <p:cNvPr id="7" name="TextBox 6"/>
@@ -13099,7 +11665,10 @@
           </a:lstStyle>
           <a:p>
             <a:r>
-              <a:rPr lang="en-US" cap="none" smtClean="0">
+              <a:rPr lang="en-US" cap="none">
+                <a:solidFill>
+                  <a:schemeClr val="tx1"/>
+                </a:solidFill>
                 <a:effectLst>
                   <a:glow rad="38100">
                     <a:schemeClr val="bg1">
@@ -13116,6 +11685,9 @@
               <a:t>Types of Errors</a:t>
             </a:r>
             <a:endParaRPr lang="en-US" cap="none" dirty="0">
+              <a:solidFill>
+                <a:schemeClr val="tx1"/>
+              </a:solidFill>
               <a:effectLst>
                 <a:glow rad="38100">
                   <a:schemeClr val="bg1">
@@ -13142,17 +11714,803 @@
   <p:clrMapOvr>
     <a:masterClrMapping/>
   </p:clrMapOvr>
-  <p:timing>
-    <p:tnLst>
-      <p:par>
-        <p:cTn id="1" dur="indefinite" restart="never" nodeType="tmRoot"/>
-      </p:par>
-    </p:tnLst>
-  </p:timing>
 </p:sld>
 </file>
 
 <file path=ppt/slides/slide5.xml><?xml version="1.0" encoding="utf-8"?>
+<p:sld xmlns:a="http://schemas.openxmlformats.org/drawingml/2006/main" xmlns:r="http://schemas.openxmlformats.org/officeDocument/2006/relationships" xmlns:p="http://schemas.openxmlformats.org/presentationml/2006/main">
+  <p:cSld>
+    <p:spTree>
+      <p:nvGrpSpPr>
+        <p:cNvPr id="1" name=""/>
+        <p:cNvGrpSpPr/>
+        <p:nvPr/>
+      </p:nvGrpSpPr>
+      <p:grpSpPr>
+        <a:xfrm>
+          <a:off x="0" y="0"/>
+          <a:ext cx="0" cy="0"/>
+          <a:chOff x="0" y="0"/>
+          <a:chExt cx="0" cy="0"/>
+        </a:xfrm>
+      </p:grpSpPr>
+      <p:sp>
+        <p:nvSpPr>
+          <p:cNvPr id="19" name="Oval 18">
+            <a:extLst>
+              <a:ext uri="{FF2B5EF4-FFF2-40B4-BE49-F238E27FC236}">
+                <a16:creationId xmlns:a16="http://schemas.microsoft.com/office/drawing/2014/main" id="{14ED43F5-ADB9-2949-98F4-5FBDDD1BEA4A}"/>
+              </a:ext>
+            </a:extLst>
+          </p:cNvPr>
+          <p:cNvSpPr/>
+          <p:nvPr/>
+        </p:nvSpPr>
+        <p:spPr>
+          <a:xfrm>
+            <a:off x="6273855" y="1721322"/>
+            <a:ext cx="5486400" cy="4596713"/>
+          </a:xfrm>
+          <a:prstGeom prst="ellipse">
+            <a:avLst/>
+          </a:prstGeom>
+          <a:solidFill>
+            <a:schemeClr val="accent4">
+              <a:lumMod val="50000"/>
+            </a:schemeClr>
+          </a:solidFill>
+          <a:ln>
+            <a:solidFill>
+              <a:schemeClr val="accent4">
+                <a:lumMod val="50000"/>
+              </a:schemeClr>
+            </a:solidFill>
+          </a:ln>
+        </p:spPr>
+        <p:style>
+          <a:lnRef idx="2">
+            <a:schemeClr val="accent1">
+              <a:shade val="50000"/>
+            </a:schemeClr>
+          </a:lnRef>
+          <a:fillRef idx="1">
+            <a:schemeClr val="accent1"/>
+          </a:fillRef>
+          <a:effectRef idx="0">
+            <a:schemeClr val="accent1"/>
+          </a:effectRef>
+          <a:fontRef idx="minor">
+            <a:schemeClr val="lt1"/>
+          </a:fontRef>
+        </p:style>
+        <p:txBody>
+          <a:bodyPr rtlCol="0" anchor="ctr"/>
+          <a:lstStyle/>
+          <a:p>
+            <a:pPr algn="ctr"/>
+            <a:endParaRPr lang="en-US"/>
+          </a:p>
+        </p:txBody>
+      </p:sp>
+      <p:sp>
+        <p:nvSpPr>
+          <p:cNvPr id="17" name="Oval 16">
+            <a:extLst>
+              <a:ext uri="{FF2B5EF4-FFF2-40B4-BE49-F238E27FC236}">
+                <a16:creationId xmlns:a16="http://schemas.microsoft.com/office/drawing/2014/main" id="{CEF93D49-1F51-FE4D-9465-5E6975BC09AC}"/>
+              </a:ext>
+            </a:extLst>
+          </p:cNvPr>
+          <p:cNvSpPr/>
+          <p:nvPr/>
+        </p:nvSpPr>
+        <p:spPr>
+          <a:xfrm>
+            <a:off x="431747" y="1759794"/>
+            <a:ext cx="5486400" cy="4596713"/>
+          </a:xfrm>
+          <a:prstGeom prst="ellipse">
+            <a:avLst/>
+          </a:prstGeom>
+          <a:solidFill>
+            <a:schemeClr val="accent1">
+              <a:lumMod val="50000"/>
+            </a:schemeClr>
+          </a:solidFill>
+          <a:ln>
+            <a:solidFill>
+              <a:schemeClr val="accent1">
+                <a:lumMod val="50000"/>
+              </a:schemeClr>
+            </a:solidFill>
+          </a:ln>
+        </p:spPr>
+        <p:style>
+          <a:lnRef idx="2">
+            <a:schemeClr val="accent1">
+              <a:shade val="50000"/>
+            </a:schemeClr>
+          </a:lnRef>
+          <a:fillRef idx="1">
+            <a:schemeClr val="accent1"/>
+          </a:fillRef>
+          <a:effectRef idx="0">
+            <a:schemeClr val="accent1"/>
+          </a:effectRef>
+          <a:fontRef idx="minor">
+            <a:schemeClr val="lt1"/>
+          </a:fontRef>
+        </p:style>
+        <p:txBody>
+          <a:bodyPr rtlCol="0" anchor="ctr"/>
+          <a:lstStyle/>
+          <a:p>
+            <a:pPr algn="ctr"/>
+            <a:endParaRPr lang="en-US"/>
+          </a:p>
+        </p:txBody>
+      </p:sp>
+      <p:sp>
+        <p:nvSpPr>
+          <p:cNvPr id="6" name="Rectangle 5"/>
+          <p:cNvSpPr/>
+          <p:nvPr/>
+        </p:nvSpPr>
+        <p:spPr>
+          <a:xfrm>
+            <a:off x="1248508" y="501493"/>
+            <a:ext cx="9694984" cy="954107"/>
+          </a:xfrm>
+          <a:prstGeom prst="rect">
+            <a:avLst/>
+          </a:prstGeom>
+        </p:spPr>
+        <p:txBody>
+          <a:bodyPr wrap="square">
+            <a:spAutoFit/>
+          </a:bodyPr>
+          <a:lstStyle/>
+          <a:p>
+            <a:r>
+              <a:rPr lang="en-US" sz="2800" b="1" dirty="0">
+                <a:latin typeface="Consolas" charset="0"/>
+                <a:ea typeface="Consolas" charset="0"/>
+                <a:cs typeface="Consolas" charset="0"/>
+              </a:rPr>
+              <a:t>Some background on power, effect size, p-values, and test statistics:</a:t>
+            </a:r>
+          </a:p>
+        </p:txBody>
+      </p:sp>
+      <p:sp>
+        <p:nvSpPr>
+          <p:cNvPr id="2" name="TextBox 1">
+            <a:extLst>
+              <a:ext uri="{FF2B5EF4-FFF2-40B4-BE49-F238E27FC236}">
+                <a16:creationId xmlns:a16="http://schemas.microsoft.com/office/drawing/2014/main" id="{9DF10145-26EC-6149-B7AD-6B2942239A76}"/>
+              </a:ext>
+            </a:extLst>
+          </p:cNvPr>
+          <p:cNvSpPr txBox="1"/>
+          <p:nvPr/>
+        </p:nvSpPr>
+        <p:spPr>
+          <a:xfrm>
+            <a:off x="955289" y="2912275"/>
+            <a:ext cx="3097322" cy="954107"/>
+          </a:xfrm>
+          <a:prstGeom prst="rect">
+            <a:avLst/>
+          </a:prstGeom>
+          <a:noFill/>
+        </p:spPr>
+        <p:txBody>
+          <a:bodyPr wrap="none" rtlCol="0">
+            <a:spAutoFit/>
+          </a:bodyPr>
+          <a:lstStyle/>
+          <a:p>
+            <a:pPr algn="ctr"/>
+            <a:r>
+              <a:rPr lang="en-US" sz="2000" b="1" dirty="0">
+                <a:latin typeface="Consolas" panose="020B0609020204030204" pitchFamily="49" charset="0"/>
+                <a:cs typeface="Consolas" panose="020B0609020204030204" pitchFamily="49" charset="0"/>
+              </a:rPr>
+              <a:t>Power </a:t>
+            </a:r>
+          </a:p>
+          <a:p>
+            <a:pPr algn="ctr"/>
+            <a:r>
+              <a:rPr lang="en-US" dirty="0">
+                <a:latin typeface="Consolas" panose="020B0609020204030204" pitchFamily="49" charset="0"/>
+                <a:cs typeface="Consolas" panose="020B0609020204030204" pitchFamily="49" charset="0"/>
+              </a:rPr>
+              <a:t>(given expected effect </a:t>
+            </a:r>
+          </a:p>
+          <a:p>
+            <a:pPr algn="ctr"/>
+            <a:r>
+              <a:rPr lang="en-US" dirty="0">
+                <a:latin typeface="Consolas" panose="020B0609020204030204" pitchFamily="49" charset="0"/>
+                <a:cs typeface="Consolas" panose="020B0609020204030204" pitchFamily="49" charset="0"/>
+              </a:rPr>
+              <a:t>size, alpha, n)</a:t>
+            </a:r>
+          </a:p>
+        </p:txBody>
+      </p:sp>
+      <p:sp>
+        <p:nvSpPr>
+          <p:cNvPr id="4" name="TextBox 3">
+            <a:extLst>
+              <a:ext uri="{FF2B5EF4-FFF2-40B4-BE49-F238E27FC236}">
+                <a16:creationId xmlns:a16="http://schemas.microsoft.com/office/drawing/2014/main" id="{CE5E2199-A7DE-0049-8538-A69023912743}"/>
+              </a:ext>
+            </a:extLst>
+          </p:cNvPr>
+          <p:cNvSpPr txBox="1"/>
+          <p:nvPr/>
+        </p:nvSpPr>
+        <p:spPr>
+          <a:xfrm>
+            <a:off x="2233022" y="1911644"/>
+            <a:ext cx="1883849" cy="461665"/>
+          </a:xfrm>
+          <a:prstGeom prst="rect">
+            <a:avLst/>
+          </a:prstGeom>
+          <a:noFill/>
+        </p:spPr>
+        <p:txBody>
+          <a:bodyPr wrap="none" rtlCol="0">
+            <a:spAutoFit/>
+          </a:bodyPr>
+          <a:lstStyle/>
+          <a:p>
+            <a:r>
+              <a:rPr lang="en-US" sz="2400" b="1" dirty="0">
+                <a:latin typeface="Consolas" panose="020B0609020204030204" pitchFamily="49" charset="0"/>
+                <a:cs typeface="Consolas" panose="020B0609020204030204" pitchFamily="49" charset="0"/>
+              </a:rPr>
+              <a:t>Calculated</a:t>
+            </a:r>
+          </a:p>
+        </p:txBody>
+      </p:sp>
+      <p:sp>
+        <p:nvSpPr>
+          <p:cNvPr id="16" name="TextBox 15">
+            <a:extLst>
+              <a:ext uri="{FF2B5EF4-FFF2-40B4-BE49-F238E27FC236}">
+                <a16:creationId xmlns:a16="http://schemas.microsoft.com/office/drawing/2014/main" id="{FE131F1B-184A-474B-918D-FCE9E0AE8EB6}"/>
+              </a:ext>
+            </a:extLst>
+          </p:cNvPr>
+          <p:cNvSpPr txBox="1"/>
+          <p:nvPr/>
+        </p:nvSpPr>
+        <p:spPr>
+          <a:xfrm>
+            <a:off x="8279815" y="1855633"/>
+            <a:ext cx="1544012" cy="461665"/>
+          </a:xfrm>
+          <a:prstGeom prst="rect">
+            <a:avLst/>
+          </a:prstGeom>
+          <a:noFill/>
+        </p:spPr>
+        <p:txBody>
+          <a:bodyPr wrap="none" rtlCol="0">
+            <a:spAutoFit/>
+          </a:bodyPr>
+          <a:lstStyle/>
+          <a:p>
+            <a:r>
+              <a:rPr lang="en-US" sz="2400" b="1" dirty="0">
+                <a:latin typeface="Consolas" panose="020B0609020204030204" pitchFamily="49" charset="0"/>
+                <a:cs typeface="Consolas" panose="020B0609020204030204" pitchFamily="49" charset="0"/>
+              </a:rPr>
+              <a:t>Observed</a:t>
+            </a:r>
+          </a:p>
+        </p:txBody>
+      </p:sp>
+      <p:sp>
+        <p:nvSpPr>
+          <p:cNvPr id="18" name="TextBox 17">
+            <a:extLst>
+              <a:ext uri="{FF2B5EF4-FFF2-40B4-BE49-F238E27FC236}">
+                <a16:creationId xmlns:a16="http://schemas.microsoft.com/office/drawing/2014/main" id="{C4A26AF7-2807-2742-A3FA-B7E2B62DE7FC}"/>
+              </a:ext>
+            </a:extLst>
+          </p:cNvPr>
+          <p:cNvSpPr txBox="1"/>
+          <p:nvPr/>
+        </p:nvSpPr>
+        <p:spPr>
+          <a:xfrm>
+            <a:off x="1762343" y="2271686"/>
+            <a:ext cx="2970685" cy="369332"/>
+          </a:xfrm>
+          <a:prstGeom prst="rect">
+            <a:avLst/>
+          </a:prstGeom>
+          <a:noFill/>
+        </p:spPr>
+        <p:txBody>
+          <a:bodyPr wrap="none" rtlCol="0">
+            <a:spAutoFit/>
+          </a:bodyPr>
+          <a:lstStyle/>
+          <a:p>
+            <a:r>
+              <a:rPr lang="en-US" i="1" dirty="0">
+                <a:latin typeface="Consolas" panose="020B0609020204030204" pitchFamily="49" charset="0"/>
+                <a:cs typeface="Consolas" panose="020B0609020204030204" pitchFamily="49" charset="0"/>
+              </a:rPr>
+              <a:t>Before collecting data</a:t>
+            </a:r>
+          </a:p>
+        </p:txBody>
+      </p:sp>
+      <p:sp>
+        <p:nvSpPr>
+          <p:cNvPr id="20" name="TextBox 19">
+            <a:extLst>
+              <a:ext uri="{FF2B5EF4-FFF2-40B4-BE49-F238E27FC236}">
+                <a16:creationId xmlns:a16="http://schemas.microsoft.com/office/drawing/2014/main" id="{31806A16-E52B-E24B-AD92-1915877CAA2B}"/>
+              </a:ext>
+            </a:extLst>
+          </p:cNvPr>
+          <p:cNvSpPr txBox="1"/>
+          <p:nvPr/>
+        </p:nvSpPr>
+        <p:spPr>
+          <a:xfrm>
+            <a:off x="7248743" y="2266942"/>
+            <a:ext cx="3551062" cy="646331"/>
+          </a:xfrm>
+          <a:prstGeom prst="rect">
+            <a:avLst/>
+          </a:prstGeom>
+          <a:noFill/>
+        </p:spPr>
+        <p:txBody>
+          <a:bodyPr wrap="square" rtlCol="0">
+            <a:spAutoFit/>
+          </a:bodyPr>
+          <a:lstStyle/>
+          <a:p>
+            <a:pPr algn="ctr"/>
+            <a:r>
+              <a:rPr lang="en-US" dirty="0">
+                <a:latin typeface="Consolas" panose="020B0609020204030204" pitchFamily="49" charset="0"/>
+                <a:cs typeface="Consolas" panose="020B0609020204030204" pitchFamily="49" charset="0"/>
+              </a:rPr>
+              <a:t>After collecting and analyzing data</a:t>
+            </a:r>
+          </a:p>
+        </p:txBody>
+      </p:sp>
+      <p:sp>
+        <p:nvSpPr>
+          <p:cNvPr id="21" name="TextBox 20">
+            <a:extLst>
+              <a:ext uri="{FF2B5EF4-FFF2-40B4-BE49-F238E27FC236}">
+                <a16:creationId xmlns:a16="http://schemas.microsoft.com/office/drawing/2014/main" id="{4D8E74D2-56F6-7743-A275-3C5C6F0630E8}"/>
+              </a:ext>
+            </a:extLst>
+          </p:cNvPr>
+          <p:cNvSpPr txBox="1"/>
+          <p:nvPr/>
+        </p:nvSpPr>
+        <p:spPr>
+          <a:xfrm>
+            <a:off x="3464400" y="3785357"/>
+            <a:ext cx="2464136" cy="954107"/>
+          </a:xfrm>
+          <a:prstGeom prst="rect">
+            <a:avLst/>
+          </a:prstGeom>
+          <a:noFill/>
+        </p:spPr>
+        <p:txBody>
+          <a:bodyPr wrap="none" rtlCol="0">
+            <a:spAutoFit/>
+          </a:bodyPr>
+          <a:lstStyle/>
+          <a:p>
+            <a:pPr algn="ctr"/>
+            <a:r>
+              <a:rPr lang="en-US" sz="2000" b="1" dirty="0">
+                <a:latin typeface="Consolas" panose="020B0609020204030204" pitchFamily="49" charset="0"/>
+                <a:cs typeface="Consolas" panose="020B0609020204030204" pitchFamily="49" charset="0"/>
+              </a:rPr>
+              <a:t>P-value </a:t>
+            </a:r>
+          </a:p>
+          <a:p>
+            <a:pPr algn="ctr"/>
+            <a:r>
+              <a:rPr lang="en-US" dirty="0">
+                <a:latin typeface="Consolas" panose="020B0609020204030204" pitchFamily="49" charset="0"/>
+                <a:cs typeface="Consolas" panose="020B0609020204030204" pitchFamily="49" charset="0"/>
+              </a:rPr>
+              <a:t>(the alpha level, </a:t>
+            </a:r>
+          </a:p>
+          <a:p>
+            <a:pPr algn="ctr"/>
+            <a:r>
+              <a:rPr lang="en-US" dirty="0">
+                <a:latin typeface="Consolas" panose="020B0609020204030204" pitchFamily="49" charset="0"/>
+                <a:cs typeface="Consolas" panose="020B0609020204030204" pitchFamily="49" charset="0"/>
+              </a:rPr>
+              <a:t>usually .05)</a:t>
+            </a:r>
+          </a:p>
+        </p:txBody>
+      </p:sp>
+      <p:sp>
+        <p:nvSpPr>
+          <p:cNvPr id="22" name="TextBox 21">
+            <a:extLst>
+              <a:ext uri="{FF2B5EF4-FFF2-40B4-BE49-F238E27FC236}">
+                <a16:creationId xmlns:a16="http://schemas.microsoft.com/office/drawing/2014/main" id="{32E6BA7E-D433-5146-A91C-F34D9172C15F}"/>
+              </a:ext>
+            </a:extLst>
+          </p:cNvPr>
+          <p:cNvSpPr txBox="1"/>
+          <p:nvPr/>
+        </p:nvSpPr>
+        <p:spPr>
+          <a:xfrm>
+            <a:off x="589368" y="4090878"/>
+            <a:ext cx="2717411" cy="954107"/>
+          </a:xfrm>
+          <a:prstGeom prst="rect">
+            <a:avLst/>
+          </a:prstGeom>
+          <a:noFill/>
+        </p:spPr>
+        <p:txBody>
+          <a:bodyPr wrap="none" rtlCol="0">
+            <a:spAutoFit/>
+          </a:bodyPr>
+          <a:lstStyle/>
+          <a:p>
+            <a:pPr algn="ctr"/>
+            <a:r>
+              <a:rPr lang="en-US" sz="2000" b="1" dirty="0">
+                <a:latin typeface="Consolas" panose="020B0609020204030204" pitchFamily="49" charset="0"/>
+                <a:cs typeface="Consolas" panose="020B0609020204030204" pitchFamily="49" charset="0"/>
+              </a:rPr>
+              <a:t>Effect Size </a:t>
+            </a:r>
+          </a:p>
+          <a:p>
+            <a:pPr algn="ctr"/>
+            <a:r>
+              <a:rPr lang="en-US" dirty="0">
+                <a:latin typeface="Consolas" panose="020B0609020204030204" pitchFamily="49" charset="0"/>
+                <a:cs typeface="Consolas" panose="020B0609020204030204" pitchFamily="49" charset="0"/>
+              </a:rPr>
+              <a:t>(how big you expect </a:t>
+            </a:r>
+          </a:p>
+          <a:p>
+            <a:pPr algn="ctr"/>
+            <a:r>
+              <a:rPr lang="en-US" dirty="0">
+                <a:latin typeface="Consolas" panose="020B0609020204030204" pitchFamily="49" charset="0"/>
+                <a:cs typeface="Consolas" panose="020B0609020204030204" pitchFamily="49" charset="0"/>
+              </a:rPr>
+              <a:t>the effect to be)</a:t>
+            </a:r>
+          </a:p>
+        </p:txBody>
+      </p:sp>
+      <p:sp>
+        <p:nvSpPr>
+          <p:cNvPr id="23" name="TextBox 22">
+            <a:extLst>
+              <a:ext uri="{FF2B5EF4-FFF2-40B4-BE49-F238E27FC236}">
+                <a16:creationId xmlns:a16="http://schemas.microsoft.com/office/drawing/2014/main" id="{8E7A791B-C8B0-7141-93B2-6C37FAE524DD}"/>
+              </a:ext>
+            </a:extLst>
+          </p:cNvPr>
+          <p:cNvSpPr txBox="1"/>
+          <p:nvPr/>
+        </p:nvSpPr>
+        <p:spPr>
+          <a:xfrm>
+            <a:off x="1952298" y="5342320"/>
+            <a:ext cx="2590773" cy="677108"/>
+          </a:xfrm>
+          <a:prstGeom prst="rect">
+            <a:avLst/>
+          </a:prstGeom>
+          <a:noFill/>
+        </p:spPr>
+        <p:txBody>
+          <a:bodyPr wrap="none" rtlCol="0">
+            <a:spAutoFit/>
+          </a:bodyPr>
+          <a:lstStyle/>
+          <a:p>
+            <a:pPr algn="ctr"/>
+            <a:r>
+              <a:rPr lang="en-US" sz="2000" b="1" dirty="0">
+                <a:latin typeface="Consolas" panose="020B0609020204030204" pitchFamily="49" charset="0"/>
+                <a:cs typeface="Consolas" panose="020B0609020204030204" pitchFamily="49" charset="0"/>
+              </a:rPr>
+              <a:t>Test Statistic</a:t>
+            </a:r>
+          </a:p>
+          <a:p>
+            <a:pPr algn="ctr"/>
+            <a:r>
+              <a:rPr lang="en-US" dirty="0">
+                <a:latin typeface="Consolas" panose="020B0609020204030204" pitchFamily="49" charset="0"/>
+                <a:cs typeface="Consolas" panose="020B0609020204030204" pitchFamily="49" charset="0"/>
+              </a:rPr>
+              <a:t>(the cut-off point)</a:t>
+            </a:r>
+          </a:p>
+        </p:txBody>
+      </p:sp>
+      <p:sp>
+        <p:nvSpPr>
+          <p:cNvPr id="24" name="TextBox 23">
+            <a:extLst>
+              <a:ext uri="{FF2B5EF4-FFF2-40B4-BE49-F238E27FC236}">
+                <a16:creationId xmlns:a16="http://schemas.microsoft.com/office/drawing/2014/main" id="{5D5BCFD8-C68D-6A40-9182-9697678EDBDA}"/>
+              </a:ext>
+            </a:extLst>
+          </p:cNvPr>
+          <p:cNvSpPr txBox="1"/>
+          <p:nvPr/>
+        </p:nvSpPr>
+        <p:spPr>
+          <a:xfrm>
+            <a:off x="6416527" y="3031456"/>
+            <a:ext cx="3603872" cy="677108"/>
+          </a:xfrm>
+          <a:prstGeom prst="rect">
+            <a:avLst/>
+          </a:prstGeom>
+          <a:noFill/>
+        </p:spPr>
+        <p:txBody>
+          <a:bodyPr wrap="none" rtlCol="0">
+            <a:spAutoFit/>
+          </a:bodyPr>
+          <a:lstStyle/>
+          <a:p>
+            <a:pPr algn="ctr"/>
+            <a:r>
+              <a:rPr lang="en-US" sz="2000" b="1" dirty="0">
+                <a:latin typeface="Consolas" panose="020B0609020204030204" pitchFamily="49" charset="0"/>
+                <a:cs typeface="Consolas" panose="020B0609020204030204" pitchFamily="49" charset="0"/>
+              </a:rPr>
+              <a:t>Power </a:t>
+            </a:r>
+          </a:p>
+          <a:p>
+            <a:pPr algn="ctr"/>
+            <a:r>
+              <a:rPr lang="en-US" dirty="0">
+                <a:latin typeface="Consolas" panose="020B0609020204030204" pitchFamily="49" charset="0"/>
+                <a:cs typeface="Consolas" panose="020B0609020204030204" pitchFamily="49" charset="0"/>
+              </a:rPr>
+              <a:t>(did you get significance?)</a:t>
+            </a:r>
+          </a:p>
+        </p:txBody>
+      </p:sp>
+      <p:sp>
+        <p:nvSpPr>
+          <p:cNvPr id="25" name="TextBox 24">
+            <a:extLst>
+              <a:ext uri="{FF2B5EF4-FFF2-40B4-BE49-F238E27FC236}">
+                <a16:creationId xmlns:a16="http://schemas.microsoft.com/office/drawing/2014/main" id="{57C0FBC9-E779-B34E-A72D-41FA0D5A4D94}"/>
+              </a:ext>
+            </a:extLst>
+          </p:cNvPr>
+          <p:cNvSpPr txBox="1"/>
+          <p:nvPr/>
+        </p:nvSpPr>
+        <p:spPr>
+          <a:xfrm>
+            <a:off x="9957981" y="3685621"/>
+            <a:ext cx="1957587" cy="954107"/>
+          </a:xfrm>
+          <a:prstGeom prst="rect">
+            <a:avLst/>
+          </a:prstGeom>
+          <a:noFill/>
+        </p:spPr>
+        <p:txBody>
+          <a:bodyPr wrap="none" rtlCol="0">
+            <a:spAutoFit/>
+          </a:bodyPr>
+          <a:lstStyle/>
+          <a:p>
+            <a:pPr algn="ctr"/>
+            <a:r>
+              <a:rPr lang="en-US" sz="2000" b="1" dirty="0">
+                <a:latin typeface="Consolas" panose="020B0609020204030204" pitchFamily="49" charset="0"/>
+                <a:cs typeface="Consolas" panose="020B0609020204030204" pitchFamily="49" charset="0"/>
+              </a:rPr>
+              <a:t>P-value </a:t>
+            </a:r>
+          </a:p>
+          <a:p>
+            <a:pPr algn="ctr"/>
+            <a:r>
+              <a:rPr lang="en-US" dirty="0">
+                <a:latin typeface="Consolas" panose="020B0609020204030204" pitchFamily="49" charset="0"/>
+                <a:cs typeface="Consolas" panose="020B0609020204030204" pitchFamily="49" charset="0"/>
+              </a:rPr>
+              <a:t>(the observed </a:t>
+            </a:r>
+          </a:p>
+          <a:p>
+            <a:pPr algn="ctr"/>
+            <a:r>
+              <a:rPr lang="en-US" dirty="0">
+                <a:latin typeface="Consolas" panose="020B0609020204030204" pitchFamily="49" charset="0"/>
+                <a:cs typeface="Consolas" panose="020B0609020204030204" pitchFamily="49" charset="0"/>
+              </a:rPr>
+              <a:t>p-value)</a:t>
+            </a:r>
+          </a:p>
+        </p:txBody>
+      </p:sp>
+      <p:sp>
+        <p:nvSpPr>
+          <p:cNvPr id="26" name="TextBox 25">
+            <a:extLst>
+              <a:ext uri="{FF2B5EF4-FFF2-40B4-BE49-F238E27FC236}">
+                <a16:creationId xmlns:a16="http://schemas.microsoft.com/office/drawing/2014/main" id="{30977B26-479A-104B-8FE2-42333C5137FC}"/>
+              </a:ext>
+            </a:extLst>
+          </p:cNvPr>
+          <p:cNvSpPr txBox="1"/>
+          <p:nvPr/>
+        </p:nvSpPr>
+        <p:spPr>
+          <a:xfrm>
+            <a:off x="6461048" y="3965985"/>
+            <a:ext cx="2590773" cy="954107"/>
+          </a:xfrm>
+          <a:prstGeom prst="rect">
+            <a:avLst/>
+          </a:prstGeom>
+          <a:noFill/>
+        </p:spPr>
+        <p:txBody>
+          <a:bodyPr wrap="none" rtlCol="0">
+            <a:spAutoFit/>
+          </a:bodyPr>
+          <a:lstStyle/>
+          <a:p>
+            <a:pPr algn="ctr"/>
+            <a:r>
+              <a:rPr lang="en-US" sz="2000" b="1" dirty="0">
+                <a:latin typeface="Consolas" panose="020B0609020204030204" pitchFamily="49" charset="0"/>
+                <a:cs typeface="Consolas" panose="020B0609020204030204" pitchFamily="49" charset="0"/>
+              </a:rPr>
+              <a:t>Effect Size </a:t>
+            </a:r>
+          </a:p>
+          <a:p>
+            <a:pPr algn="ctr"/>
+            <a:r>
+              <a:rPr lang="en-US" dirty="0">
+                <a:latin typeface="Consolas" panose="020B0609020204030204" pitchFamily="49" charset="0"/>
+                <a:cs typeface="Consolas" panose="020B0609020204030204" pitchFamily="49" charset="0"/>
+              </a:rPr>
+              <a:t>(how big the effect</a:t>
+            </a:r>
+          </a:p>
+          <a:p>
+            <a:pPr algn="ctr"/>
+            <a:r>
+              <a:rPr lang="en-US" dirty="0">
+                <a:latin typeface="Consolas" panose="020B0609020204030204" pitchFamily="49" charset="0"/>
+                <a:cs typeface="Consolas" panose="020B0609020204030204" pitchFamily="49" charset="0"/>
+              </a:rPr>
+              <a:t>was in your sample)</a:t>
+            </a:r>
+          </a:p>
+        </p:txBody>
+      </p:sp>
+      <p:sp>
+        <p:nvSpPr>
+          <p:cNvPr id="27" name="TextBox 26">
+            <a:extLst>
+              <a:ext uri="{FF2B5EF4-FFF2-40B4-BE49-F238E27FC236}">
+                <a16:creationId xmlns:a16="http://schemas.microsoft.com/office/drawing/2014/main" id="{8624DE84-4144-AE47-993D-58DD0DDC8EC0}"/>
+              </a:ext>
+            </a:extLst>
+          </p:cNvPr>
+          <p:cNvSpPr txBox="1"/>
+          <p:nvPr/>
+        </p:nvSpPr>
+        <p:spPr>
+          <a:xfrm>
+            <a:off x="8352719" y="4881000"/>
+            <a:ext cx="2590773" cy="1231106"/>
+          </a:xfrm>
+          <a:prstGeom prst="rect">
+            <a:avLst/>
+          </a:prstGeom>
+          <a:noFill/>
+        </p:spPr>
+        <p:txBody>
+          <a:bodyPr wrap="none" rtlCol="0">
+            <a:spAutoFit/>
+          </a:bodyPr>
+          <a:lstStyle/>
+          <a:p>
+            <a:pPr algn="ctr"/>
+            <a:r>
+              <a:rPr lang="en-US" sz="2000" b="1" dirty="0">
+                <a:latin typeface="Consolas" panose="020B0609020204030204" pitchFamily="49" charset="0"/>
+                <a:cs typeface="Consolas" panose="020B0609020204030204" pitchFamily="49" charset="0"/>
+              </a:rPr>
+              <a:t>Test Statistic</a:t>
+            </a:r>
+          </a:p>
+          <a:p>
+            <a:pPr algn="ctr"/>
+            <a:r>
+              <a:rPr lang="en-US" dirty="0">
+                <a:latin typeface="Consolas" panose="020B0609020204030204" pitchFamily="49" charset="0"/>
+                <a:cs typeface="Consolas" panose="020B0609020204030204" pitchFamily="49" charset="0"/>
+              </a:rPr>
+              <a:t>(the observed test </a:t>
+            </a:r>
+          </a:p>
+          <a:p>
+            <a:pPr algn="ctr"/>
+            <a:r>
+              <a:rPr lang="en-US" dirty="0">
+                <a:latin typeface="Consolas" panose="020B0609020204030204" pitchFamily="49" charset="0"/>
+                <a:cs typeface="Consolas" panose="020B0609020204030204" pitchFamily="49" charset="0"/>
+              </a:rPr>
+              <a:t>statistic from </a:t>
+            </a:r>
+          </a:p>
+          <a:p>
+            <a:pPr algn="ctr"/>
+            <a:r>
+              <a:rPr lang="en-US" dirty="0">
+                <a:latin typeface="Consolas" panose="020B0609020204030204" pitchFamily="49" charset="0"/>
+                <a:cs typeface="Consolas" panose="020B0609020204030204" pitchFamily="49" charset="0"/>
+              </a:rPr>
+              <a:t>data)</a:t>
+            </a:r>
+          </a:p>
+        </p:txBody>
+      </p:sp>
+    </p:spTree>
+    <p:extLst>
+      <p:ext uri="{BB962C8B-B14F-4D97-AF65-F5344CB8AC3E}">
+        <p14:creationId xmlns:p14="http://schemas.microsoft.com/office/powerpoint/2010/main" val="1636247419"/>
+      </p:ext>
+    </p:extLst>
+  </p:cSld>
+  <p:clrMapOvr>
+    <a:masterClrMapping/>
+  </p:clrMapOvr>
+</p:sld>
+</file>
+
+<file path=ppt/slides/slide6.xml><?xml version="1.0" encoding="utf-8"?>
 <p:sld xmlns:a="http://schemas.openxmlformats.org/drawingml/2006/main" xmlns:r="http://schemas.openxmlformats.org/officeDocument/2006/relationships" xmlns:p="http://schemas.openxmlformats.org/presentationml/2006/main">
   <p:cSld>
     <p:spTree>
@@ -13409,7 +12767,10 @@
           </a:lstStyle>
           <a:p>
             <a:r>
-              <a:rPr lang="en-US" sz="4000" cap="none" smtClean="0">
+              <a:rPr lang="en-US" sz="4000" cap="none">
+                <a:solidFill>
+                  <a:schemeClr val="tx1"/>
+                </a:solidFill>
                 <a:effectLst>
                   <a:glow rad="38100">
                     <a:schemeClr val="bg1">
@@ -13426,6 +12787,9 @@
               <a:t>Effect Sizes</a:t>
             </a:r>
             <a:endParaRPr lang="en-US" sz="4000" cap="none" dirty="0">
+              <a:solidFill>
+                <a:schemeClr val="tx1"/>
+              </a:solidFill>
               <a:effectLst>
                 <a:glow rad="38100">
                   <a:schemeClr val="bg1">
@@ -13452,17 +12816,10 @@
   <p:clrMapOvr>
     <a:masterClrMapping/>
   </p:clrMapOvr>
-  <p:timing>
-    <p:tnLst>
-      <p:par>
-        <p:cTn id="1" dur="indefinite" restart="never" nodeType="tmRoot"/>
-      </p:par>
-    </p:tnLst>
-  </p:timing>
 </p:sld>
 </file>
 
-<file path=ppt/slides/slide6.xml><?xml version="1.0" encoding="utf-8"?>
+<file path=ppt/slides/slide7.xml><?xml version="1.0" encoding="utf-8"?>
 <p:sld xmlns:a="http://schemas.openxmlformats.org/drawingml/2006/main" xmlns:r="http://schemas.openxmlformats.org/officeDocument/2006/relationships" xmlns:p="http://schemas.openxmlformats.org/presentationml/2006/main">
   <p:cSld>
     <p:spTree>
@@ -13566,10 +12923,9 @@
                     <a:p>
                       <a:pPr algn="ctr"/>
                       <a:r>
-                        <a:rPr lang="en-US" sz="3200" dirty="0" smtClean="0"/>
+                        <a:rPr lang="en-US" sz="3200" dirty="0"/>
                         <a:t>Cohen’s d</a:t>
                       </a:r>
-                      <a:endParaRPr lang="en-US" sz="3200" dirty="0"/>
                     </a:p>
                   </a:txBody>
                   <a:tcPr>
@@ -13588,10 +12944,9 @@
                     <a:p>
                       <a:pPr algn="ctr"/>
                       <a:r>
-                        <a:rPr lang="en-US" sz="3200" dirty="0" smtClean="0"/>
+                        <a:rPr lang="en-US" sz="3200" dirty="0"/>
                         <a:t>Interpretation</a:t>
                       </a:r>
-                      <a:endParaRPr lang="en-US" sz="3200" dirty="0"/>
                     </a:p>
                   </a:txBody>
                   <a:tcPr>
@@ -13617,10 +12972,9 @@
                     <a:p>
                       <a:pPr algn="ctr"/>
                       <a:r>
-                        <a:rPr lang="en-US" sz="3200" dirty="0" smtClean="0"/>
+                        <a:rPr lang="en-US" sz="3200" dirty="0"/>
                         <a:t>.2</a:t>
                       </a:r>
-                      <a:endParaRPr lang="en-US" sz="3200" dirty="0"/>
                     </a:p>
                   </a:txBody>
                   <a:tcPr>
@@ -13638,10 +12992,9 @@
                     <a:p>
                       <a:pPr algn="ctr"/>
                       <a:r>
-                        <a:rPr lang="en-US" sz="3200" dirty="0" smtClean="0"/>
+                        <a:rPr lang="en-US" sz="3200" dirty="0"/>
                         <a:t>Small</a:t>
                       </a:r>
-                      <a:endParaRPr lang="en-US" sz="3200" dirty="0"/>
                     </a:p>
                   </a:txBody>
                   <a:tcPr>
@@ -13666,10 +13019,9 @@
                     <a:p>
                       <a:pPr algn="ctr"/>
                       <a:r>
-                        <a:rPr lang="en-US" sz="3200" dirty="0" smtClean="0"/>
+                        <a:rPr lang="en-US" sz="3200" dirty="0"/>
                         <a:t>.5</a:t>
                       </a:r>
-                      <a:endParaRPr lang="en-US" sz="3200" dirty="0"/>
                     </a:p>
                   </a:txBody>
                   <a:tcPr>
@@ -13687,10 +13039,9 @@
                     <a:p>
                       <a:pPr algn="ctr"/>
                       <a:r>
-                        <a:rPr lang="en-US" sz="3200" dirty="0" smtClean="0"/>
+                        <a:rPr lang="en-US" sz="3200" dirty="0"/>
                         <a:t>Moderate</a:t>
                       </a:r>
-                      <a:endParaRPr lang="en-US" sz="3200" dirty="0"/>
                     </a:p>
                   </a:txBody>
                   <a:tcPr>
@@ -13715,10 +13066,9 @@
                     <a:p>
                       <a:pPr algn="ctr"/>
                       <a:r>
-                        <a:rPr lang="en-US" sz="3200" dirty="0" smtClean="0"/>
+                        <a:rPr lang="en-US" sz="3200" dirty="0"/>
                         <a:t>.8</a:t>
                       </a:r>
-                      <a:endParaRPr lang="en-US" sz="3200" dirty="0"/>
                     </a:p>
                   </a:txBody>
                   <a:tcPr>
@@ -13736,10 +13086,9 @@
                     <a:p>
                       <a:pPr algn="ctr"/>
                       <a:r>
-                        <a:rPr lang="en-US" sz="3200" dirty="0" smtClean="0"/>
+                        <a:rPr lang="en-US" sz="3200" dirty="0"/>
                         <a:t>Large</a:t>
                       </a:r>
-                      <a:endParaRPr lang="en-US" sz="3200" dirty="0"/>
                     </a:p>
                   </a:txBody>
                   <a:tcPr>
@@ -13883,7 +13232,10 @@
           </a:lstStyle>
           <a:p>
             <a:r>
-              <a:rPr lang="en-US" sz="4000" cap="none" smtClean="0">
+              <a:rPr lang="en-US" sz="4000" cap="none" dirty="0">
+                <a:solidFill>
+                  <a:schemeClr val="tx1"/>
+                </a:solidFill>
                 <a:effectLst>
                   <a:glow rad="38100">
                     <a:schemeClr val="bg1">
@@ -13899,20 +13251,6 @@
               </a:rPr>
               <a:t>Effect Sizes</a:t>
             </a:r>
-            <a:endParaRPr lang="en-US" sz="4000" cap="none" dirty="0">
-              <a:effectLst>
-                <a:glow rad="38100">
-                  <a:schemeClr val="bg1">
-                    <a:lumMod val="65000"/>
-                    <a:lumOff val="35000"/>
-                    <a:alpha val="40000"/>
-                  </a:schemeClr>
-                </a:glow>
-              </a:effectLst>
-              <a:latin typeface="Consolas" charset="0"/>
-              <a:ea typeface="Consolas" charset="0"/>
-              <a:cs typeface="Consolas" charset="0"/>
-            </a:endParaRPr>
           </a:p>
         </p:txBody>
       </p:sp>
@@ -13926,17 +13264,10 @@
   <p:clrMapOvr>
     <a:masterClrMapping/>
   </p:clrMapOvr>
-  <p:timing>
-    <p:tnLst>
-      <p:par>
-        <p:cTn id="1" dur="indefinite" restart="never" nodeType="tmRoot"/>
-      </p:par>
-    </p:tnLst>
-  </p:timing>
 </p:sld>
 </file>
 
-<file path=ppt/slides/slide7.xml><?xml version="1.0" encoding="utf-8"?>
+<file path=ppt/slides/slide8.xml><?xml version="1.0" encoding="utf-8"?>
 <p:sld xmlns:a="http://schemas.openxmlformats.org/drawingml/2006/main" xmlns:r="http://schemas.openxmlformats.org/officeDocument/2006/relationships" xmlns:p="http://schemas.openxmlformats.org/presentationml/2006/main">
   <p:cSld>
     <p:spTree>
@@ -14051,10 +13382,10 @@
                   </m:oMath>
                 </a14:m>
                 <a:r>
-                  <a:rPr lang="en-US" altLang="en-US" sz="3600" dirty="0" smtClean="0">
-                    <a:latin typeface="Verdana" charset="0"/>
+                  <a:rPr lang="en-US" altLang="en-US" sz="3600" dirty="0">
+                    <a:latin typeface="Consolas" panose="020B0609020204030204" pitchFamily="49" charset="0"/>
                     <a:ea typeface="Verdana" charset="0"/>
-                    <a:cs typeface="Verdana" charset="0"/>
+                    <a:cs typeface="Consolas" panose="020B0609020204030204" pitchFamily="49" charset="0"/>
                   </a:rPr>
                   <a:t> (eta squared) and </a:t>
                 </a:r>
@@ -14105,57 +13436,11 @@
                 </a14:m>
                 <a:r>
                   <a:rPr lang="en-US" altLang="en-US" sz="4800" i="1" baseline="-25000" dirty="0">
-                    <a:latin typeface="Verdana" charset="0"/>
+                    <a:latin typeface="Consolas" panose="020B0609020204030204" pitchFamily="49" charset="0"/>
                     <a:ea typeface="Verdana" charset="0"/>
-                    <a:cs typeface="Verdana" charset="0"/>
+                    <a:cs typeface="Consolas" panose="020B0609020204030204" pitchFamily="49" charset="0"/>
                   </a:rPr>
                   <a:t> </a:t>
-                </a:r>
-                <a:endParaRPr lang="en-US" altLang="en-US" sz="4800" i="1" baseline="-25000" dirty="0" smtClean="0">
-                  <a:latin typeface="Verdana" charset="0"/>
-                  <a:ea typeface="Verdana" charset="0"/>
-                  <a:cs typeface="Verdana" charset="0"/>
-                </a:endParaRPr>
-              </a:p>
-              <a:p>
-                <a:pPr marL="1028700" lvl="1" indent="-571500">
-                  <a:buFont typeface="Arial" charset="0"/>
-                  <a:buChar char="•"/>
-                </a:pPr>
-                <a:r>
-                  <a:rPr lang="en-US" altLang="en-US" sz="3200" dirty="0" smtClean="0">
-                    <a:solidFill>
-                      <a:srgbClr val="FFFF00"/>
-                    </a:solidFill>
-                    <a:latin typeface="Verdana" charset="0"/>
-                    <a:ea typeface="Verdana" charset="0"/>
-                    <a:cs typeface="Verdana" charset="0"/>
-                  </a:rPr>
-                  <a:t>association</a:t>
-                </a:r>
-                <a:r>
-                  <a:rPr lang="en-US" altLang="en-US" sz="3200" dirty="0" smtClean="0">
-                    <a:latin typeface="Verdana" charset="0"/>
-                    <a:ea typeface="Verdana" charset="0"/>
-                    <a:cs typeface="Verdana" charset="0"/>
-                  </a:rPr>
-                  <a:t> </a:t>
-                </a:r>
-                <a:r>
-                  <a:rPr lang="en-US" altLang="en-US" sz="3200" dirty="0">
-                    <a:latin typeface="Verdana" charset="0"/>
-                    <a:ea typeface="Verdana" charset="0"/>
-                    <a:cs typeface="Verdana" charset="0"/>
-                  </a:rPr>
-                  <a:t>between grouping variable (IV) and continuous </a:t>
-                </a:r>
-                <a:r>
-                  <a:rPr lang="en-US" altLang="en-US" sz="3200" dirty="0" smtClean="0">
-                    <a:latin typeface="Verdana" charset="0"/>
-                    <a:ea typeface="Verdana" charset="0"/>
-                    <a:cs typeface="Verdana" charset="0"/>
-                  </a:rPr>
-                  <a:t>DV</a:t>
                 </a:r>
               </a:p>
               <a:p>
@@ -14164,28 +13449,23 @@
                   <a:buChar char="•"/>
                 </a:pPr>
                 <a:r>
-                  <a:rPr lang="en-US" altLang="en-US" sz="3200" dirty="0" smtClean="0">
-                    <a:latin typeface="Verdana" charset="0"/>
+                  <a:rPr lang="en-US" altLang="en-US" sz="3200" dirty="0">
+                    <a:solidFill>
+                      <a:srgbClr val="FFFF00"/>
+                    </a:solidFill>
+                    <a:latin typeface="Consolas" panose="020B0609020204030204" pitchFamily="49" charset="0"/>
                     <a:ea typeface="Verdana" charset="0"/>
-                    <a:cs typeface="Verdana" charset="0"/>
+                    <a:cs typeface="Consolas" panose="020B0609020204030204" pitchFamily="49" charset="0"/>
                   </a:rPr>
-                  <a:t>Ranges </a:t>
+                  <a:t>association</a:t>
                 </a:r>
                 <a:r>
                   <a:rPr lang="en-US" altLang="en-US" sz="3200" dirty="0">
-                    <a:latin typeface="Verdana" charset="0"/>
+                    <a:latin typeface="Consolas" panose="020B0609020204030204" pitchFamily="49" charset="0"/>
                     <a:ea typeface="Verdana" charset="0"/>
-                    <a:cs typeface="Verdana" charset="0"/>
+                    <a:cs typeface="Consolas" panose="020B0609020204030204" pitchFamily="49" charset="0"/>
                   </a:rPr>
-                  <a:t>from 0 to </a:t>
-                </a:r>
-                <a:r>
-                  <a:rPr lang="en-US" altLang="en-US" sz="3200" dirty="0" smtClean="0">
-                    <a:latin typeface="Verdana" charset="0"/>
-                    <a:ea typeface="Verdana" charset="0"/>
-                    <a:cs typeface="Verdana" charset="0"/>
-                  </a:rPr>
-                  <a:t>1</a:t>
+                  <a:t> between grouping variable (IV) and continuous DV</a:t>
                 </a:r>
               </a:p>
               <a:p>
@@ -14194,48 +13474,38 @@
                   <a:buChar char="•"/>
                 </a:pPr>
                 <a:r>
-                  <a:rPr lang="en-US" altLang="en-US" sz="3200" dirty="0" smtClean="0">
-                    <a:latin typeface="Verdana" charset="0"/>
+                  <a:rPr lang="en-US" altLang="en-US" sz="3200" dirty="0">
+                    <a:latin typeface="Consolas" panose="020B0609020204030204" pitchFamily="49" charset="0"/>
                     <a:ea typeface="Verdana" charset="0"/>
-                    <a:cs typeface="Verdana" charset="0"/>
+                    <a:cs typeface="Consolas" panose="020B0609020204030204" pitchFamily="49" charset="0"/>
                   </a:rPr>
-                  <a:t>With </a:t>
+                  <a:t>Ranges from 0 to 1</a:t>
                 </a:r>
+              </a:p>
+              <a:p>
+                <a:pPr marL="1028700" lvl="1" indent="-571500">
+                  <a:buFont typeface="Arial" charset="0"/>
+                  <a:buChar char="•"/>
+                </a:pPr>
                 <a:r>
                   <a:rPr lang="en-US" altLang="en-US" sz="3200" dirty="0">
-                    <a:latin typeface="Verdana" charset="0"/>
+                    <a:latin typeface="Consolas" panose="020B0609020204030204" pitchFamily="49" charset="0"/>
                     <a:ea typeface="Verdana" charset="0"/>
-                    <a:cs typeface="Verdana" charset="0"/>
+                    <a:cs typeface="Consolas" panose="020B0609020204030204" pitchFamily="49" charset="0"/>
                   </a:rPr>
-                  <a:t>only 2 groups, </a:t>
-                </a:r>
-                <a:r>
-                  <a:rPr lang="en-US" altLang="en-US" sz="3200" dirty="0" smtClean="0">
-                    <a:latin typeface="Verdana" charset="0"/>
-                    <a:ea typeface="Verdana" charset="0"/>
-                    <a:cs typeface="Verdana" charset="0"/>
-                  </a:rPr>
-                  <a:t>results </a:t>
-                </a:r>
-                <a:r>
-                  <a:rPr lang="en-US" altLang="en-US" sz="3200" dirty="0">
-                    <a:latin typeface="Verdana" charset="0"/>
-                    <a:ea typeface="Verdana" charset="0"/>
-                    <a:cs typeface="Verdana" charset="0"/>
-                  </a:rPr>
-                  <a:t>are same</a:t>
+                  <a:t>With only 2 groups, results are same</a:t>
                 </a:r>
                 <a:endParaRPr lang="en-US" sz="3200" dirty="0">
-                  <a:latin typeface="Verdana" charset="0"/>
+                  <a:latin typeface="Consolas" panose="020B0609020204030204" pitchFamily="49" charset="0"/>
                   <a:ea typeface="Verdana" charset="0"/>
-                  <a:cs typeface="Verdana" charset="0"/>
+                  <a:cs typeface="Consolas" panose="020B0609020204030204" pitchFamily="49" charset="0"/>
                 </a:endParaRPr>
               </a:p>
               <a:p>
                 <a:endParaRPr lang="en-US" sz="2400" dirty="0">
-                  <a:latin typeface="Verdana" charset="0"/>
+                  <a:latin typeface="Consolas" panose="020B0609020204030204" pitchFamily="49" charset="0"/>
                   <a:ea typeface="Verdana" charset="0"/>
-                  <a:cs typeface="Verdana" charset="0"/>
+                  <a:cs typeface="Consolas" panose="020B0609020204030204" pitchFamily="49" charset="0"/>
                 </a:endParaRPr>
               </a:p>
             </p:txBody>
@@ -14261,7 +13531,7 @@
               <a:blipFill>
                 <a:blip r:embed="rId4"/>
                 <a:stretch>
-                  <a:fillRect/>
+                  <a:fillRect l="-923" r="-2639"/>
                 </a:stretch>
               </a:blipFill>
             </p:spPr>
@@ -14403,7 +13673,10 @@
           </a:lstStyle>
           <a:p>
             <a:r>
-              <a:rPr lang="en-US" sz="4000" cap="none" smtClean="0">
+              <a:rPr lang="en-US" sz="4000" cap="none" dirty="0">
+                <a:solidFill>
+                  <a:schemeClr val="tx1"/>
+                </a:solidFill>
                 <a:effectLst>
                   <a:glow rad="38100">
                     <a:schemeClr val="bg1">
@@ -14419,20 +13692,6 @@
               </a:rPr>
               <a:t>Effect Sizes</a:t>
             </a:r>
-            <a:endParaRPr lang="en-US" sz="4000" cap="none" dirty="0">
-              <a:effectLst>
-                <a:glow rad="38100">
-                  <a:schemeClr val="bg1">
-                    <a:lumMod val="65000"/>
-                    <a:lumOff val="35000"/>
-                    <a:alpha val="40000"/>
-                  </a:schemeClr>
-                </a:glow>
-              </a:effectLst>
-              <a:latin typeface="Consolas" charset="0"/>
-              <a:ea typeface="Consolas" charset="0"/>
-              <a:cs typeface="Consolas" charset="0"/>
-            </a:endParaRPr>
           </a:p>
         </p:txBody>
       </p:sp>
@@ -14446,17 +13705,10 @@
   <p:clrMapOvr>
     <a:masterClrMapping/>
   </p:clrMapOvr>
-  <p:timing>
-    <p:tnLst>
-      <p:par>
-        <p:cTn id="1" dur="indefinite" restart="never" nodeType="tmRoot"/>
-      </p:par>
-    </p:tnLst>
-  </p:timing>
 </p:sld>
 </file>
 
-<file path=ppt/slides/slide8.xml><?xml version="1.0" encoding="utf-8"?>
+<file path=ppt/slides/slide9.xml><?xml version="1.0" encoding="utf-8"?>
 <p:sld xmlns:a="http://schemas.openxmlformats.org/drawingml/2006/main" xmlns:r="http://schemas.openxmlformats.org/officeDocument/2006/relationships" xmlns:p="http://schemas.openxmlformats.org/presentationml/2006/main">
   <p:cSld>
     <p:spTree>
@@ -14494,7 +13746,10 @@
           <a:lstStyle/>
           <a:p>
             <a:r>
-              <a:rPr lang="en-US" cap="none" dirty="0" smtClean="0">
+              <a:rPr lang="en-US" cap="none" dirty="0">
+                <a:solidFill>
+                  <a:schemeClr val="tx1"/>
+                </a:solidFill>
                 <a:effectLst>
                   <a:glow rad="38100">
                     <a:schemeClr val="bg1">
@@ -14507,17 +13762,6 @@
               </a:rPr>
               <a:t>What affects power?</a:t>
             </a:r>
-            <a:endParaRPr lang="en-US" cap="none" dirty="0">
-              <a:effectLst>
-                <a:glow rad="38100">
-                  <a:schemeClr val="bg1">
-                    <a:lumMod val="65000"/>
-                    <a:lumOff val="35000"/>
-                    <a:alpha val="40000"/>
-                  </a:schemeClr>
-                </a:glow>
-              </a:effectLst>
-            </a:endParaRPr>
           </a:p>
         </p:txBody>
       </p:sp>
@@ -14551,7 +13795,10 @@
               <a:buAutoNum type="arabicPeriod"/>
             </a:pPr>
             <a:r>
-              <a:rPr lang="en-US" sz="2800" cap="none" dirty="0" smtClean="0">
+              <a:rPr lang="en-US" sz="2800" b="1" cap="none" dirty="0">
+                <a:solidFill>
+                  <a:schemeClr val="tx1"/>
+                </a:solidFill>
                 <a:effectLst>
                   <a:glow rad="38100">
                     <a:schemeClr val="bg1">
@@ -14561,6 +13808,8 @@
                     </a:schemeClr>
                   </a:glow>
                 </a:effectLst>
+                <a:latin typeface="Consolas" panose="020B0609020204030204" pitchFamily="49" charset="0"/>
+                <a:cs typeface="Consolas" panose="020B0609020204030204" pitchFamily="49" charset="0"/>
               </a:rPr>
               <a:t>Sample Size</a:t>
             </a:r>
@@ -14572,7 +13821,10 @@
               </a:lnSpc>
             </a:pPr>
             <a:r>
-              <a:rPr lang="en-US" sz="2400" cap="none" dirty="0" smtClean="0">
+              <a:rPr lang="en-US" sz="2400" cap="none" dirty="0">
+                <a:solidFill>
+                  <a:schemeClr val="tx1"/>
+                </a:solidFill>
                 <a:effectLst>
                   <a:glow rad="38100">
                     <a:schemeClr val="bg1">
@@ -14582,6 +13834,8 @@
                     </a:schemeClr>
                   </a:glow>
                 </a:effectLst>
+                <a:latin typeface="Consolas" panose="020B0609020204030204" pitchFamily="49" charset="0"/>
+                <a:cs typeface="Consolas" panose="020B0609020204030204" pitchFamily="49" charset="0"/>
               </a:rPr>
               <a:t>Larger sample = more power </a:t>
             </a:r>
@@ -14595,7 +13849,10 @@
               <a:buAutoNum type="arabicPeriod"/>
             </a:pPr>
             <a:r>
-              <a:rPr lang="en-US" sz="2800" cap="none" dirty="0" smtClean="0">
+              <a:rPr lang="en-US" sz="2800" b="1" cap="none" dirty="0">
+                <a:solidFill>
+                  <a:schemeClr val="tx1"/>
+                </a:solidFill>
                 <a:effectLst>
                   <a:glow rad="38100">
                     <a:schemeClr val="bg1">
@@ -14605,6 +13862,8 @@
                     </a:schemeClr>
                   </a:glow>
                 </a:effectLst>
+                <a:latin typeface="Consolas" panose="020B0609020204030204" pitchFamily="49" charset="0"/>
+                <a:cs typeface="Consolas" panose="020B0609020204030204" pitchFamily="49" charset="0"/>
               </a:rPr>
               <a:t>Effect Size</a:t>
             </a:r>
@@ -14616,7 +13875,10 @@
               </a:lnSpc>
             </a:pPr>
             <a:r>
-              <a:rPr lang="en-US" sz="2400" cap="none" dirty="0" smtClean="0">
+              <a:rPr lang="en-US" sz="2400" cap="none" dirty="0">
+                <a:solidFill>
+                  <a:schemeClr val="tx1"/>
+                </a:solidFill>
                 <a:effectLst>
                   <a:glow rad="38100">
                     <a:schemeClr val="bg1">
@@ -14626,6 +13888,8 @@
                     </a:schemeClr>
                   </a:glow>
                 </a:effectLst>
+                <a:latin typeface="Consolas" panose="020B0609020204030204" pitchFamily="49" charset="0"/>
+                <a:cs typeface="Consolas" panose="020B0609020204030204" pitchFamily="49" charset="0"/>
               </a:rPr>
               <a:t>Larger Effect size = more power</a:t>
             </a:r>
@@ -14639,7 +13903,10 @@
               <a:buAutoNum type="arabicPeriod"/>
             </a:pPr>
             <a:r>
-              <a:rPr lang="en-US" sz="2800" cap="none" dirty="0" smtClean="0">
+              <a:rPr lang="en-US" sz="2800" b="1" cap="none" dirty="0">
+                <a:solidFill>
+                  <a:schemeClr val="tx1"/>
+                </a:solidFill>
                 <a:effectLst>
                   <a:glow rad="38100">
                     <a:schemeClr val="bg1">
@@ -14649,6 +13916,8 @@
                     </a:schemeClr>
                   </a:glow>
                 </a:effectLst>
+                <a:latin typeface="Consolas" panose="020B0609020204030204" pitchFamily="49" charset="0"/>
+                <a:cs typeface="Consolas" panose="020B0609020204030204" pitchFamily="49" charset="0"/>
               </a:rPr>
               <a:t>Alpha Level</a:t>
             </a:r>
@@ -14660,7 +13929,10 @@
               </a:lnSpc>
             </a:pPr>
             <a:r>
-              <a:rPr lang="en-US" sz="2400" cap="none" dirty="0" smtClean="0">
+              <a:rPr lang="en-US" sz="2400" cap="none" dirty="0">
+                <a:solidFill>
+                  <a:schemeClr val="tx1"/>
+                </a:solidFill>
                 <a:effectLst>
                   <a:glow rad="38100">
                     <a:schemeClr val="bg1">
@@ -14670,6 +13942,8 @@
                     </a:schemeClr>
                   </a:glow>
                 </a:effectLst>
+                <a:latin typeface="Consolas" panose="020B0609020204030204" pitchFamily="49" charset="0"/>
+                <a:cs typeface="Consolas" panose="020B0609020204030204" pitchFamily="49" charset="0"/>
               </a:rPr>
               <a:t>Higher Alphas = more power</a:t>
             </a:r>
@@ -14683,7 +13957,10 @@
               <a:buAutoNum type="arabicPeriod"/>
             </a:pPr>
             <a:r>
-              <a:rPr lang="en-US" sz="2800" cap="none" dirty="0" smtClean="0">
+              <a:rPr lang="en-US" sz="2800" b="1" cap="none" dirty="0">
+                <a:solidFill>
+                  <a:schemeClr val="tx1"/>
+                </a:solidFill>
                 <a:effectLst>
                   <a:glow rad="38100">
                     <a:schemeClr val="bg1">
@@ -14693,6 +13970,8 @@
                     </a:schemeClr>
                   </a:glow>
                 </a:effectLst>
+                <a:latin typeface="Consolas" panose="020B0609020204030204" pitchFamily="49" charset="0"/>
+                <a:cs typeface="Consolas" panose="020B0609020204030204" pitchFamily="49" charset="0"/>
               </a:rPr>
               <a:t>Directionality</a:t>
             </a:r>
@@ -14704,7 +13983,10 @@
               </a:lnSpc>
             </a:pPr>
             <a:r>
-              <a:rPr lang="en-US" sz="2400" cap="none" dirty="0" smtClean="0">
+              <a:rPr lang="en-US" sz="2400" cap="none" dirty="0">
+                <a:solidFill>
+                  <a:schemeClr val="tx1"/>
+                </a:solidFill>
                 <a:effectLst>
                   <a:glow rad="38100">
                     <a:schemeClr val="bg1">
@@ -14714,48 +13996,11 @@
                     </a:schemeClr>
                   </a:glow>
                 </a:effectLst>
+                <a:latin typeface="Consolas" panose="020B0609020204030204" pitchFamily="49" charset="0"/>
+                <a:cs typeface="Consolas" panose="020B0609020204030204" pitchFamily="49" charset="0"/>
               </a:rPr>
-              <a:t>One tail </a:t>
-            </a:r>
-            <a:r>
-              <a:rPr lang="en-US" sz="2400" cap="none" dirty="0">
-                <a:effectLst>
-                  <a:glow rad="38100">
-                    <a:schemeClr val="bg1">
-                      <a:lumMod val="50000"/>
-                      <a:lumOff val="50000"/>
-                      <a:alpha val="20000"/>
-                    </a:schemeClr>
-                  </a:glow>
-                </a:effectLst>
-              </a:rPr>
-              <a:t> </a:t>
-            </a:r>
-            <a:r>
-              <a:rPr lang="en-US" sz="2400" cap="none" dirty="0" smtClean="0">
-                <a:effectLst>
-                  <a:glow rad="38100">
-                    <a:schemeClr val="bg1">
-                      <a:lumMod val="50000"/>
-                      <a:lumOff val="50000"/>
-                      <a:alpha val="20000"/>
-                    </a:schemeClr>
-                  </a:glow>
-                </a:effectLst>
-              </a:rPr>
-              <a:t>= more power</a:t>
-            </a:r>
-            <a:endParaRPr lang="en-US" sz="2400" cap="none" dirty="0">
-              <a:effectLst>
-                <a:glow rad="38100">
-                  <a:schemeClr val="bg1">
-                    <a:lumMod val="50000"/>
-                    <a:lumOff val="50000"/>
-                    <a:alpha val="20000"/>
-                  </a:schemeClr>
-                </a:glow>
-              </a:effectLst>
-            </a:endParaRPr>
+              <a:t>One tail  = more power</a:t>
+            </a:r>
           </a:p>
         </p:txBody>
       </p:sp>
@@ -14776,7 +14021,7 @@
           <a:p>
             <a:fld id="{70530345-2CA8-4B10-B827-7E2C2137411C}" type="slidenum">
               <a:rPr lang="en-US" smtClean="0"/>
-              <a:t>8</a:t>
+              <a:t>9</a:t>
             </a:fld>
             <a:endParaRPr lang="en-US"/>
           </a:p>
@@ -14833,563 +14078,6 @@
   <p:clrMapOvr>
     <a:masterClrMapping/>
   </p:clrMapOvr>
-  <p:timing>
-    <p:tnLst>
-      <p:par>
-        <p:cTn id="1" dur="indefinite" restart="never" nodeType="tmRoot"/>
-      </p:par>
-    </p:tnLst>
-  </p:timing>
-</p:sld>
-</file>
-
-<file path=ppt/slides/slide9.xml><?xml version="1.0" encoding="utf-8"?>
-<p:sld xmlns:a="http://schemas.openxmlformats.org/drawingml/2006/main" xmlns:r="http://schemas.openxmlformats.org/officeDocument/2006/relationships" xmlns:p="http://schemas.openxmlformats.org/presentationml/2006/main">
-  <p:cSld>
-    <p:spTree>
-      <p:nvGrpSpPr>
-        <p:cNvPr id="1" name=""/>
-        <p:cNvGrpSpPr/>
-        <p:nvPr/>
-      </p:nvGrpSpPr>
-      <p:grpSpPr>
-        <a:xfrm>
-          <a:off x="0" y="0"/>
-          <a:ext cx="0" cy="0"/>
-          <a:chOff x="0" y="0"/>
-          <a:chExt cx="0" cy="0"/>
-        </a:xfrm>
-      </p:grpSpPr>
-      <p:pic>
-        <p:nvPicPr>
-          <p:cNvPr id="8" name="Picture 7" descr="Power table"/>
-          <p:cNvPicPr>
-            <a:picLocks noChangeAspect="1" noChangeArrowheads="1"/>
-          </p:cNvPicPr>
-          <p:nvPr/>
-        </p:nvPicPr>
-        <p:blipFill rotWithShape="1">
-          <a:blip r:embed="rId2">
-            <a:extLst>
-              <a:ext uri="{28A0092B-C50C-407E-A947-70E740481C1C}">
-                <a14:useLocalDpi xmlns:a14="http://schemas.microsoft.com/office/drawing/2010/main" val="0"/>
-              </a:ext>
-            </a:extLst>
-          </a:blip>
-          <a:srcRect l="10313" r="33395"/>
-          <a:stretch/>
-        </p:blipFill>
-        <p:spPr bwMode="auto">
-          <a:xfrm>
-            <a:off x="7572044" y="444001"/>
-            <a:ext cx="4463715" cy="5891420"/>
-          </a:xfrm>
-          <a:prstGeom prst="rect">
-            <a:avLst/>
-          </a:prstGeom>
-          <a:noFill/>
-          <a:ln>
-            <a:noFill/>
-          </a:ln>
-          <a:extLst>
-            <a:ext uri="{909E8E84-426E-40DD-AFC4-6F175D3DCCD1}">
-              <a14:hiddenFill xmlns:a14="http://schemas.microsoft.com/office/drawing/2010/main">
-                <a:solidFill>
-                  <a:srgbClr val="FFFFFF"/>
-                </a:solidFill>
-              </a14:hiddenFill>
-            </a:ext>
-            <a:ext uri="{91240B29-F687-4F45-9708-019B960494DF}">
-              <a14:hiddenLine xmlns:a14="http://schemas.microsoft.com/office/drawing/2010/main" w="9525">
-                <a:solidFill>
-                  <a:srgbClr val="000000"/>
-                </a:solidFill>
-                <a:miter lim="800000"/>
-                <a:headEnd/>
-                <a:tailEnd/>
-              </a14:hiddenLine>
-            </a:ext>
-          </a:extLst>
-        </p:spPr>
-      </p:pic>
-      <p:sp>
-        <p:nvSpPr>
-          <p:cNvPr id="2" name="Title 1"/>
-          <p:cNvSpPr>
-            <a:spLocks noGrp="1"/>
-          </p:cNvSpPr>
-          <p:nvPr>
-            <p:ph type="title"/>
-          </p:nvPr>
-        </p:nvSpPr>
-        <p:spPr>
-          <a:xfrm>
-            <a:off x="1011249" y="246409"/>
-            <a:ext cx="9720072" cy="1499616"/>
-          </a:xfrm>
-        </p:spPr>
-        <p:txBody>
-          <a:bodyPr/>
-          <a:lstStyle/>
-          <a:p>
-            <a:r>
-              <a:rPr lang="en-US" cap="none" dirty="0" smtClean="0">
-                <a:effectLst>
-                  <a:glow rad="38100">
-                    <a:schemeClr val="bg1">
-                      <a:lumMod val="65000"/>
-                      <a:lumOff val="35000"/>
-                      <a:alpha val="40000"/>
-                    </a:schemeClr>
-                  </a:glow>
-                </a:effectLst>
-              </a:rPr>
-              <a:t>Power Analysis</a:t>
-            </a:r>
-            <a:endParaRPr lang="en-US" cap="none" dirty="0">
-              <a:effectLst>
-                <a:glow rad="38100">
-                  <a:schemeClr val="bg1">
-                    <a:lumMod val="65000"/>
-                    <a:lumOff val="35000"/>
-                    <a:alpha val="40000"/>
-                  </a:schemeClr>
-                </a:glow>
-              </a:effectLst>
-            </a:endParaRPr>
-          </a:p>
-        </p:txBody>
-      </p:sp>
-      <p:sp>
-        <p:nvSpPr>
-          <p:cNvPr id="3" name="Content Placeholder 2"/>
-          <p:cNvSpPr>
-            <a:spLocks noGrp="1"/>
-          </p:cNvSpPr>
-          <p:nvPr>
-            <p:ph idx="1"/>
-          </p:nvPr>
-        </p:nvSpPr>
-        <p:spPr>
-          <a:xfrm>
-            <a:off x="867887" y="1548433"/>
-            <a:ext cx="6704157" cy="4866926"/>
-          </a:xfrm>
-        </p:spPr>
-        <p:txBody>
-          <a:bodyPr>
-            <a:normAutofit fontScale="77500" lnSpcReduction="20000"/>
-          </a:bodyPr>
-          <a:lstStyle/>
-          <a:p>
-            <a:r>
-              <a:rPr lang="en-US" altLang="en-US" sz="2800" cap="none" dirty="0">
-                <a:effectLst>
-                  <a:glow rad="38100">
-                    <a:schemeClr val="bg1">
-                      <a:lumMod val="50000"/>
-                      <a:lumOff val="50000"/>
-                      <a:alpha val="20000"/>
-                    </a:schemeClr>
-                  </a:glow>
-                </a:effectLst>
-                <a:latin typeface="+mj-lt"/>
-              </a:rPr>
-              <a:t>Non-centrality parameter is calculated </a:t>
-            </a:r>
-            <a:r>
-              <a:rPr lang="en-US" altLang="en-US" sz="2800" cap="none" dirty="0" smtClean="0">
-                <a:effectLst>
-                  <a:glow rad="38100">
-                    <a:schemeClr val="bg1">
-                      <a:lumMod val="50000"/>
-                      <a:lumOff val="50000"/>
-                      <a:alpha val="20000"/>
-                    </a:schemeClr>
-                  </a:glow>
-                </a:effectLst>
-                <a:latin typeface="+mj-lt"/>
-              </a:rPr>
-              <a:t>by:</a:t>
-            </a:r>
-            <a:endParaRPr lang="en-US" altLang="en-US" sz="2800" cap="none" dirty="0">
-              <a:effectLst>
-                <a:glow rad="38100">
-                  <a:schemeClr val="bg1">
-                    <a:lumMod val="50000"/>
-                    <a:lumOff val="50000"/>
-                    <a:alpha val="20000"/>
-                  </a:schemeClr>
-                </a:glow>
-              </a:effectLst>
-              <a:latin typeface="+mj-lt"/>
-            </a:endParaRPr>
-          </a:p>
-          <a:p>
-            <a:endParaRPr lang="en-US" altLang="en-US" sz="2800" cap="none" dirty="0" smtClean="0">
-              <a:effectLst>
-                <a:glow rad="38100">
-                  <a:schemeClr val="bg1">
-                    <a:lumMod val="50000"/>
-                    <a:lumOff val="50000"/>
-                    <a:alpha val="20000"/>
-                  </a:schemeClr>
-                </a:glow>
-              </a:effectLst>
-              <a:latin typeface="+mj-lt"/>
-            </a:endParaRPr>
-          </a:p>
-          <a:p>
-            <a:endParaRPr lang="en-US" altLang="en-US" sz="2800" cap="none" dirty="0" smtClean="0">
-              <a:effectLst>
-                <a:glow rad="38100">
-                  <a:schemeClr val="bg1">
-                    <a:lumMod val="50000"/>
-                    <a:lumOff val="50000"/>
-                    <a:alpha val="20000"/>
-                  </a:schemeClr>
-                </a:glow>
-              </a:effectLst>
-              <a:latin typeface="+mj-lt"/>
-            </a:endParaRPr>
-          </a:p>
-          <a:p>
-            <a:endParaRPr lang="en-US" altLang="en-US" sz="2800" cap="none" dirty="0">
-              <a:effectLst>
-                <a:glow rad="38100">
-                  <a:schemeClr val="bg1">
-                    <a:lumMod val="50000"/>
-                    <a:lumOff val="50000"/>
-                    <a:alpha val="20000"/>
-                  </a:schemeClr>
-                </a:glow>
-              </a:effectLst>
-              <a:latin typeface="+mj-lt"/>
-            </a:endParaRPr>
-          </a:p>
-          <a:p>
-            <a:endParaRPr lang="en-US" altLang="en-US" sz="2800" cap="none" dirty="0" smtClean="0">
-              <a:effectLst>
-                <a:glow rad="38100">
-                  <a:schemeClr val="bg1">
-                    <a:lumMod val="50000"/>
-                    <a:lumOff val="50000"/>
-                    <a:alpha val="20000"/>
-                  </a:schemeClr>
-                </a:glow>
-              </a:effectLst>
-              <a:latin typeface="+mj-lt"/>
-            </a:endParaRPr>
-          </a:p>
-          <a:p>
-            <a:endParaRPr lang="en-US" altLang="en-US" sz="2800" cap="none" dirty="0" smtClean="0">
-              <a:effectLst>
-                <a:glow rad="38100">
-                  <a:schemeClr val="bg1">
-                    <a:lumMod val="50000"/>
-                    <a:lumOff val="50000"/>
-                    <a:alpha val="20000"/>
-                  </a:schemeClr>
-                </a:glow>
-              </a:effectLst>
-              <a:latin typeface="+mj-lt"/>
-            </a:endParaRPr>
-          </a:p>
-          <a:p>
-            <a:r>
-              <a:rPr lang="en-US" altLang="en-US" sz="2800" cap="none" dirty="0">
-                <a:effectLst>
-                  <a:glow rad="38100">
-                    <a:schemeClr val="bg1">
-                      <a:lumMod val="50000"/>
-                      <a:lumOff val="50000"/>
-                      <a:alpha val="20000"/>
-                    </a:schemeClr>
-                  </a:glow>
-                </a:effectLst>
-                <a:latin typeface="+mj-lt"/>
-              </a:rPr>
-              <a:t>S</a:t>
-            </a:r>
-            <a:r>
-              <a:rPr lang="en-US" altLang="en-US" sz="2800" cap="none" dirty="0" smtClean="0">
-                <a:effectLst>
-                  <a:glow rad="38100">
-                    <a:schemeClr val="bg1">
-                      <a:lumMod val="50000"/>
-                      <a:lumOff val="50000"/>
-                      <a:alpha val="20000"/>
-                    </a:schemeClr>
-                  </a:glow>
-                </a:effectLst>
-                <a:latin typeface="+mj-lt"/>
-              </a:rPr>
-              <a:t>ince </a:t>
-            </a:r>
-            <a:r>
-              <a:rPr lang="en-US" altLang="en-US" sz="2800" cap="none" dirty="0">
-                <a:effectLst>
-                  <a:glow rad="38100">
-                    <a:schemeClr val="bg1">
-                      <a:lumMod val="50000"/>
-                      <a:lumOff val="50000"/>
-                      <a:alpha val="20000"/>
-                    </a:schemeClr>
-                  </a:glow>
-                </a:effectLst>
-                <a:latin typeface="+mj-lt"/>
-              </a:rPr>
-              <a:t>it’s assumed that the… </a:t>
-            </a:r>
-          </a:p>
-          <a:p>
-            <a:pPr lvl="1"/>
-            <a:r>
-              <a:rPr lang="en-US" altLang="en-US" sz="2400" cap="none" dirty="0">
-                <a:effectLst>
-                  <a:glow rad="38100">
-                    <a:schemeClr val="bg1">
-                      <a:lumMod val="50000"/>
-                      <a:lumOff val="50000"/>
-                      <a:alpha val="20000"/>
-                    </a:schemeClr>
-                  </a:glow>
-                </a:effectLst>
-                <a:latin typeface="+mj-lt"/>
-                <a:ea typeface="ＭＳ Ｐゴシック" panose="020B0600070205080204" pitchFamily="34" charset="-128"/>
-              </a:rPr>
-              <a:t>Variances are same in 2 groups</a:t>
-            </a:r>
-          </a:p>
-          <a:p>
-            <a:pPr lvl="1"/>
-            <a:r>
-              <a:rPr lang="en-US" altLang="en-US" sz="2400" i="1" cap="none" dirty="0" smtClean="0">
-                <a:effectLst>
-                  <a:glow rad="38100">
-                    <a:schemeClr val="bg1">
-                      <a:lumMod val="50000"/>
-                      <a:lumOff val="50000"/>
-                      <a:alpha val="20000"/>
-                    </a:schemeClr>
-                  </a:glow>
-                </a:effectLst>
-                <a:latin typeface="+mj-lt"/>
-                <a:ea typeface="ＭＳ Ｐゴシック" panose="020B0600070205080204" pitchFamily="34" charset="-128"/>
-              </a:rPr>
-              <a:t>N’</a:t>
-            </a:r>
-            <a:r>
-              <a:rPr lang="en-US" altLang="en-US" sz="2400" cap="none" dirty="0" smtClean="0">
-                <a:effectLst>
-                  <a:glow rad="38100">
-                    <a:schemeClr val="bg1">
-                      <a:lumMod val="50000"/>
-                      <a:lumOff val="50000"/>
-                      <a:alpha val="20000"/>
-                    </a:schemeClr>
-                  </a:glow>
-                </a:effectLst>
-                <a:latin typeface="+mj-lt"/>
-                <a:ea typeface="ＭＳ Ｐゴシック" panose="020B0600070205080204" pitchFamily="34" charset="-128"/>
-              </a:rPr>
-              <a:t>s </a:t>
-            </a:r>
-            <a:r>
-              <a:rPr lang="en-US" altLang="en-US" sz="2400" cap="none" dirty="0">
-                <a:effectLst>
-                  <a:glow rad="38100">
-                    <a:schemeClr val="bg1">
-                      <a:lumMod val="50000"/>
-                      <a:lumOff val="50000"/>
-                      <a:alpha val="20000"/>
-                    </a:schemeClr>
-                  </a:glow>
-                </a:effectLst>
-                <a:latin typeface="+mj-lt"/>
-                <a:ea typeface="ＭＳ Ｐゴシック" panose="020B0600070205080204" pitchFamily="34" charset="-128"/>
-              </a:rPr>
-              <a:t>are same in 2 groups</a:t>
-            </a:r>
-          </a:p>
-          <a:p>
-            <a:r>
-              <a:rPr lang="en-US" altLang="en-US" sz="2800" cap="none" dirty="0">
-                <a:effectLst>
-                  <a:glow rad="38100">
-                    <a:schemeClr val="bg1">
-                      <a:lumMod val="50000"/>
-                      <a:lumOff val="50000"/>
-                      <a:alpha val="20000"/>
-                    </a:schemeClr>
-                  </a:glow>
-                </a:effectLst>
-                <a:latin typeface="+mj-lt"/>
-              </a:rPr>
-              <a:t>...and since </a:t>
-            </a:r>
-            <a:r>
-              <a:rPr lang="el-GR" altLang="en-US" sz="2800" i="1" cap="none" dirty="0">
-                <a:effectLst>
-                  <a:glow rad="38100">
-                    <a:schemeClr val="bg1">
-                      <a:lumMod val="50000"/>
-                      <a:lumOff val="50000"/>
-                      <a:alpha val="20000"/>
-                    </a:schemeClr>
-                  </a:glow>
-                </a:effectLst>
-                <a:latin typeface="+mj-lt"/>
-                <a:cs typeface="Arial" panose="020B0604020202020204" pitchFamily="34" charset="0"/>
-              </a:rPr>
-              <a:t>σ</a:t>
-            </a:r>
-            <a:r>
-              <a:rPr lang="en-US" altLang="en-US" sz="2800" cap="none" dirty="0">
-                <a:effectLst>
-                  <a:glow rad="38100">
-                    <a:schemeClr val="bg1">
-                      <a:lumMod val="50000"/>
-                      <a:lumOff val="50000"/>
-                      <a:alpha val="20000"/>
-                    </a:schemeClr>
-                  </a:glow>
-                </a:effectLst>
-                <a:latin typeface="+mj-lt"/>
-                <a:cs typeface="Arial" panose="020B0604020202020204" pitchFamily="34" charset="0"/>
-              </a:rPr>
-              <a:t> is </a:t>
-            </a:r>
-            <a:r>
-              <a:rPr lang="en-US" altLang="en-US" sz="2800" cap="none" dirty="0">
-                <a:effectLst>
-                  <a:glow rad="38100">
-                    <a:schemeClr val="bg1">
-                      <a:lumMod val="50000"/>
-                      <a:lumOff val="50000"/>
-                      <a:alpha val="20000"/>
-                    </a:schemeClr>
-                  </a:glow>
-                </a:effectLst>
-                <a:latin typeface="+mj-lt"/>
-              </a:rPr>
-              <a:t>often </a:t>
-            </a:r>
-            <a:r>
-              <a:rPr lang="en-US" altLang="en-US" sz="2800" cap="none" dirty="0">
-                <a:effectLst>
-                  <a:glow rad="38100">
-                    <a:schemeClr val="bg1">
-                      <a:lumMod val="50000"/>
-                      <a:lumOff val="50000"/>
-                      <a:alpha val="20000"/>
-                    </a:schemeClr>
-                  </a:glow>
-                </a:effectLst>
-                <a:latin typeface="+mj-lt"/>
-                <a:cs typeface="Arial" panose="020B0604020202020204" pitchFamily="34" charset="0"/>
-              </a:rPr>
-              <a:t>assumed to be 1…</a:t>
-            </a:r>
-            <a:endParaRPr lang="el-GR" altLang="en-US" sz="2800" cap="none" dirty="0">
-              <a:effectLst>
-                <a:glow rad="38100">
-                  <a:schemeClr val="bg1">
-                    <a:lumMod val="50000"/>
-                    <a:lumOff val="50000"/>
-                    <a:alpha val="20000"/>
-                  </a:schemeClr>
-                </a:glow>
-              </a:effectLst>
-              <a:latin typeface="+mj-lt"/>
-              <a:cs typeface="Arial" panose="020B0604020202020204" pitchFamily="34" charset="0"/>
-            </a:endParaRPr>
-          </a:p>
-          <a:p>
-            <a:r>
-              <a:rPr lang="en-US" altLang="en-US" sz="2800" cap="none" dirty="0">
-                <a:effectLst>
-                  <a:glow rad="38100">
-                    <a:schemeClr val="bg1">
-                      <a:lumMod val="50000"/>
-                      <a:lumOff val="50000"/>
-                      <a:alpha val="20000"/>
-                    </a:schemeClr>
-                  </a:glow>
-                </a:effectLst>
-                <a:latin typeface="+mj-lt"/>
-              </a:rPr>
-              <a:t>…the equation is simplified…</a:t>
-            </a:r>
-          </a:p>
-          <a:p>
-            <a:endParaRPr lang="en-US" cap="none" dirty="0">
-              <a:effectLst>
-                <a:glow rad="38100">
-                  <a:schemeClr val="bg1">
-                    <a:lumMod val="50000"/>
-                    <a:lumOff val="50000"/>
-                    <a:alpha val="20000"/>
-                  </a:schemeClr>
-                </a:glow>
-              </a:effectLst>
-              <a:latin typeface="+mj-lt"/>
-            </a:endParaRPr>
-          </a:p>
-        </p:txBody>
-      </p:sp>
-      <p:pic>
-        <p:nvPicPr>
-          <p:cNvPr id="6" name="Picture 5"/>
-          <p:cNvPicPr>
-            <a:picLocks noChangeAspect="1"/>
-          </p:cNvPicPr>
-          <p:nvPr/>
-        </p:nvPicPr>
-        <p:blipFill>
-          <a:blip r:embed="rId3"/>
-          <a:stretch>
-            <a:fillRect/>
-          </a:stretch>
-        </p:blipFill>
-        <p:spPr>
-          <a:xfrm>
-            <a:off x="2540200" y="2283164"/>
-            <a:ext cx="2451547" cy="1659443"/>
-          </a:xfrm>
-          <a:prstGeom prst="roundRect">
-            <a:avLst>
-              <a:gd name="adj" fmla="val 0"/>
-            </a:avLst>
-          </a:prstGeom>
-          <a:solidFill>
-            <a:srgbClr val="FFFFFF">
-              <a:shade val="85000"/>
-            </a:srgbClr>
-          </a:solidFill>
-          <a:ln>
-            <a:noFill/>
-          </a:ln>
-          <a:effectLst/>
-        </p:spPr>
-      </p:pic>
-    </p:spTree>
-    <p:extLst>
-      <p:ext uri="{BB962C8B-B14F-4D97-AF65-F5344CB8AC3E}">
-        <p14:creationId xmlns:p14="http://schemas.microsoft.com/office/powerpoint/2010/main" val="791377464"/>
-      </p:ext>
-    </p:extLst>
-  </p:cSld>
-  <p:clrMapOvr>
-    <a:masterClrMapping/>
-  </p:clrMapOvr>
-  <p:timing>
-    <p:tnLst>
-      <p:par>
-        <p:cTn id="1" dur="indefinite" restart="never" nodeType="tmRoot"/>
-      </p:par>
-    </p:tnLst>
-  </p:timing>
 </p:sld>
 </file>
 
